--- a/Workshops/3/awt-pj-ss23-evaluation-of-http3-for-media-streaming-2.pptx
+++ b/Workshops/3/awt-pj-ss23-evaluation-of-http3-for-media-streaming-2.pptx
@@ -13,10 +13,10 @@
     <p:sldId id="354" r:id="rId4"/>
     <p:sldId id="359" r:id="rId5"/>
     <p:sldId id="365" r:id="rId6"/>
-    <p:sldId id="360" r:id="rId7"/>
-    <p:sldId id="364" r:id="rId8"/>
-    <p:sldId id="361" r:id="rId9"/>
-    <p:sldId id="362" r:id="rId10"/>
+    <p:sldId id="366" r:id="rId7"/>
+    <p:sldId id="370" r:id="rId8"/>
+    <p:sldId id="371" r:id="rId9"/>
+    <p:sldId id="372" r:id="rId10"/>
     <p:sldId id="363" r:id="rId11"/>
   </p:sldIdLst>
   <p:sldSz cx="12192000" cy="6858000"/>
@@ -127,16 +127,240 @@
 </p:presentation>
 </file>
 
-<file path=ppt/revisionInfo.xml><?xml version="1.0" encoding="utf-8"?>
-<p1510:revInfo xmlns:a="http://schemas.openxmlformats.org/drawingml/2006/main" xmlns:r="http://schemas.openxmlformats.org/officeDocument/2006/relationships" xmlns:p1510="http://schemas.microsoft.com/office/powerpoint/2015/10/main">
-  <p1510:revLst>
-    <p1510:client id="{ECCFC341-3C8E-431F-BB40-7F8F36FC14DD}" v="25" dt="2023-05-12T10:26:55.852"/>
-  </p1510:revLst>
-</p1510:revInfo>
-</file>
-
 <file path=ppt/changesInfos/changesInfo1.xml><?xml version="1.0" encoding="utf-8"?>
 <pc:chgInfo xmlns:a="http://schemas.openxmlformats.org/drawingml/2006/main" xmlns:r="http://schemas.openxmlformats.org/officeDocument/2006/relationships" xmlns:ac="http://schemas.microsoft.com/office/drawing/2013/main/command" xmlns:pc="http://schemas.microsoft.com/office/powerpoint/2013/main/command">
+  <pc:docChgLst>
+    <pc:chgData name="Philip Nys" userId="0f626723c9935f96" providerId="LiveId" clId="{47BA77B8-5DD6-4416-A46A-EF3C3A40BCD5}"/>
+    <pc:docChg chg="undo redo custSel addSld delSld modSld modMainMaster">
+      <pc:chgData name="Philip Nys" userId="0f626723c9935f96" providerId="LiveId" clId="{47BA77B8-5DD6-4416-A46A-EF3C3A40BCD5}" dt="2023-07-07T10:47:29.201" v="921" actId="20577"/>
+      <pc:docMkLst>
+        <pc:docMk/>
+      </pc:docMkLst>
+      <pc:sldChg chg="modSp mod">
+        <pc:chgData name="Philip Nys" userId="0f626723c9935f96" providerId="LiveId" clId="{47BA77B8-5DD6-4416-A46A-EF3C3A40BCD5}" dt="2023-07-07T10:39:57.045" v="401" actId="20577"/>
+        <pc:sldMkLst>
+          <pc:docMk/>
+          <pc:sldMk cId="2026090156" sldId="354"/>
+        </pc:sldMkLst>
+        <pc:spChg chg="mod">
+          <ac:chgData name="Philip Nys" userId="0f626723c9935f96" providerId="LiveId" clId="{47BA77B8-5DD6-4416-A46A-EF3C3A40BCD5}" dt="2023-07-07T10:39:57.045" v="401" actId="20577"/>
+          <ac:spMkLst>
+            <pc:docMk/>
+            <pc:sldMk cId="2026090156" sldId="354"/>
+            <ac:spMk id="3" creationId="{AE105368-A57B-B34E-B39D-32988103397A}"/>
+          </ac:spMkLst>
+        </pc:spChg>
+      </pc:sldChg>
+      <pc:sldChg chg="modSp mod">
+        <pc:chgData name="Philip Nys" userId="0f626723c9935f96" providerId="LiveId" clId="{47BA77B8-5DD6-4416-A46A-EF3C3A40BCD5}" dt="2023-07-07T10:35:35.376" v="166" actId="20577"/>
+        <pc:sldMkLst>
+          <pc:docMk/>
+          <pc:sldMk cId="668842809" sldId="358"/>
+        </pc:sldMkLst>
+        <pc:spChg chg="mod">
+          <ac:chgData name="Philip Nys" userId="0f626723c9935f96" providerId="LiveId" clId="{47BA77B8-5DD6-4416-A46A-EF3C3A40BCD5}" dt="2023-07-07T10:35:35.376" v="166" actId="20577"/>
+          <ac:spMkLst>
+            <pc:docMk/>
+            <pc:sldMk cId="668842809" sldId="358"/>
+            <ac:spMk id="9" creationId="{2DD8A406-EC2B-3942-821D-690FFD0DA113}"/>
+          </ac:spMkLst>
+        </pc:spChg>
+      </pc:sldChg>
+      <pc:sldChg chg="modSp mod modNotesTx">
+        <pc:chgData name="Philip Nys" userId="0f626723c9935f96" providerId="LiveId" clId="{47BA77B8-5DD6-4416-A46A-EF3C3A40BCD5}" dt="2023-07-07T10:34:09.399" v="134" actId="20577"/>
+        <pc:sldMkLst>
+          <pc:docMk/>
+          <pc:sldMk cId="522414064" sldId="359"/>
+        </pc:sldMkLst>
+        <pc:spChg chg="mod">
+          <ac:chgData name="Philip Nys" userId="0f626723c9935f96" providerId="LiveId" clId="{47BA77B8-5DD6-4416-A46A-EF3C3A40BCD5}" dt="2023-07-07T10:34:09.399" v="134" actId="20577"/>
+          <ac:spMkLst>
+            <pc:docMk/>
+            <pc:sldMk cId="522414064" sldId="359"/>
+            <ac:spMk id="4" creationId="{45F894AC-232B-01B5-80AD-B189941463FA}"/>
+          </ac:spMkLst>
+        </pc:spChg>
+      </pc:sldChg>
+      <pc:sldChg chg="del modNotesTx">
+        <pc:chgData name="Philip Nys" userId="0f626723c9935f96" providerId="LiveId" clId="{47BA77B8-5DD6-4416-A46A-EF3C3A40BCD5}" dt="2023-07-07T10:44:22.150" v="765" actId="47"/>
+        <pc:sldMkLst>
+          <pc:docMk/>
+          <pc:sldMk cId="2346224190" sldId="360"/>
+        </pc:sldMkLst>
+      </pc:sldChg>
+      <pc:sldChg chg="del modNotesTx">
+        <pc:chgData name="Philip Nys" userId="0f626723c9935f96" providerId="LiveId" clId="{47BA77B8-5DD6-4416-A46A-EF3C3A40BCD5}" dt="2023-07-07T10:44:22.150" v="765" actId="47"/>
+        <pc:sldMkLst>
+          <pc:docMk/>
+          <pc:sldMk cId="1344757342" sldId="361"/>
+        </pc:sldMkLst>
+      </pc:sldChg>
+      <pc:sldChg chg="del modNotesTx">
+        <pc:chgData name="Philip Nys" userId="0f626723c9935f96" providerId="LiveId" clId="{47BA77B8-5DD6-4416-A46A-EF3C3A40BCD5}" dt="2023-07-07T10:44:22.150" v="765" actId="47"/>
+        <pc:sldMkLst>
+          <pc:docMk/>
+          <pc:sldMk cId="314973362" sldId="362"/>
+        </pc:sldMkLst>
+      </pc:sldChg>
+      <pc:sldChg chg="del modNotesTx">
+        <pc:chgData name="Philip Nys" userId="0f626723c9935f96" providerId="LiveId" clId="{47BA77B8-5DD6-4416-A46A-EF3C3A40BCD5}" dt="2023-07-07T10:44:22.150" v="765" actId="47"/>
+        <pc:sldMkLst>
+          <pc:docMk/>
+          <pc:sldMk cId="3596586972" sldId="364"/>
+        </pc:sldMkLst>
+      </pc:sldChg>
+      <pc:sldChg chg="modSp mod modNotesTx">
+        <pc:chgData name="Philip Nys" userId="0f626723c9935f96" providerId="LiveId" clId="{47BA77B8-5DD6-4416-A46A-EF3C3A40BCD5}" dt="2023-07-07T10:43:48.005" v="764" actId="113"/>
+        <pc:sldMkLst>
+          <pc:docMk/>
+          <pc:sldMk cId="2964607789" sldId="365"/>
+        </pc:sldMkLst>
+        <pc:spChg chg="mod">
+          <ac:chgData name="Philip Nys" userId="0f626723c9935f96" providerId="LiveId" clId="{47BA77B8-5DD6-4416-A46A-EF3C3A40BCD5}" dt="2023-07-07T10:39:39.026" v="376" actId="20577"/>
+          <ac:spMkLst>
+            <pc:docMk/>
+            <pc:sldMk cId="2964607789" sldId="365"/>
+            <ac:spMk id="5" creationId="{3AA00B97-4389-B144-752C-A1C8424B53A1}"/>
+          </ac:spMkLst>
+        </pc:spChg>
+        <pc:spChg chg="mod">
+          <ac:chgData name="Philip Nys" userId="0f626723c9935f96" providerId="LiveId" clId="{47BA77B8-5DD6-4416-A46A-EF3C3A40BCD5}" dt="2023-07-07T10:43:48.005" v="764" actId="113"/>
+          <ac:spMkLst>
+            <pc:docMk/>
+            <pc:sldMk cId="2964607789" sldId="365"/>
+            <ac:spMk id="6" creationId="{95CB6CC0-B52E-9F82-A719-117465DE9662}"/>
+          </ac:spMkLst>
+        </pc:spChg>
+      </pc:sldChg>
+      <pc:sldChg chg="add">
+        <pc:chgData name="Philip Nys" userId="0f626723c9935f96" providerId="LiveId" clId="{47BA77B8-5DD6-4416-A46A-EF3C3A40BCD5}" dt="2023-07-07T10:38:07.443" v="226" actId="2890"/>
+        <pc:sldMkLst>
+          <pc:docMk/>
+          <pc:sldMk cId="872514013" sldId="366"/>
+        </pc:sldMkLst>
+      </pc:sldChg>
+      <pc:sldChg chg="modSp new del mod">
+        <pc:chgData name="Philip Nys" userId="0f626723c9935f96" providerId="LiveId" clId="{47BA77B8-5DD6-4416-A46A-EF3C3A40BCD5}" dt="2023-07-07T10:45:49.871" v="833" actId="47"/>
+        <pc:sldMkLst>
+          <pc:docMk/>
+          <pc:sldMk cId="3522992258" sldId="367"/>
+        </pc:sldMkLst>
+        <pc:spChg chg="mod">
+          <ac:chgData name="Philip Nys" userId="0f626723c9935f96" providerId="LiveId" clId="{47BA77B8-5DD6-4416-A46A-EF3C3A40BCD5}" dt="2023-07-07T10:44:38.075" v="786" actId="20577"/>
+          <ac:spMkLst>
+            <pc:docMk/>
+            <pc:sldMk cId="3522992258" sldId="367"/>
+            <ac:spMk id="4" creationId="{6C4603CB-1480-40C9-B7CD-A93298A0427D}"/>
+          </ac:spMkLst>
+        </pc:spChg>
+      </pc:sldChg>
+      <pc:sldChg chg="modSp new del mod">
+        <pc:chgData name="Philip Nys" userId="0f626723c9935f96" providerId="LiveId" clId="{47BA77B8-5DD6-4416-A46A-EF3C3A40BCD5}" dt="2023-07-07T10:45:53.180" v="834" actId="47"/>
+        <pc:sldMkLst>
+          <pc:docMk/>
+          <pc:sldMk cId="4242776461" sldId="368"/>
+        </pc:sldMkLst>
+        <pc:spChg chg="mod">
+          <ac:chgData name="Philip Nys" userId="0f626723c9935f96" providerId="LiveId" clId="{47BA77B8-5DD6-4416-A46A-EF3C3A40BCD5}" dt="2023-07-07T10:44:46.044" v="791" actId="20577"/>
+          <ac:spMkLst>
+            <pc:docMk/>
+            <pc:sldMk cId="4242776461" sldId="368"/>
+            <ac:spMk id="4" creationId="{1205E6E8-0607-8B7C-DFC2-4FB8C0B4D363}"/>
+          </ac:spMkLst>
+        </pc:spChg>
+      </pc:sldChg>
+      <pc:sldChg chg="modSp new del mod">
+        <pc:chgData name="Philip Nys" userId="0f626723c9935f96" providerId="LiveId" clId="{47BA77B8-5DD6-4416-A46A-EF3C3A40BCD5}" dt="2023-07-07T10:46:18.057" v="866" actId="47"/>
+        <pc:sldMkLst>
+          <pc:docMk/>
+          <pc:sldMk cId="2789790733" sldId="369"/>
+        </pc:sldMkLst>
+        <pc:spChg chg="mod">
+          <ac:chgData name="Philip Nys" userId="0f626723c9935f96" providerId="LiveId" clId="{47BA77B8-5DD6-4416-A46A-EF3C3A40BCD5}" dt="2023-07-07T10:44:57.012" v="825" actId="20577"/>
+          <ac:spMkLst>
+            <pc:docMk/>
+            <pc:sldMk cId="2789790733" sldId="369"/>
+            <ac:spMk id="4" creationId="{D33ACDD5-56E0-F492-59B3-7872680DAD05}"/>
+          </ac:spMkLst>
+        </pc:spChg>
+      </pc:sldChg>
+      <pc:sldChg chg="modSp add mod">
+        <pc:chgData name="Philip Nys" userId="0f626723c9935f96" providerId="LiveId" clId="{47BA77B8-5DD6-4416-A46A-EF3C3A40BCD5}" dt="2023-07-07T10:45:47.111" v="832" actId="20577"/>
+        <pc:sldMkLst>
+          <pc:docMk/>
+          <pc:sldMk cId="1357553508" sldId="370"/>
+        </pc:sldMkLst>
+        <pc:spChg chg="mod">
+          <ac:chgData name="Philip Nys" userId="0f626723c9935f96" providerId="LiveId" clId="{47BA77B8-5DD6-4416-A46A-EF3C3A40BCD5}" dt="2023-07-07T10:45:47.111" v="832" actId="20577"/>
+          <ac:spMkLst>
+            <pc:docMk/>
+            <pc:sldMk cId="1357553508" sldId="370"/>
+            <ac:spMk id="5" creationId="{3AA00B97-4389-B144-752C-A1C8424B53A1}"/>
+          </ac:spMkLst>
+        </pc:spChg>
+      </pc:sldChg>
+      <pc:sldChg chg="modSp add mod">
+        <pc:chgData name="Philip Nys" userId="0f626723c9935f96" providerId="LiveId" clId="{47BA77B8-5DD6-4416-A46A-EF3C3A40BCD5}" dt="2023-07-07T10:45:58.708" v="839" actId="20577"/>
+        <pc:sldMkLst>
+          <pc:docMk/>
+          <pc:sldMk cId="1804747492" sldId="371"/>
+        </pc:sldMkLst>
+        <pc:spChg chg="mod">
+          <ac:chgData name="Philip Nys" userId="0f626723c9935f96" providerId="LiveId" clId="{47BA77B8-5DD6-4416-A46A-EF3C3A40BCD5}" dt="2023-07-07T10:45:58.708" v="839" actId="20577"/>
+          <ac:spMkLst>
+            <pc:docMk/>
+            <pc:sldMk cId="1804747492" sldId="371"/>
+            <ac:spMk id="5" creationId="{3AA00B97-4389-B144-752C-A1C8424B53A1}"/>
+          </ac:spMkLst>
+        </pc:spChg>
+      </pc:sldChg>
+      <pc:sldChg chg="modSp add mod">
+        <pc:chgData name="Philip Nys" userId="0f626723c9935f96" providerId="LiveId" clId="{47BA77B8-5DD6-4416-A46A-EF3C3A40BCD5}" dt="2023-07-07T10:47:29.201" v="921" actId="20577"/>
+        <pc:sldMkLst>
+          <pc:docMk/>
+          <pc:sldMk cId="1170049138" sldId="372"/>
+        </pc:sldMkLst>
+        <pc:spChg chg="mod">
+          <ac:chgData name="Philip Nys" userId="0f626723c9935f96" providerId="LiveId" clId="{47BA77B8-5DD6-4416-A46A-EF3C3A40BCD5}" dt="2023-07-07T10:46:09.780" v="864" actId="20577"/>
+          <ac:spMkLst>
+            <pc:docMk/>
+            <pc:sldMk cId="1170049138" sldId="372"/>
+            <ac:spMk id="5" creationId="{3AA00B97-4389-B144-752C-A1C8424B53A1}"/>
+          </ac:spMkLst>
+        </pc:spChg>
+        <pc:spChg chg="mod">
+          <ac:chgData name="Philip Nys" userId="0f626723c9935f96" providerId="LiveId" clId="{47BA77B8-5DD6-4416-A46A-EF3C3A40BCD5}" dt="2023-07-07T10:47:29.201" v="921" actId="20577"/>
+          <ac:spMkLst>
+            <pc:docMk/>
+            <pc:sldMk cId="1170049138" sldId="372"/>
+            <ac:spMk id="6" creationId="{95CB6CC0-B52E-9F82-A719-117465DE9662}"/>
+          </ac:spMkLst>
+        </pc:spChg>
+      </pc:sldChg>
+      <pc:sldChg chg="add del">
+        <pc:chgData name="Philip Nys" userId="0f626723c9935f96" providerId="LiveId" clId="{47BA77B8-5DD6-4416-A46A-EF3C3A40BCD5}" dt="2023-07-07T10:46:11.788" v="865" actId="47"/>
+        <pc:sldMkLst>
+          <pc:docMk/>
+          <pc:sldMk cId="2155274556" sldId="373"/>
+        </pc:sldMkLst>
+      </pc:sldChg>
+      <pc:sldMasterChg chg="modSp mod">
+        <pc:chgData name="Philip Nys" userId="0f626723c9935f96" providerId="LiveId" clId="{47BA77B8-5DD6-4416-A46A-EF3C3A40BCD5}" dt="2023-07-07T10:35:15.692" v="150" actId="20577"/>
+        <pc:sldMasterMkLst>
+          <pc:docMk/>
+          <pc:sldMasterMk cId="3907247464" sldId="2147483710"/>
+        </pc:sldMasterMkLst>
+        <pc:spChg chg="mod">
+          <ac:chgData name="Philip Nys" userId="0f626723c9935f96" providerId="LiveId" clId="{47BA77B8-5DD6-4416-A46A-EF3C3A40BCD5}" dt="2023-07-07T10:35:15.692" v="150" actId="20577"/>
+          <ac:spMkLst>
+            <pc:docMk/>
+            <pc:sldMasterMk cId="3907247464" sldId="2147483710"/>
+            <ac:spMk id="20" creationId="{36184FE9-ADE0-F94C-90C6-58CFCA50F9A4}"/>
+          </ac:spMkLst>
+        </pc:spChg>
+      </pc:sldMasterChg>
+    </pc:docChg>
+  </pc:docChgLst>
   <pc:docChgLst>
     <pc:chgData name="Philip Nys" userId="0f626723c9935f96" providerId="LiveId" clId="{ECCFC341-3C8E-431F-BB40-7F8F36FC14DD}"/>
     <pc:docChg chg="undo redo custSel addSld delSld modSld modMainMaster modNotesMaster">
@@ -839,7 +1063,7 @@
           <a:p>
             <a:fld id="{00A6180F-3EA1-4748-B4F4-956BB5176995}" type="datetimeFigureOut">
               <a:rPr lang="de-DE" smtClean="0"/>
-              <a:t>12.05.2023</a:t>
+              <a:t>07.07.2023</a:t>
             </a:fld>
             <a:endParaRPr lang="de-DE"/>
           </a:p>
@@ -1150,298 +1374,6 @@
           <a:bodyPr/>
           <a:lstStyle/>
           <a:p>
-            <a:r>
-              <a:rPr lang="de-DE" dirty="0"/>
-              <a:t>In 2017 </a:t>
-            </a:r>
-            <a:r>
-              <a:rPr lang="de-DE" dirty="0" err="1"/>
-              <a:t>about</a:t>
-            </a:r>
-            <a:r>
-              <a:rPr lang="de-DE" dirty="0"/>
-              <a:t> 72% </a:t>
-            </a:r>
-            <a:r>
-              <a:rPr lang="de-DE" dirty="0" err="1"/>
-              <a:t>of</a:t>
-            </a:r>
-            <a:r>
-              <a:rPr lang="de-DE" dirty="0"/>
-              <a:t> all </a:t>
-            </a:r>
-            <a:r>
-              <a:rPr lang="de-DE" dirty="0" err="1"/>
-              <a:t>internet</a:t>
-            </a:r>
-            <a:r>
-              <a:rPr lang="de-DE" dirty="0"/>
-              <a:t> </a:t>
-            </a:r>
-            <a:r>
-              <a:rPr lang="de-DE" dirty="0" err="1"/>
-              <a:t>traffic</a:t>
-            </a:r>
-            <a:r>
-              <a:rPr lang="de-DE" dirty="0"/>
-              <a:t> was </a:t>
-            </a:r>
-            <a:r>
-              <a:rPr lang="de-DE" dirty="0" err="1"/>
-              <a:t>was</a:t>
-            </a:r>
-            <a:r>
-              <a:rPr lang="de-DE" dirty="0"/>
-              <a:t> </a:t>
-            </a:r>
-            <a:r>
-              <a:rPr lang="de-DE" dirty="0" err="1"/>
-              <a:t>used</a:t>
-            </a:r>
-            <a:r>
-              <a:rPr lang="de-DE" dirty="0"/>
-              <a:t> </a:t>
-            </a:r>
-            <a:r>
-              <a:rPr lang="de-DE" dirty="0" err="1"/>
-              <a:t>up</a:t>
-            </a:r>
-            <a:r>
-              <a:rPr lang="de-DE" dirty="0"/>
-              <a:t> </a:t>
-            </a:r>
-            <a:r>
-              <a:rPr lang="de-DE" dirty="0" err="1"/>
-              <a:t>by</a:t>
-            </a:r>
-            <a:r>
-              <a:rPr lang="de-DE" dirty="0"/>
-              <a:t> </a:t>
-            </a:r>
-            <a:r>
-              <a:rPr lang="de-DE" dirty="0" err="1"/>
-              <a:t>media</a:t>
-            </a:r>
-            <a:r>
-              <a:rPr lang="de-DE" dirty="0"/>
-              <a:t> </a:t>
-            </a:r>
-            <a:r>
-              <a:rPr lang="de-DE" dirty="0" err="1"/>
-              <a:t>streaming</a:t>
-            </a:r>
-            <a:r>
-              <a:rPr lang="de-DE" dirty="0"/>
-              <a:t> and HTTP/3 </a:t>
-            </a:r>
-            <a:r>
-              <a:rPr lang="de-DE" dirty="0" err="1"/>
-              <a:t>aims</a:t>
-            </a:r>
-            <a:r>
-              <a:rPr lang="de-DE" dirty="0"/>
-              <a:t> </a:t>
-            </a:r>
-            <a:r>
-              <a:rPr lang="de-DE" dirty="0" err="1"/>
-              <a:t>to</a:t>
-            </a:r>
-            <a:r>
-              <a:rPr lang="de-DE" dirty="0"/>
-              <a:t> </a:t>
-            </a:r>
-            <a:r>
-              <a:rPr lang="de-DE" dirty="0" err="1"/>
-              <a:t>improve</a:t>
-            </a:r>
-            <a:r>
-              <a:rPr lang="de-DE" dirty="0"/>
-              <a:t> </a:t>
-            </a:r>
-            <a:r>
-              <a:rPr lang="de-DE" dirty="0" err="1"/>
-              <a:t>several</a:t>
-            </a:r>
-            <a:r>
-              <a:rPr lang="de-DE" dirty="0"/>
-              <a:t> </a:t>
-            </a:r>
-            <a:r>
-              <a:rPr lang="de-DE" dirty="0" err="1"/>
-              <a:t>things</a:t>
-            </a:r>
-            <a:r>
-              <a:rPr lang="de-DE" dirty="0"/>
-              <a:t>.</a:t>
-            </a:r>
-          </a:p>
-          <a:p>
-            <a:r>
-              <a:rPr lang="de-DE" dirty="0"/>
-              <a:t>	- </a:t>
-            </a:r>
-            <a:r>
-              <a:rPr lang="de-DE" dirty="0" err="1"/>
-              <a:t>reduce</a:t>
-            </a:r>
-            <a:r>
-              <a:rPr lang="de-DE" dirty="0"/>
-              <a:t> </a:t>
-            </a:r>
-            <a:r>
-              <a:rPr lang="de-DE" dirty="0" err="1"/>
-              <a:t>latency</a:t>
-            </a:r>
-            <a:r>
-              <a:rPr lang="de-DE" dirty="0"/>
-              <a:t>, </a:t>
-            </a:r>
-            <a:r>
-              <a:rPr lang="de-DE" dirty="0" err="1"/>
-              <a:t>by</a:t>
-            </a:r>
-            <a:r>
-              <a:rPr lang="de-DE" dirty="0"/>
-              <a:t> </a:t>
-            </a:r>
-            <a:r>
-              <a:rPr lang="de-DE" dirty="0" err="1"/>
-              <a:t>speeding</a:t>
-            </a:r>
-            <a:r>
-              <a:rPr lang="de-DE" dirty="0"/>
-              <a:t> </a:t>
-            </a:r>
-            <a:r>
-              <a:rPr lang="de-DE" dirty="0" err="1"/>
-              <a:t>up</a:t>
-            </a:r>
-            <a:r>
-              <a:rPr lang="de-DE" dirty="0"/>
-              <a:t> </a:t>
-            </a:r>
-            <a:r>
-              <a:rPr lang="de-DE" dirty="0" err="1"/>
-              <a:t>the</a:t>
-            </a:r>
-            <a:r>
-              <a:rPr lang="de-DE" dirty="0"/>
-              <a:t> initial </a:t>
-            </a:r>
-            <a:r>
-              <a:rPr lang="de-DE" dirty="0" err="1"/>
-              <a:t>handshake</a:t>
-            </a:r>
-            <a:endParaRPr lang="de-DE" dirty="0"/>
-          </a:p>
-          <a:p>
-            <a:r>
-              <a:rPr lang="de-DE" dirty="0"/>
-              <a:t>	- </a:t>
-            </a:r>
-            <a:r>
-              <a:rPr lang="de-DE" dirty="0" err="1"/>
-              <a:t>reduce</a:t>
-            </a:r>
-            <a:r>
-              <a:rPr lang="de-DE" dirty="0"/>
-              <a:t> </a:t>
-            </a:r>
-            <a:r>
-              <a:rPr lang="de-DE" dirty="0" err="1"/>
-              <a:t>head</a:t>
-            </a:r>
-            <a:r>
-              <a:rPr lang="de-DE" dirty="0"/>
-              <a:t> </a:t>
-            </a:r>
-            <a:r>
-              <a:rPr lang="de-DE" dirty="0" err="1"/>
-              <a:t>of</a:t>
-            </a:r>
-            <a:r>
-              <a:rPr lang="de-DE" dirty="0"/>
-              <a:t> </a:t>
-            </a:r>
-            <a:r>
-              <a:rPr lang="de-DE" dirty="0" err="1"/>
-              <a:t>line</a:t>
-            </a:r>
-            <a:r>
-              <a:rPr lang="de-DE" dirty="0"/>
-              <a:t> </a:t>
-            </a:r>
-            <a:r>
-              <a:rPr lang="de-DE" dirty="0" err="1"/>
-              <a:t>blocking</a:t>
-            </a:r>
-            <a:r>
-              <a:rPr lang="de-DE" dirty="0"/>
-              <a:t>, </a:t>
-            </a:r>
-            <a:r>
-              <a:rPr lang="de-DE" dirty="0" err="1"/>
-              <a:t>through</a:t>
-            </a:r>
-            <a:r>
-              <a:rPr lang="de-DE" dirty="0"/>
-              <a:t> </a:t>
-            </a:r>
-            <a:r>
-              <a:rPr lang="de-DE" dirty="0" err="1"/>
-              <a:t>better</a:t>
-            </a:r>
-            <a:r>
-              <a:rPr lang="de-DE" dirty="0"/>
-              <a:t> stream </a:t>
-            </a:r>
-            <a:r>
-              <a:rPr lang="de-DE" dirty="0" err="1"/>
-              <a:t>multiplexing</a:t>
-            </a:r>
-            <a:endParaRPr lang="de-DE" dirty="0"/>
-          </a:p>
-          <a:p>
-            <a:r>
-              <a:rPr lang="de-DE" dirty="0"/>
-              <a:t>	- </a:t>
-            </a:r>
-            <a:r>
-              <a:rPr lang="de-DE" dirty="0" err="1"/>
-              <a:t>improve</a:t>
-            </a:r>
-            <a:r>
-              <a:rPr lang="de-DE" dirty="0"/>
-              <a:t> </a:t>
-            </a:r>
-            <a:r>
-              <a:rPr lang="de-DE" dirty="0" err="1"/>
-              <a:t>the</a:t>
-            </a:r>
-            <a:r>
-              <a:rPr lang="de-DE" dirty="0"/>
-              <a:t> </a:t>
-            </a:r>
-            <a:r>
-              <a:rPr lang="de-DE" dirty="0" err="1"/>
-              <a:t>user</a:t>
-            </a:r>
-            <a:r>
-              <a:rPr lang="de-DE" dirty="0"/>
-              <a:t> </a:t>
-            </a:r>
-            <a:r>
-              <a:rPr lang="de-DE" dirty="0" err="1"/>
-              <a:t>experience</a:t>
-            </a:r>
-            <a:r>
-              <a:rPr lang="de-DE" dirty="0"/>
-              <a:t> in </a:t>
-            </a:r>
-            <a:r>
-              <a:rPr lang="de-DE" dirty="0" err="1"/>
-              <a:t>general</a:t>
-            </a:r>
             <a:endParaRPr lang="de-DE" dirty="0"/>
           </a:p>
         </p:txBody>
@@ -1526,658 +1458,7 @@
           <a:bodyPr/>
           <a:lstStyle/>
           <a:p>
-            <a:r>
-              <a:rPr lang="de-DE" dirty="0"/>
-              <a:t>At </a:t>
-            </a:r>
-            <a:r>
-              <a:rPr lang="de-DE" dirty="0" err="1"/>
-              <a:t>the</a:t>
-            </a:r>
-            <a:r>
-              <a:rPr lang="de-DE" dirty="0"/>
-              <a:t> </a:t>
-            </a:r>
-            <a:r>
-              <a:rPr lang="de-DE" dirty="0" err="1"/>
-              <a:t>core</a:t>
-            </a:r>
-            <a:r>
-              <a:rPr lang="de-DE" dirty="0"/>
-              <a:t> </a:t>
-            </a:r>
-            <a:r>
-              <a:rPr lang="de-DE" dirty="0" err="1"/>
-              <a:t>of</a:t>
-            </a:r>
-            <a:r>
-              <a:rPr lang="de-DE" dirty="0"/>
-              <a:t> HTTP/3 </a:t>
-            </a:r>
-            <a:r>
-              <a:rPr lang="de-DE" dirty="0" err="1"/>
-              <a:t>is</a:t>
-            </a:r>
-            <a:r>
-              <a:rPr lang="de-DE" dirty="0"/>
-              <a:t> QUIC, a </a:t>
-            </a:r>
-            <a:r>
-              <a:rPr lang="de-DE" dirty="0" err="1"/>
-              <a:t>internet</a:t>
-            </a:r>
-            <a:r>
-              <a:rPr lang="de-DE" dirty="0"/>
-              <a:t> </a:t>
-            </a:r>
-            <a:r>
-              <a:rPr lang="de-DE" dirty="0" err="1"/>
-              <a:t>connection</a:t>
-            </a:r>
-            <a:r>
-              <a:rPr lang="de-DE" dirty="0"/>
-              <a:t> </a:t>
-            </a:r>
-            <a:r>
-              <a:rPr lang="de-DE" dirty="0" err="1"/>
-              <a:t>protocol</a:t>
-            </a:r>
-            <a:r>
-              <a:rPr lang="de-DE" dirty="0"/>
-              <a:t> </a:t>
-            </a:r>
-            <a:r>
-              <a:rPr lang="de-DE" dirty="0" err="1"/>
-              <a:t>designed</a:t>
-            </a:r>
-            <a:r>
-              <a:rPr lang="de-DE" dirty="0"/>
-              <a:t> </a:t>
-            </a:r>
-            <a:r>
-              <a:rPr lang="de-DE" dirty="0" err="1"/>
-              <a:t>by</a:t>
-            </a:r>
-            <a:r>
-              <a:rPr lang="de-DE" dirty="0"/>
-              <a:t> Google </a:t>
-            </a:r>
-            <a:r>
-              <a:rPr lang="de-DE" dirty="0" err="1"/>
-              <a:t>about</a:t>
-            </a:r>
-            <a:r>
-              <a:rPr lang="de-DE" dirty="0"/>
-              <a:t> 10 </a:t>
-            </a:r>
-            <a:r>
-              <a:rPr lang="de-DE" dirty="0" err="1"/>
-              <a:t>years</a:t>
-            </a:r>
-            <a:r>
-              <a:rPr lang="de-DE" dirty="0"/>
-              <a:t>.</a:t>
-            </a:r>
-          </a:p>
-          <a:p>
-            <a:r>
-              <a:rPr lang="de-DE" dirty="0"/>
-              <a:t>In </a:t>
-            </a:r>
-            <a:r>
-              <a:rPr lang="de-DE" dirty="0" err="1"/>
-              <a:t>comparsion</a:t>
-            </a:r>
-            <a:r>
-              <a:rPr lang="de-DE" dirty="0"/>
-              <a:t> </a:t>
-            </a:r>
-            <a:r>
-              <a:rPr lang="de-DE" dirty="0" err="1"/>
-              <a:t>to</a:t>
-            </a:r>
-            <a:r>
-              <a:rPr lang="de-DE" dirty="0"/>
-              <a:t> </a:t>
-            </a:r>
-            <a:r>
-              <a:rPr lang="de-DE" dirty="0" err="1"/>
-              <a:t>previous</a:t>
-            </a:r>
-            <a:r>
-              <a:rPr lang="de-DE" dirty="0"/>
-              <a:t> HTTP Version 1.1 and 2, </a:t>
-            </a:r>
-            <a:r>
-              <a:rPr lang="de-DE" dirty="0" err="1"/>
-              <a:t>which</a:t>
-            </a:r>
-            <a:r>
-              <a:rPr lang="de-DE" dirty="0"/>
-              <a:t> </a:t>
-            </a:r>
-            <a:r>
-              <a:rPr lang="de-DE" dirty="0" err="1"/>
-              <a:t>use</a:t>
-            </a:r>
-            <a:r>
-              <a:rPr lang="de-DE" dirty="0"/>
-              <a:t> </a:t>
-            </a:r>
-            <a:r>
-              <a:rPr lang="de-DE" dirty="0" err="1"/>
-              <a:t>the</a:t>
-            </a:r>
-            <a:r>
-              <a:rPr lang="de-DE" dirty="0"/>
-              <a:t> </a:t>
-            </a:r>
-            <a:r>
-              <a:rPr lang="de-DE" dirty="0" err="1"/>
-              <a:t>well</a:t>
-            </a:r>
-            <a:r>
-              <a:rPr lang="de-DE" dirty="0"/>
-              <a:t> </a:t>
-            </a:r>
-            <a:r>
-              <a:rPr lang="de-DE" dirty="0" err="1"/>
-              <a:t>established</a:t>
-            </a:r>
-            <a:r>
-              <a:rPr lang="de-DE" dirty="0"/>
-              <a:t> Transmission Control Protocol TCP, QUIC </a:t>
-            </a:r>
-            <a:r>
-              <a:rPr lang="de-DE" dirty="0" err="1"/>
-              <a:t>uses</a:t>
-            </a:r>
-            <a:r>
-              <a:rPr lang="de-DE" dirty="0"/>
-              <a:t> </a:t>
-            </a:r>
-            <a:r>
-              <a:rPr lang="de-DE" dirty="0" err="1"/>
-              <a:t>the</a:t>
-            </a:r>
-            <a:r>
-              <a:rPr lang="de-DE" dirty="0"/>
-              <a:t> User </a:t>
-            </a:r>
-            <a:r>
-              <a:rPr lang="de-DE" dirty="0" err="1"/>
-              <a:t>Datagram</a:t>
-            </a:r>
-            <a:r>
-              <a:rPr lang="de-DE" dirty="0"/>
-              <a:t> Protocol UDP, </a:t>
-            </a:r>
-            <a:r>
-              <a:rPr lang="de-DE" dirty="0" err="1"/>
-              <a:t>always</a:t>
-            </a:r>
-            <a:r>
-              <a:rPr lang="de-DE" dirty="0"/>
-              <a:t> </a:t>
-            </a:r>
-            <a:r>
-              <a:rPr lang="de-DE" dirty="0" err="1"/>
-              <a:t>with</a:t>
-            </a:r>
-            <a:r>
-              <a:rPr lang="de-DE" dirty="0"/>
-              <a:t> TLS </a:t>
-            </a:r>
-            <a:r>
-              <a:rPr lang="de-DE" dirty="0" err="1"/>
-              <a:t>encryption</a:t>
-            </a:r>
-            <a:r>
-              <a:rPr lang="de-DE" dirty="0"/>
-              <a:t>.</a:t>
-            </a:r>
-          </a:p>
-          <a:p>
-            <a:r>
-              <a:rPr lang="de-DE" dirty="0" err="1"/>
-              <a:t>One</a:t>
-            </a:r>
-            <a:r>
-              <a:rPr lang="de-DE" dirty="0"/>
-              <a:t> </a:t>
-            </a:r>
-            <a:r>
-              <a:rPr lang="de-DE" dirty="0" err="1"/>
-              <a:t>improvement</a:t>
-            </a:r>
-            <a:r>
-              <a:rPr lang="de-DE" dirty="0"/>
-              <a:t> QUIC </a:t>
-            </a:r>
-            <a:r>
-              <a:rPr lang="de-DE" dirty="0" err="1"/>
-              <a:t>introduces</a:t>
-            </a:r>
-            <a:r>
-              <a:rPr lang="de-DE" dirty="0"/>
-              <a:t> </a:t>
-            </a:r>
-            <a:r>
-              <a:rPr lang="de-DE" dirty="0" err="1"/>
-              <a:t>over</a:t>
-            </a:r>
-            <a:r>
-              <a:rPr lang="de-DE" dirty="0"/>
-              <a:t> </a:t>
-            </a:r>
-            <a:r>
-              <a:rPr lang="de-DE" dirty="0" err="1"/>
-              <a:t>the</a:t>
-            </a:r>
-            <a:r>
-              <a:rPr lang="de-DE" dirty="0"/>
-              <a:t> </a:t>
-            </a:r>
-            <a:r>
-              <a:rPr lang="de-DE" dirty="0" err="1"/>
-              <a:t>usually</a:t>
-            </a:r>
-            <a:r>
-              <a:rPr lang="de-DE" dirty="0"/>
-              <a:t> </a:t>
-            </a:r>
-            <a:r>
-              <a:rPr lang="de-DE" dirty="0" err="1"/>
-              <a:t>unreliable</a:t>
-            </a:r>
-            <a:r>
-              <a:rPr lang="de-DE" dirty="0"/>
-              <a:t> UDP, </a:t>
-            </a:r>
-            <a:r>
-              <a:rPr lang="de-DE" dirty="0" err="1"/>
-              <a:t>is</a:t>
-            </a:r>
-            <a:r>
-              <a:rPr lang="de-DE" dirty="0"/>
-              <a:t> </a:t>
-            </a:r>
-            <a:r>
-              <a:rPr lang="de-DE" dirty="0" err="1"/>
-              <a:t>error</a:t>
-            </a:r>
-            <a:r>
-              <a:rPr lang="de-DE" dirty="0"/>
-              <a:t> </a:t>
-            </a:r>
-            <a:r>
-              <a:rPr lang="de-DE" dirty="0" err="1"/>
-              <a:t>detection</a:t>
-            </a:r>
-            <a:r>
-              <a:rPr lang="de-DE" dirty="0"/>
-              <a:t> and </a:t>
-            </a:r>
-            <a:r>
-              <a:rPr lang="de-DE" dirty="0" err="1"/>
-              <a:t>correction</a:t>
-            </a:r>
-            <a:r>
-              <a:rPr lang="de-DE" dirty="0"/>
-              <a:t> </a:t>
-            </a:r>
-            <a:r>
-              <a:rPr lang="de-DE" dirty="0" err="1"/>
-              <a:t>by</a:t>
-            </a:r>
-            <a:r>
-              <a:rPr lang="de-DE" dirty="0"/>
-              <a:t> </a:t>
-            </a:r>
-            <a:r>
-              <a:rPr lang="de-DE" dirty="0" err="1"/>
-              <a:t>retransmitting</a:t>
-            </a:r>
-            <a:r>
-              <a:rPr lang="de-DE" dirty="0"/>
-              <a:t> </a:t>
-            </a:r>
-            <a:r>
-              <a:rPr lang="de-DE" dirty="0" err="1"/>
-              <a:t>faulty</a:t>
-            </a:r>
-            <a:r>
-              <a:rPr lang="de-DE" dirty="0"/>
-              <a:t> </a:t>
-            </a:r>
-            <a:r>
-              <a:rPr lang="de-DE" dirty="0" err="1"/>
-              <a:t>packages</a:t>
-            </a:r>
-            <a:r>
-              <a:rPr lang="de-DE" dirty="0"/>
-              <a:t>.</a:t>
-            </a:r>
-          </a:p>
-          <a:p>
-            <a:r>
-              <a:rPr lang="de-DE" dirty="0" err="1"/>
-              <a:t>Additionally</a:t>
-            </a:r>
-            <a:r>
-              <a:rPr lang="de-DE" dirty="0"/>
-              <a:t> HTTP/3 </a:t>
-            </a:r>
-            <a:r>
-              <a:rPr lang="de-DE" dirty="0" err="1"/>
-              <a:t>communicate</a:t>
-            </a:r>
-            <a:r>
-              <a:rPr lang="de-DE" dirty="0"/>
-              <a:t> </a:t>
-            </a:r>
-            <a:r>
-              <a:rPr lang="de-DE" dirty="0" err="1"/>
-              <a:t>over</a:t>
-            </a:r>
-            <a:r>
-              <a:rPr lang="de-DE" dirty="0"/>
-              <a:t> </a:t>
-            </a:r>
-            <a:r>
-              <a:rPr lang="de-DE" dirty="0" err="1"/>
-              <a:t>streams</a:t>
-            </a:r>
-            <a:r>
-              <a:rPr lang="de-DE" dirty="0"/>
-              <a:t>, </a:t>
-            </a:r>
-            <a:r>
-              <a:rPr lang="de-DE" dirty="0" err="1"/>
-              <a:t>which</a:t>
-            </a:r>
-            <a:r>
-              <a:rPr lang="de-DE" dirty="0"/>
-              <a:t> </a:t>
-            </a:r>
-            <a:r>
-              <a:rPr lang="de-DE" dirty="0" err="1"/>
-              <a:t>allows</a:t>
-            </a:r>
-            <a:r>
-              <a:rPr lang="de-DE" dirty="0"/>
-              <a:t> not </a:t>
-            </a:r>
-            <a:r>
-              <a:rPr lang="de-DE" dirty="0" err="1"/>
-              <a:t>only</a:t>
-            </a:r>
-            <a:r>
-              <a:rPr lang="de-DE" dirty="0"/>
-              <a:t> </a:t>
-            </a:r>
-            <a:r>
-              <a:rPr lang="de-DE" dirty="0" err="1"/>
-              <a:t>bidrectional</a:t>
-            </a:r>
-            <a:r>
-              <a:rPr lang="de-DE" dirty="0"/>
-              <a:t> </a:t>
-            </a:r>
-            <a:r>
-              <a:rPr lang="de-DE" dirty="0" err="1"/>
-              <a:t>communication</a:t>
-            </a:r>
-            <a:r>
-              <a:rPr lang="de-DE" dirty="0"/>
-              <a:t>, but also </a:t>
-            </a:r>
-            <a:r>
-              <a:rPr lang="de-DE" dirty="0" err="1"/>
-              <a:t>allows</a:t>
-            </a:r>
-            <a:r>
-              <a:rPr lang="de-DE" dirty="0"/>
-              <a:t> </a:t>
-            </a:r>
-            <a:r>
-              <a:rPr lang="de-DE" dirty="0" err="1"/>
-              <a:t>the</a:t>
-            </a:r>
-            <a:r>
-              <a:rPr lang="de-DE" dirty="0"/>
-              <a:t> </a:t>
-            </a:r>
-            <a:r>
-              <a:rPr lang="de-DE" dirty="0" err="1"/>
-              <a:t>server</a:t>
-            </a:r>
-            <a:r>
-              <a:rPr lang="de-DE" dirty="0"/>
-              <a:t> </a:t>
-            </a:r>
-            <a:r>
-              <a:rPr lang="de-DE" dirty="0" err="1"/>
-              <a:t>to</a:t>
-            </a:r>
-            <a:r>
-              <a:rPr lang="de-DE" dirty="0"/>
-              <a:t> push </a:t>
-            </a:r>
-            <a:r>
-              <a:rPr lang="de-DE" dirty="0" err="1"/>
-              <a:t>data</a:t>
-            </a:r>
-            <a:r>
-              <a:rPr lang="de-DE" dirty="0"/>
-              <a:t> </a:t>
-            </a:r>
-            <a:r>
-              <a:rPr lang="de-DE" dirty="0" err="1"/>
-              <a:t>to</a:t>
-            </a:r>
-            <a:r>
-              <a:rPr lang="de-DE" dirty="0"/>
-              <a:t> </a:t>
-            </a:r>
-            <a:r>
-              <a:rPr lang="de-DE" dirty="0" err="1"/>
-              <a:t>the</a:t>
-            </a:r>
-            <a:r>
-              <a:rPr lang="de-DE" dirty="0"/>
-              <a:t> </a:t>
-            </a:r>
-            <a:r>
-              <a:rPr lang="de-DE" dirty="0" err="1"/>
-              <a:t>client</a:t>
-            </a:r>
-            <a:r>
-              <a:rPr lang="de-DE" dirty="0"/>
-              <a:t>, </a:t>
-            </a:r>
-            <a:r>
-              <a:rPr lang="de-DE" dirty="0" err="1"/>
-              <a:t>as</a:t>
-            </a:r>
-            <a:r>
-              <a:rPr lang="de-DE" dirty="0"/>
-              <a:t> </a:t>
-            </a:r>
-            <a:r>
-              <a:rPr lang="de-DE" dirty="0" err="1"/>
-              <a:t>well</a:t>
-            </a:r>
-            <a:r>
-              <a:rPr lang="de-DE" dirty="0"/>
-              <a:t> </a:t>
-            </a:r>
-            <a:r>
-              <a:rPr lang="de-DE" dirty="0" err="1"/>
-              <a:t>as</a:t>
-            </a:r>
-            <a:r>
-              <a:rPr lang="de-DE" dirty="0"/>
-              <a:t> </a:t>
-            </a:r>
-            <a:r>
-              <a:rPr lang="de-DE" dirty="0" err="1"/>
-              <a:t>maintaining</a:t>
-            </a:r>
-            <a:r>
-              <a:rPr lang="de-DE" dirty="0"/>
-              <a:t> </a:t>
-            </a:r>
-            <a:r>
-              <a:rPr lang="de-DE" dirty="0" err="1"/>
-              <a:t>several</a:t>
-            </a:r>
-            <a:r>
-              <a:rPr lang="de-DE" dirty="0"/>
-              <a:t> </a:t>
-            </a:r>
-            <a:r>
-              <a:rPr lang="de-DE" dirty="0" err="1"/>
-              <a:t>streams</a:t>
-            </a:r>
-            <a:r>
-              <a:rPr lang="de-DE" dirty="0"/>
-              <a:t> at </a:t>
-            </a:r>
-            <a:r>
-              <a:rPr lang="de-DE" dirty="0" err="1"/>
-              <a:t>the</a:t>
-            </a:r>
-            <a:r>
-              <a:rPr lang="de-DE" dirty="0"/>
-              <a:t> same time.</a:t>
-            </a:r>
-          </a:p>
-          <a:p>
-            <a:r>
-              <a:rPr lang="de-DE" dirty="0"/>
-              <a:t>On </a:t>
-            </a:r>
-            <a:r>
-              <a:rPr lang="de-DE" dirty="0" err="1"/>
-              <a:t>the</a:t>
-            </a:r>
-            <a:r>
-              <a:rPr lang="de-DE" dirty="0"/>
-              <a:t> </a:t>
-            </a:r>
-            <a:r>
-              <a:rPr lang="de-DE" dirty="0" err="1"/>
-              <a:t>client</a:t>
-            </a:r>
-            <a:r>
-              <a:rPr lang="de-DE" dirty="0"/>
-              <a:t> </a:t>
-            </a:r>
-            <a:r>
-              <a:rPr lang="de-DE" dirty="0" err="1"/>
-              <a:t>side</a:t>
-            </a:r>
-            <a:r>
-              <a:rPr lang="de-DE" dirty="0"/>
-              <a:t> HTTP/3 </a:t>
-            </a:r>
-            <a:r>
-              <a:rPr lang="de-DE" dirty="0" err="1"/>
-              <a:t>uses</a:t>
-            </a:r>
-            <a:r>
-              <a:rPr lang="de-DE" dirty="0"/>
-              <a:t> </a:t>
-            </a:r>
-            <a:r>
-              <a:rPr lang="de-DE" dirty="0" err="1"/>
-              <a:t>WebTransport</a:t>
-            </a:r>
-            <a:r>
-              <a:rPr lang="de-DE" dirty="0"/>
-              <a:t> </a:t>
-            </a:r>
-            <a:r>
-              <a:rPr lang="de-DE" dirty="0" err="1"/>
-              <a:t>to</a:t>
-            </a:r>
-            <a:r>
-              <a:rPr lang="de-DE" dirty="0"/>
-              <a:t> </a:t>
-            </a:r>
-            <a:r>
-              <a:rPr lang="de-DE" dirty="0" err="1"/>
-              <a:t>establish</a:t>
-            </a:r>
-            <a:r>
-              <a:rPr lang="de-DE" dirty="0"/>
-              <a:t> </a:t>
-            </a:r>
-            <a:r>
-              <a:rPr lang="de-DE" dirty="0" err="1"/>
-              <a:t>connections</a:t>
-            </a:r>
-            <a:r>
-              <a:rPr lang="de-DE" dirty="0"/>
-              <a:t> </a:t>
-            </a:r>
-            <a:r>
-              <a:rPr lang="de-DE" dirty="0" err="1"/>
-              <a:t>to</a:t>
-            </a:r>
-            <a:r>
-              <a:rPr lang="de-DE" dirty="0"/>
-              <a:t> </a:t>
-            </a:r>
-            <a:r>
-              <a:rPr lang="de-DE" dirty="0" err="1"/>
-              <a:t>servers</a:t>
-            </a:r>
-            <a:r>
-              <a:rPr lang="de-DE" dirty="0"/>
-              <a:t>. </a:t>
-            </a:r>
-            <a:r>
-              <a:rPr lang="de-DE" dirty="0" err="1"/>
-              <a:t>WebTransport</a:t>
-            </a:r>
-            <a:r>
-              <a:rPr lang="de-DE" dirty="0"/>
-              <a:t> </a:t>
-            </a:r>
-            <a:r>
-              <a:rPr lang="de-DE" dirty="0" err="1"/>
-              <a:t>is</a:t>
-            </a:r>
-            <a:r>
-              <a:rPr lang="de-DE" dirty="0"/>
-              <a:t> a </a:t>
-            </a:r>
-            <a:r>
-              <a:rPr lang="de-DE" dirty="0" err="1"/>
-              <a:t>similar</a:t>
-            </a:r>
-            <a:r>
-              <a:rPr lang="de-DE" dirty="0"/>
-              <a:t> API </a:t>
-            </a:r>
-            <a:r>
-              <a:rPr lang="de-DE" dirty="0" err="1"/>
-              <a:t>to</a:t>
-            </a:r>
-            <a:r>
-              <a:rPr lang="de-DE" dirty="0"/>
-              <a:t> </a:t>
-            </a:r>
-            <a:r>
-              <a:rPr lang="de-DE" dirty="0" err="1"/>
-              <a:t>WebSockets</a:t>
-            </a:r>
-            <a:r>
-              <a:rPr lang="de-DE" dirty="0"/>
-              <a:t>.</a:t>
-            </a:r>
+            <a:endParaRPr lang="de-DE" dirty="0"/>
           </a:p>
         </p:txBody>
       </p:sp>
@@ -2261,1038 +1542,7 @@
           <a:bodyPr/>
           <a:lstStyle/>
           <a:p>
-            <a:r>
-              <a:rPr lang="de-DE" dirty="0" err="1"/>
-              <a:t>Comparing</a:t>
-            </a:r>
-            <a:r>
-              <a:rPr lang="de-DE" dirty="0"/>
-              <a:t> TCP and QUIC:</a:t>
-            </a:r>
-          </a:p>
-          <a:p>
-            <a:r>
-              <a:rPr lang="de-DE" dirty="0" err="1"/>
-              <a:t>Biggest</a:t>
-            </a:r>
-            <a:r>
-              <a:rPr lang="de-DE" dirty="0"/>
-              <a:t> </a:t>
-            </a:r>
-            <a:r>
-              <a:rPr lang="de-DE" dirty="0" err="1"/>
-              <a:t>selling</a:t>
-            </a:r>
-            <a:r>
-              <a:rPr lang="de-DE" dirty="0"/>
-              <a:t> </a:t>
-            </a:r>
-            <a:r>
-              <a:rPr lang="de-DE" dirty="0" err="1"/>
-              <a:t>point</a:t>
-            </a:r>
-            <a:r>
-              <a:rPr lang="de-DE" dirty="0"/>
-              <a:t>: QUIC </a:t>
-            </a:r>
-            <a:r>
-              <a:rPr lang="de-DE" dirty="0" err="1"/>
-              <a:t>has</a:t>
-            </a:r>
-            <a:r>
-              <a:rPr lang="de-DE" dirty="0"/>
-              <a:t> a </a:t>
-            </a:r>
-            <a:r>
-              <a:rPr lang="de-DE" dirty="0" err="1"/>
-              <a:t>much</a:t>
-            </a:r>
-            <a:r>
-              <a:rPr lang="de-DE" dirty="0"/>
-              <a:t> </a:t>
-            </a:r>
-            <a:r>
-              <a:rPr lang="de-DE" dirty="0" err="1"/>
-              <a:t>faster</a:t>
-            </a:r>
-            <a:r>
-              <a:rPr lang="de-DE" dirty="0"/>
-              <a:t> </a:t>
-            </a:r>
-            <a:r>
-              <a:rPr lang="de-DE" dirty="0" err="1"/>
-              <a:t>handshake</a:t>
-            </a:r>
-            <a:r>
-              <a:rPr lang="de-DE" dirty="0"/>
-              <a:t> </a:t>
-            </a:r>
-            <a:r>
-              <a:rPr lang="de-DE" dirty="0" err="1"/>
-              <a:t>than</a:t>
-            </a:r>
-            <a:r>
-              <a:rPr lang="de-DE" dirty="0"/>
-              <a:t> TCP, </a:t>
-            </a:r>
-            <a:r>
-              <a:rPr lang="de-DE" dirty="0" err="1"/>
-              <a:t>achieves</a:t>
-            </a:r>
-            <a:r>
-              <a:rPr lang="de-DE" dirty="0"/>
-              <a:t> </a:t>
-            </a:r>
-            <a:r>
-              <a:rPr lang="de-DE" dirty="0" err="1"/>
-              <a:t>that</a:t>
-            </a:r>
-            <a:r>
-              <a:rPr lang="de-DE" dirty="0"/>
-              <a:t> </a:t>
-            </a:r>
-            <a:r>
-              <a:rPr lang="de-DE" dirty="0" err="1"/>
-              <a:t>by</a:t>
-            </a:r>
-            <a:r>
-              <a:rPr lang="de-DE" dirty="0"/>
-              <a:t> </a:t>
-            </a:r>
-            <a:r>
-              <a:rPr lang="de-DE" dirty="0" err="1"/>
-              <a:t>exchanging</a:t>
-            </a:r>
-            <a:r>
-              <a:rPr lang="de-DE" dirty="0"/>
-              <a:t> </a:t>
-            </a:r>
-            <a:r>
-              <a:rPr lang="de-DE" dirty="0" err="1"/>
-              <a:t>the</a:t>
-            </a:r>
-            <a:r>
-              <a:rPr lang="de-DE" dirty="0"/>
-              <a:t> TLS </a:t>
-            </a:r>
-            <a:r>
-              <a:rPr lang="de-DE" dirty="0" err="1"/>
-              <a:t>keys</a:t>
-            </a:r>
-            <a:r>
-              <a:rPr lang="de-DE" dirty="0"/>
-              <a:t> and </a:t>
-            </a:r>
-            <a:r>
-              <a:rPr lang="de-DE" dirty="0" err="1"/>
-              <a:t>supported</a:t>
-            </a:r>
-            <a:r>
-              <a:rPr lang="de-DE" dirty="0"/>
-              <a:t> </a:t>
-            </a:r>
-            <a:r>
-              <a:rPr lang="de-DE" dirty="0" err="1"/>
-              <a:t>protocols</a:t>
-            </a:r>
-            <a:r>
-              <a:rPr lang="de-DE" dirty="0"/>
-              <a:t> in </a:t>
-            </a:r>
-            <a:r>
-              <a:rPr lang="de-DE" dirty="0" err="1"/>
-              <a:t>the</a:t>
-            </a:r>
-            <a:r>
-              <a:rPr lang="de-DE" dirty="0"/>
-              <a:t> same </a:t>
-            </a:r>
-            <a:r>
-              <a:rPr lang="de-DE" dirty="0" err="1"/>
-              <a:t>opening</a:t>
-            </a:r>
-            <a:r>
-              <a:rPr lang="de-DE" dirty="0"/>
-              <a:t> </a:t>
-            </a:r>
-            <a:r>
-              <a:rPr lang="de-DE" dirty="0" err="1"/>
-              <a:t>message</a:t>
-            </a:r>
-            <a:r>
-              <a:rPr lang="de-DE" dirty="0"/>
-              <a:t> </a:t>
-            </a:r>
-            <a:r>
-              <a:rPr lang="de-DE" dirty="0" err="1"/>
-              <a:t>rather</a:t>
-            </a:r>
-            <a:r>
-              <a:rPr lang="de-DE" dirty="0"/>
-              <a:t> </a:t>
-            </a:r>
-            <a:r>
-              <a:rPr lang="de-DE" dirty="0" err="1"/>
-              <a:t>than</a:t>
-            </a:r>
-            <a:r>
-              <a:rPr lang="de-DE" dirty="0"/>
-              <a:t> </a:t>
-            </a:r>
-            <a:r>
-              <a:rPr lang="de-DE" dirty="0" err="1"/>
-              <a:t>one</a:t>
-            </a:r>
-            <a:r>
-              <a:rPr lang="de-DE" dirty="0"/>
-              <a:t> after </a:t>
-            </a:r>
-            <a:r>
-              <a:rPr lang="de-DE" dirty="0" err="1"/>
-              <a:t>the</a:t>
-            </a:r>
-            <a:r>
-              <a:rPr lang="de-DE" dirty="0"/>
-              <a:t> </a:t>
-            </a:r>
-            <a:r>
-              <a:rPr lang="de-DE" dirty="0" err="1"/>
-              <a:t>other</a:t>
-            </a:r>
-            <a:r>
-              <a:rPr lang="de-DE" dirty="0"/>
-              <a:t>, </a:t>
-            </a:r>
-            <a:r>
-              <a:rPr lang="de-DE" dirty="0" err="1"/>
-              <a:t>more</a:t>
-            </a:r>
-            <a:r>
-              <a:rPr lang="de-DE" dirty="0"/>
-              <a:t> on </a:t>
-            </a:r>
-            <a:r>
-              <a:rPr lang="de-DE" dirty="0" err="1"/>
-              <a:t>that</a:t>
-            </a:r>
-            <a:r>
-              <a:rPr lang="de-DE" dirty="0"/>
-              <a:t> on </a:t>
-            </a:r>
-            <a:r>
-              <a:rPr lang="de-DE" dirty="0" err="1"/>
-              <a:t>the</a:t>
-            </a:r>
-            <a:r>
-              <a:rPr lang="de-DE" dirty="0"/>
-              <a:t> </a:t>
-            </a:r>
-            <a:r>
-              <a:rPr lang="de-DE" dirty="0" err="1"/>
-              <a:t>next</a:t>
-            </a:r>
-            <a:r>
-              <a:rPr lang="de-DE" dirty="0"/>
-              <a:t> </a:t>
-            </a:r>
-            <a:r>
-              <a:rPr lang="de-DE" dirty="0" err="1"/>
-              <a:t>slide</a:t>
-            </a:r>
             <a:endParaRPr lang="de-DE" dirty="0"/>
-          </a:p>
-          <a:p>
-            <a:r>
-              <a:rPr lang="de-DE" dirty="0" err="1"/>
-              <a:t>Furthermore</a:t>
-            </a:r>
-            <a:r>
-              <a:rPr lang="de-DE" dirty="0"/>
-              <a:t> </a:t>
-            </a:r>
-            <a:r>
-              <a:rPr lang="de-DE" dirty="0" err="1"/>
-              <a:t>since</a:t>
-            </a:r>
-            <a:r>
-              <a:rPr lang="de-DE" dirty="0"/>
-              <a:t> QUIC </a:t>
-            </a:r>
-            <a:r>
-              <a:rPr lang="de-DE" dirty="0" err="1"/>
-              <a:t>allows</a:t>
-            </a:r>
-            <a:r>
-              <a:rPr lang="de-DE" dirty="0"/>
-              <a:t> </a:t>
-            </a:r>
-            <a:r>
-              <a:rPr lang="de-DE" dirty="0" err="1"/>
-              <a:t>the</a:t>
-            </a:r>
-            <a:r>
-              <a:rPr lang="de-DE" dirty="0"/>
-              <a:t> </a:t>
-            </a:r>
-            <a:r>
-              <a:rPr lang="de-DE" dirty="0" err="1"/>
-              <a:t>server</a:t>
-            </a:r>
-            <a:r>
-              <a:rPr lang="de-DE" dirty="0"/>
-              <a:t> </a:t>
-            </a:r>
-            <a:r>
-              <a:rPr lang="de-DE" dirty="0" err="1"/>
-              <a:t>to</a:t>
-            </a:r>
-            <a:r>
-              <a:rPr lang="de-DE" dirty="0"/>
-              <a:t> push </a:t>
-            </a:r>
-            <a:r>
-              <a:rPr lang="de-DE" dirty="0" err="1"/>
-              <a:t>data</a:t>
-            </a:r>
-            <a:r>
-              <a:rPr lang="de-DE" dirty="0"/>
-              <a:t> </a:t>
-            </a:r>
-            <a:r>
-              <a:rPr lang="de-DE" dirty="0" err="1"/>
-              <a:t>to</a:t>
-            </a:r>
-            <a:r>
-              <a:rPr lang="de-DE" dirty="0"/>
-              <a:t> </a:t>
-            </a:r>
-            <a:r>
-              <a:rPr lang="de-DE" dirty="0" err="1"/>
-              <a:t>client</a:t>
-            </a:r>
-            <a:r>
-              <a:rPr lang="de-DE" dirty="0"/>
-              <a:t> </a:t>
-            </a:r>
-            <a:r>
-              <a:rPr lang="de-DE" dirty="0" err="1"/>
-              <a:t>instead</a:t>
-            </a:r>
-            <a:r>
-              <a:rPr lang="de-DE" dirty="0"/>
-              <a:t> </a:t>
-            </a:r>
-            <a:r>
-              <a:rPr lang="de-DE" dirty="0" err="1"/>
-              <a:t>of</a:t>
-            </a:r>
-            <a:r>
-              <a:rPr lang="de-DE" dirty="0"/>
-              <a:t> </a:t>
-            </a:r>
-            <a:r>
-              <a:rPr lang="de-DE" dirty="0" err="1"/>
-              <a:t>the</a:t>
-            </a:r>
-            <a:r>
-              <a:rPr lang="de-DE" dirty="0"/>
-              <a:t> </a:t>
-            </a:r>
-            <a:r>
-              <a:rPr lang="de-DE" dirty="0" err="1"/>
-              <a:t>client</a:t>
-            </a:r>
-            <a:r>
-              <a:rPr lang="de-DE" dirty="0"/>
-              <a:t> </a:t>
-            </a:r>
-            <a:r>
-              <a:rPr lang="de-DE" dirty="0" err="1"/>
-              <a:t>always</a:t>
-            </a:r>
-            <a:r>
-              <a:rPr lang="de-DE" dirty="0"/>
-              <a:t> </a:t>
-            </a:r>
-            <a:r>
-              <a:rPr lang="de-DE" dirty="0" err="1"/>
-              <a:t>having</a:t>
-            </a:r>
-            <a:r>
-              <a:rPr lang="de-DE" dirty="0"/>
-              <a:t> </a:t>
-            </a:r>
-            <a:r>
-              <a:rPr lang="de-DE" dirty="0" err="1"/>
-              <a:t>to</a:t>
-            </a:r>
-            <a:r>
-              <a:rPr lang="de-DE" dirty="0"/>
-              <a:t> </a:t>
-            </a:r>
-            <a:r>
-              <a:rPr lang="de-DE" dirty="0" err="1"/>
-              <a:t>request</a:t>
-            </a:r>
-            <a:r>
-              <a:rPr lang="de-DE" dirty="0"/>
-              <a:t> </a:t>
-            </a:r>
-            <a:r>
-              <a:rPr lang="de-DE" dirty="0" err="1"/>
-              <a:t>data</a:t>
-            </a:r>
-            <a:r>
-              <a:rPr lang="de-DE" dirty="0"/>
-              <a:t>, QUIC </a:t>
-            </a:r>
-            <a:r>
-              <a:rPr lang="de-DE" dirty="0" err="1"/>
-              <a:t>allows</a:t>
-            </a:r>
-            <a:r>
-              <a:rPr lang="de-DE" dirty="0"/>
-              <a:t> </a:t>
-            </a:r>
-            <a:r>
-              <a:rPr lang="de-DE" dirty="0" err="1"/>
-              <a:t>the</a:t>
-            </a:r>
-            <a:r>
-              <a:rPr lang="de-DE" dirty="0"/>
-              <a:t> </a:t>
-            </a:r>
-            <a:r>
-              <a:rPr lang="de-DE" dirty="0" err="1"/>
-              <a:t>computational</a:t>
-            </a:r>
-            <a:r>
-              <a:rPr lang="de-DE" dirty="0"/>
-              <a:t> </a:t>
-            </a:r>
-            <a:r>
-              <a:rPr lang="de-DE" dirty="0" err="1"/>
-              <a:t>to</a:t>
-            </a:r>
-            <a:r>
-              <a:rPr lang="de-DE" dirty="0"/>
-              <a:t> </a:t>
-            </a:r>
-            <a:r>
-              <a:rPr lang="de-DE" dirty="0" err="1"/>
-              <a:t>be</a:t>
-            </a:r>
-            <a:r>
-              <a:rPr lang="de-DE" dirty="0"/>
-              <a:t> </a:t>
-            </a:r>
-            <a:r>
-              <a:rPr lang="de-DE" dirty="0" err="1"/>
-              <a:t>offloaded</a:t>
-            </a:r>
-            <a:r>
-              <a:rPr lang="de-DE" dirty="0"/>
-              <a:t> </a:t>
-            </a:r>
-            <a:r>
-              <a:rPr lang="de-DE" dirty="0" err="1"/>
-              <a:t>to</a:t>
-            </a:r>
-            <a:r>
-              <a:rPr lang="de-DE" dirty="0"/>
-              <a:t> a </a:t>
-            </a:r>
-            <a:r>
-              <a:rPr lang="de-DE" dirty="0" err="1"/>
-              <a:t>server</a:t>
-            </a:r>
-            <a:r>
-              <a:rPr lang="de-DE" dirty="0"/>
-              <a:t> </a:t>
-            </a:r>
-            <a:r>
-              <a:rPr lang="de-DE" dirty="0" err="1"/>
-              <a:t>rather</a:t>
-            </a:r>
-            <a:r>
-              <a:rPr lang="de-DE" dirty="0"/>
-              <a:t> </a:t>
-            </a:r>
-            <a:r>
-              <a:rPr lang="de-DE" dirty="0" err="1"/>
-              <a:t>than</a:t>
-            </a:r>
-            <a:r>
-              <a:rPr lang="de-DE" dirty="0"/>
-              <a:t> </a:t>
-            </a:r>
-            <a:r>
-              <a:rPr lang="de-DE" dirty="0" err="1"/>
-              <a:t>the</a:t>
-            </a:r>
-            <a:r>
-              <a:rPr lang="de-DE" dirty="0"/>
-              <a:t> </a:t>
-            </a:r>
-            <a:r>
-              <a:rPr lang="de-DE" dirty="0" err="1"/>
-              <a:t>client</a:t>
-            </a:r>
-            <a:r>
-              <a:rPr lang="de-DE" dirty="0"/>
-              <a:t> </a:t>
-            </a:r>
-            <a:r>
-              <a:rPr lang="de-DE" dirty="0" err="1"/>
-              <a:t>having</a:t>
-            </a:r>
-            <a:r>
-              <a:rPr lang="de-DE" dirty="0"/>
-              <a:t> </a:t>
-            </a:r>
-            <a:r>
-              <a:rPr lang="de-DE" dirty="0" err="1"/>
-              <a:t>to</a:t>
-            </a:r>
-            <a:r>
-              <a:rPr lang="de-DE" dirty="0"/>
-              <a:t> do all </a:t>
-            </a:r>
-            <a:r>
-              <a:rPr lang="de-DE" dirty="0" err="1"/>
-              <a:t>of</a:t>
-            </a:r>
-            <a:r>
-              <a:rPr lang="de-DE" dirty="0"/>
-              <a:t> it.</a:t>
-            </a:r>
-          </a:p>
-          <a:p>
-            <a:r>
-              <a:rPr lang="de-DE" dirty="0"/>
-              <a:t>This </a:t>
-            </a:r>
-            <a:r>
-              <a:rPr lang="de-DE" dirty="0" err="1"/>
-              <a:t>has</a:t>
-            </a:r>
-            <a:r>
-              <a:rPr lang="de-DE" dirty="0"/>
-              <a:t> multiple </a:t>
-            </a:r>
-            <a:r>
-              <a:rPr lang="de-DE" dirty="0" err="1"/>
-              <a:t>advantages</a:t>
-            </a:r>
-            <a:r>
-              <a:rPr lang="de-DE" dirty="0"/>
-              <a:t>:</a:t>
-            </a:r>
-          </a:p>
-          <a:p>
-            <a:r>
-              <a:rPr lang="de-DE" dirty="0"/>
-              <a:t>	- </a:t>
-            </a:r>
-            <a:r>
-              <a:rPr lang="de-DE" dirty="0" err="1"/>
-              <a:t>enables</a:t>
-            </a:r>
-            <a:r>
-              <a:rPr lang="de-DE" dirty="0"/>
-              <a:t> </a:t>
-            </a:r>
-            <a:r>
-              <a:rPr lang="de-DE" dirty="0" err="1"/>
-              <a:t>lower</a:t>
-            </a:r>
-            <a:r>
-              <a:rPr lang="de-DE" dirty="0"/>
-              <a:t> end </a:t>
-            </a:r>
-            <a:r>
-              <a:rPr lang="de-DE" dirty="0" err="1"/>
-              <a:t>devices</a:t>
-            </a:r>
-            <a:r>
-              <a:rPr lang="de-DE" dirty="0"/>
-              <a:t> </a:t>
-            </a:r>
-            <a:r>
-              <a:rPr lang="de-DE" dirty="0" err="1"/>
-              <a:t>to</a:t>
-            </a:r>
-            <a:r>
-              <a:rPr lang="de-DE" dirty="0"/>
-              <a:t> perform </a:t>
-            </a:r>
-            <a:r>
-              <a:rPr lang="de-DE" dirty="0" err="1"/>
-              <a:t>more</a:t>
-            </a:r>
-            <a:r>
-              <a:rPr lang="de-DE" dirty="0"/>
-              <a:t> </a:t>
-            </a:r>
-            <a:r>
-              <a:rPr lang="de-DE" dirty="0" err="1"/>
-              <a:t>effitient</a:t>
-            </a:r>
-            <a:r>
-              <a:rPr lang="de-DE" dirty="0"/>
-              <a:t> </a:t>
-            </a:r>
-          </a:p>
-          <a:p>
-            <a:r>
-              <a:rPr lang="de-DE" dirty="0"/>
-              <a:t>	- </a:t>
-            </a:r>
-            <a:r>
-              <a:rPr lang="de-DE" dirty="0" err="1"/>
-              <a:t>reduces</a:t>
-            </a:r>
-            <a:r>
-              <a:rPr lang="de-DE" dirty="0"/>
-              <a:t> </a:t>
-            </a:r>
-            <a:r>
-              <a:rPr lang="de-DE" dirty="0" err="1"/>
-              <a:t>required</a:t>
-            </a:r>
-            <a:r>
-              <a:rPr lang="de-DE" dirty="0"/>
-              <a:t> </a:t>
-            </a:r>
-            <a:r>
-              <a:rPr lang="de-DE" dirty="0" err="1"/>
-              <a:t>bandwidth</a:t>
-            </a:r>
-            <a:r>
-              <a:rPr lang="de-DE" dirty="0"/>
-              <a:t> </a:t>
-            </a:r>
-            <a:r>
-              <a:rPr lang="de-DE" dirty="0" err="1"/>
-              <a:t>by</a:t>
-            </a:r>
-            <a:r>
-              <a:rPr lang="de-DE" dirty="0"/>
-              <a:t> </a:t>
-            </a:r>
-            <a:r>
-              <a:rPr lang="de-DE" dirty="0" err="1"/>
-              <a:t>essentially</a:t>
-            </a:r>
-            <a:r>
-              <a:rPr lang="de-DE" dirty="0"/>
-              <a:t> </a:t>
-            </a:r>
-            <a:r>
-              <a:rPr lang="de-DE" dirty="0" err="1"/>
-              <a:t>eliminated</a:t>
-            </a:r>
-            <a:r>
-              <a:rPr lang="de-DE" dirty="0"/>
-              <a:t> </a:t>
-            </a:r>
-            <a:r>
-              <a:rPr lang="de-DE" dirty="0" err="1"/>
-              <a:t>any</a:t>
-            </a:r>
-            <a:r>
-              <a:rPr lang="de-DE" dirty="0"/>
-              <a:t> </a:t>
-            </a:r>
-            <a:r>
-              <a:rPr lang="de-DE" dirty="0" err="1"/>
-              <a:t>message</a:t>
-            </a:r>
-            <a:r>
-              <a:rPr lang="de-DE" dirty="0"/>
-              <a:t> </a:t>
-            </a:r>
-            <a:r>
-              <a:rPr lang="de-DE" dirty="0" err="1"/>
-              <a:t>from</a:t>
-            </a:r>
-            <a:r>
-              <a:rPr lang="de-DE" dirty="0"/>
-              <a:t> </a:t>
-            </a:r>
-            <a:r>
-              <a:rPr lang="de-DE" dirty="0" err="1"/>
-              <a:t>client</a:t>
-            </a:r>
-            <a:r>
-              <a:rPr lang="de-DE" dirty="0"/>
-              <a:t> </a:t>
-            </a:r>
-            <a:r>
-              <a:rPr lang="de-DE" dirty="0" err="1"/>
-              <a:t>to</a:t>
-            </a:r>
-            <a:r>
-              <a:rPr lang="de-DE" dirty="0"/>
-              <a:t> </a:t>
-            </a:r>
-            <a:r>
-              <a:rPr lang="de-DE" dirty="0" err="1"/>
-              <a:t>server</a:t>
-            </a:r>
-            <a:r>
-              <a:rPr lang="de-DE" dirty="0"/>
-              <a:t> -&gt; </a:t>
-            </a:r>
-            <a:r>
-              <a:rPr lang="de-DE" dirty="0" err="1"/>
-              <a:t>client</a:t>
-            </a:r>
-            <a:r>
-              <a:rPr lang="de-DE" dirty="0"/>
-              <a:t> </a:t>
-            </a:r>
-            <a:r>
-              <a:rPr lang="de-DE" dirty="0" err="1"/>
-              <a:t>establishes</a:t>
-            </a:r>
-            <a:r>
-              <a:rPr lang="de-DE" dirty="0"/>
-              <a:t> </a:t>
-            </a:r>
-            <a:r>
-              <a:rPr lang="de-DE" dirty="0" err="1"/>
-              <a:t>WebTransport</a:t>
-            </a:r>
-            <a:r>
-              <a:rPr lang="de-DE" dirty="0"/>
-              <a:t> and </a:t>
-            </a:r>
-            <a:r>
-              <a:rPr lang="de-DE" dirty="0" err="1"/>
-              <a:t>server</a:t>
-            </a:r>
-            <a:r>
-              <a:rPr lang="de-DE" dirty="0"/>
-              <a:t> </a:t>
-            </a:r>
-            <a:r>
-              <a:rPr lang="de-DE" dirty="0" err="1"/>
-              <a:t>starts</a:t>
-            </a:r>
-            <a:r>
-              <a:rPr lang="de-DE" dirty="0"/>
-              <a:t> push </a:t>
-            </a:r>
-            <a:r>
-              <a:rPr lang="de-DE" dirty="0" err="1"/>
-              <a:t>data</a:t>
-            </a:r>
-            <a:endParaRPr lang="de-DE" dirty="0"/>
-          </a:p>
-          <a:p>
-            <a:r>
-              <a:rPr lang="de-DE" dirty="0"/>
-              <a:t>As </a:t>
-            </a:r>
-            <a:r>
-              <a:rPr lang="de-DE" dirty="0" err="1"/>
-              <a:t>alluded</a:t>
-            </a:r>
-            <a:r>
-              <a:rPr lang="de-DE" dirty="0"/>
-              <a:t> </a:t>
-            </a:r>
-            <a:r>
-              <a:rPr lang="de-DE" dirty="0" err="1"/>
-              <a:t>before</a:t>
-            </a:r>
-            <a:r>
-              <a:rPr lang="de-DE" dirty="0"/>
-              <a:t> </a:t>
-            </a:r>
-            <a:r>
-              <a:rPr lang="de-DE" dirty="0" err="1"/>
-              <a:t>the</a:t>
-            </a:r>
-            <a:r>
-              <a:rPr lang="de-DE" dirty="0"/>
-              <a:t> </a:t>
-            </a:r>
-            <a:r>
-              <a:rPr lang="de-DE" dirty="0" err="1"/>
-              <a:t>client</a:t>
-            </a:r>
-            <a:r>
-              <a:rPr lang="de-DE" dirty="0"/>
-              <a:t> </a:t>
-            </a:r>
-            <a:r>
-              <a:rPr lang="de-DE" dirty="0" err="1"/>
-              <a:t>no</a:t>
-            </a:r>
-            <a:r>
-              <a:rPr lang="de-DE" dirty="0"/>
-              <a:t> </a:t>
-            </a:r>
-            <a:r>
-              <a:rPr lang="de-DE" dirty="0" err="1"/>
-              <a:t>longer</a:t>
-            </a:r>
-            <a:r>
-              <a:rPr lang="de-DE" dirty="0"/>
-              <a:t> </a:t>
-            </a:r>
-            <a:r>
-              <a:rPr lang="de-DE" dirty="0" err="1"/>
-              <a:t>needs</a:t>
-            </a:r>
-            <a:r>
-              <a:rPr lang="de-DE" dirty="0"/>
-              <a:t> </a:t>
-            </a:r>
-            <a:r>
-              <a:rPr lang="de-DE" dirty="0" err="1"/>
-              <a:t>to</a:t>
-            </a:r>
-            <a:r>
-              <a:rPr lang="de-DE" dirty="0"/>
-              <a:t> send </a:t>
-            </a:r>
-            <a:r>
-              <a:rPr lang="de-DE" dirty="0" err="1"/>
-              <a:t>request</a:t>
-            </a:r>
-            <a:r>
-              <a:rPr lang="de-DE" dirty="0"/>
-              <a:t> </a:t>
-            </a:r>
-            <a:r>
-              <a:rPr lang="de-DE" dirty="0" err="1"/>
-              <a:t>every</a:t>
-            </a:r>
-            <a:r>
-              <a:rPr lang="de-DE" dirty="0"/>
-              <a:t> </a:t>
-            </a:r>
-            <a:r>
-              <a:rPr lang="de-DE" dirty="0" err="1"/>
-              <a:t>segment</a:t>
-            </a:r>
-            <a:r>
-              <a:rPr lang="de-DE" dirty="0"/>
-              <a:t> </a:t>
-            </a:r>
-            <a:r>
-              <a:rPr lang="de-DE" dirty="0" err="1"/>
-              <a:t>by</a:t>
-            </a:r>
-            <a:r>
-              <a:rPr lang="de-DE" dirty="0"/>
-              <a:t> </a:t>
-            </a:r>
-            <a:r>
-              <a:rPr lang="de-DE" dirty="0" err="1"/>
-              <a:t>itself</a:t>
-            </a:r>
-            <a:r>
-              <a:rPr lang="de-DE" dirty="0"/>
-              <a:t> </a:t>
-            </a:r>
-            <a:r>
-              <a:rPr lang="de-DE" dirty="0" err="1"/>
-              <a:t>rather</a:t>
-            </a:r>
-            <a:r>
-              <a:rPr lang="de-DE" dirty="0"/>
-              <a:t> </a:t>
-            </a:r>
-            <a:r>
-              <a:rPr lang="de-DE" dirty="0" err="1"/>
-              <a:t>the</a:t>
-            </a:r>
-            <a:r>
-              <a:rPr lang="de-DE" dirty="0"/>
-              <a:t> </a:t>
-            </a:r>
-            <a:r>
-              <a:rPr lang="de-DE" dirty="0" err="1"/>
-              <a:t>segments</a:t>
-            </a:r>
-            <a:r>
-              <a:rPr lang="de-DE" dirty="0"/>
-              <a:t> </a:t>
-            </a:r>
-            <a:r>
-              <a:rPr lang="de-DE" dirty="0" err="1"/>
-              <a:t>are</a:t>
-            </a:r>
-            <a:r>
-              <a:rPr lang="de-DE" dirty="0"/>
-              <a:t> </a:t>
-            </a:r>
-            <a:r>
-              <a:rPr lang="de-DE" dirty="0" err="1"/>
-              <a:t>pushed</a:t>
-            </a:r>
-            <a:r>
-              <a:rPr lang="de-DE" dirty="0"/>
-              <a:t> </a:t>
-            </a:r>
-            <a:r>
-              <a:rPr lang="de-DE" dirty="0" err="1"/>
-              <a:t>by</a:t>
-            </a:r>
-            <a:r>
-              <a:rPr lang="de-DE" dirty="0"/>
-              <a:t> </a:t>
-            </a:r>
-            <a:r>
-              <a:rPr lang="de-DE" dirty="0" err="1"/>
-              <a:t>the</a:t>
-            </a:r>
-            <a:r>
-              <a:rPr lang="de-DE" dirty="0"/>
-              <a:t> </a:t>
-            </a:r>
-            <a:r>
-              <a:rPr lang="de-DE" dirty="0" err="1"/>
-              <a:t>server</a:t>
-            </a:r>
-            <a:r>
-              <a:rPr lang="de-DE" dirty="0"/>
-              <a:t> </a:t>
-            </a:r>
-            <a:r>
-              <a:rPr lang="de-DE" dirty="0" err="1"/>
-              <a:t>to</a:t>
-            </a:r>
-            <a:r>
-              <a:rPr lang="de-DE" dirty="0"/>
-              <a:t> </a:t>
-            </a:r>
-            <a:r>
-              <a:rPr lang="de-DE" dirty="0" err="1"/>
-              <a:t>the</a:t>
-            </a:r>
-            <a:r>
-              <a:rPr lang="de-DE" dirty="0"/>
-              <a:t> </a:t>
-            </a:r>
-            <a:r>
-              <a:rPr lang="de-DE" dirty="0" err="1"/>
-              <a:t>client</a:t>
-            </a:r>
-            <a:r>
-              <a:rPr lang="de-DE" dirty="0"/>
-              <a:t>.</a:t>
-            </a:r>
-          </a:p>
-          <a:p>
-            <a:r>
-              <a:rPr lang="de-DE" dirty="0" err="1"/>
-              <a:t>Finally</a:t>
-            </a:r>
-            <a:r>
-              <a:rPr lang="de-DE" dirty="0"/>
-              <a:t> QUIC </a:t>
-            </a:r>
-            <a:r>
-              <a:rPr lang="de-DE" dirty="0" err="1"/>
-              <a:t>mandates</a:t>
-            </a:r>
-            <a:r>
-              <a:rPr lang="de-DE" dirty="0"/>
-              <a:t> </a:t>
-            </a:r>
-            <a:r>
-              <a:rPr lang="de-DE" dirty="0" err="1"/>
-              <a:t>encryption</a:t>
-            </a:r>
-            <a:r>
-              <a:rPr lang="de-DE" dirty="0"/>
-              <a:t> </a:t>
-            </a:r>
-            <a:r>
-              <a:rPr lang="de-DE" dirty="0" err="1"/>
-              <a:t>through</a:t>
-            </a:r>
-            <a:r>
-              <a:rPr lang="de-DE" dirty="0"/>
-              <a:t> TLS, </a:t>
-            </a:r>
-            <a:r>
-              <a:rPr lang="de-DE" dirty="0" err="1"/>
-              <a:t>while</a:t>
-            </a:r>
-            <a:r>
-              <a:rPr lang="de-DE" dirty="0"/>
-              <a:t> </a:t>
-            </a:r>
-            <a:r>
-              <a:rPr lang="de-DE" dirty="0" err="1"/>
-              <a:t>it‘s</a:t>
-            </a:r>
-            <a:r>
-              <a:rPr lang="de-DE" dirty="0"/>
-              <a:t> optional </a:t>
-            </a:r>
-            <a:r>
-              <a:rPr lang="de-DE" dirty="0" err="1"/>
-              <a:t>with</a:t>
-            </a:r>
-            <a:r>
-              <a:rPr lang="de-DE" dirty="0"/>
-              <a:t> TCP </a:t>
-            </a:r>
-            <a:r>
-              <a:rPr lang="de-DE" dirty="0" err="1"/>
-              <a:t>there</a:t>
-            </a:r>
-            <a:r>
-              <a:rPr lang="de-DE" dirty="0"/>
-              <a:t> </a:t>
-            </a:r>
-            <a:r>
-              <a:rPr lang="de-DE" dirty="0" err="1"/>
-              <a:t>are</a:t>
-            </a:r>
-            <a:r>
-              <a:rPr lang="de-DE" dirty="0"/>
-              <a:t> </a:t>
-            </a:r>
-            <a:r>
-              <a:rPr lang="de-DE" dirty="0" err="1"/>
-              <a:t>over</a:t>
-            </a:r>
-            <a:r>
-              <a:rPr lang="de-DE" dirty="0"/>
-              <a:t> 80% </a:t>
-            </a:r>
-            <a:r>
-              <a:rPr lang="de-DE" dirty="0" err="1"/>
-              <a:t>of</a:t>
-            </a:r>
-            <a:r>
-              <a:rPr lang="de-DE" dirty="0"/>
-              <a:t> all </a:t>
-            </a:r>
-            <a:r>
-              <a:rPr lang="de-DE" dirty="0" err="1"/>
-              <a:t>websites</a:t>
-            </a:r>
-            <a:r>
-              <a:rPr lang="de-DE" dirty="0"/>
-              <a:t> </a:t>
-            </a:r>
-            <a:r>
-              <a:rPr lang="de-DE" dirty="0" err="1"/>
-              <a:t>using</a:t>
-            </a:r>
-            <a:r>
-              <a:rPr lang="de-DE" dirty="0"/>
-              <a:t> HTTPS.</a:t>
-            </a:r>
           </a:p>
         </p:txBody>
       </p:sp>
@@ -3322,7 +1572,7 @@
     </p:spTree>
     <p:extLst>
       <p:ext uri="{BB962C8B-B14F-4D97-AF65-F5344CB8AC3E}">
-        <p14:creationId xmlns:p14="http://schemas.microsoft.com/office/powerpoint/2010/main" val="1996009676"/>
+        <p14:creationId xmlns:p14="http://schemas.microsoft.com/office/powerpoint/2010/main" val="1521355916"/>
       </p:ext>
     </p:extLst>
   </p:cSld>
@@ -3376,22 +1626,7 @@
           <a:bodyPr/>
           <a:lstStyle/>
           <a:p>
-            <a:r>
-              <a:rPr lang="de-DE" dirty="0" err="1"/>
-              <a:t>Describe</a:t>
-            </a:r>
-            <a:r>
-              <a:rPr lang="de-DE" dirty="0"/>
-              <a:t> </a:t>
-            </a:r>
-            <a:r>
-              <a:rPr lang="de-DE" dirty="0" err="1"/>
-              <a:t>image</a:t>
-            </a:r>
-            <a:r>
-              <a:rPr lang="de-DE" dirty="0"/>
-              <a:t>….</a:t>
-            </a:r>
+            <a:endParaRPr lang="de-DE" dirty="0"/>
           </a:p>
         </p:txBody>
       </p:sp>
@@ -3421,7 +1656,7 @@
     </p:spTree>
     <p:extLst>
       <p:ext uri="{BB962C8B-B14F-4D97-AF65-F5344CB8AC3E}">
-        <p14:creationId xmlns:p14="http://schemas.microsoft.com/office/powerpoint/2010/main" val="1242022959"/>
+        <p14:creationId xmlns:p14="http://schemas.microsoft.com/office/powerpoint/2010/main" val="2508340952"/>
       </p:ext>
     </p:extLst>
   </p:cSld>
@@ -3475,436 +1710,6 @@
           <a:bodyPr/>
           <a:lstStyle/>
           <a:p>
-            <a:r>
-              <a:rPr lang="de-DE" dirty="0"/>
-              <a:t>In </a:t>
-            </a:r>
-            <a:r>
-              <a:rPr lang="de-DE" dirty="0" err="1"/>
-              <a:t>context</a:t>
-            </a:r>
-            <a:r>
-              <a:rPr lang="de-DE" dirty="0"/>
-              <a:t> </a:t>
-            </a:r>
-            <a:r>
-              <a:rPr lang="de-DE" dirty="0" err="1"/>
-              <a:t>of</a:t>
-            </a:r>
-            <a:r>
-              <a:rPr lang="de-DE" dirty="0"/>
-              <a:t> </a:t>
-            </a:r>
-            <a:r>
-              <a:rPr lang="de-DE" dirty="0" err="1"/>
-              <a:t>this</a:t>
-            </a:r>
-            <a:r>
-              <a:rPr lang="de-DE" dirty="0"/>
-              <a:t> </a:t>
-            </a:r>
-            <a:r>
-              <a:rPr lang="de-DE" dirty="0" err="1"/>
-              <a:t>project</a:t>
-            </a:r>
-            <a:r>
-              <a:rPr lang="de-DE" dirty="0"/>
-              <a:t> </a:t>
-            </a:r>
-            <a:r>
-              <a:rPr lang="de-DE" dirty="0" err="1"/>
-              <a:t>we‘ll</a:t>
-            </a:r>
-            <a:r>
-              <a:rPr lang="de-DE" dirty="0"/>
-              <a:t> </a:t>
-            </a:r>
-            <a:r>
-              <a:rPr lang="de-DE" dirty="0" err="1"/>
-              <a:t>be</a:t>
-            </a:r>
-            <a:r>
-              <a:rPr lang="de-DE" dirty="0"/>
-              <a:t> </a:t>
-            </a:r>
-            <a:r>
-              <a:rPr lang="de-DE" dirty="0" err="1"/>
-              <a:t>taking</a:t>
-            </a:r>
-            <a:r>
-              <a:rPr lang="de-DE" dirty="0"/>
-              <a:t> a </a:t>
-            </a:r>
-            <a:r>
-              <a:rPr lang="de-DE" dirty="0" err="1"/>
-              <a:t>look</a:t>
-            </a:r>
-            <a:r>
-              <a:rPr lang="de-DE" dirty="0"/>
-              <a:t> at </a:t>
-            </a:r>
-            <a:r>
-              <a:rPr lang="de-DE" dirty="0" err="1"/>
-              <a:t>three</a:t>
-            </a:r>
-            <a:r>
-              <a:rPr lang="de-DE" dirty="0"/>
-              <a:t> </a:t>
-            </a:r>
-            <a:r>
-              <a:rPr lang="de-DE" dirty="0" err="1"/>
-              <a:t>standard</a:t>
-            </a:r>
-            <a:r>
-              <a:rPr lang="de-DE" dirty="0"/>
-              <a:t> </a:t>
-            </a:r>
-            <a:r>
-              <a:rPr lang="de-DE" dirty="0" err="1"/>
-              <a:t>propositions</a:t>
-            </a:r>
-            <a:r>
-              <a:rPr lang="de-DE" dirty="0"/>
-              <a:t>.</a:t>
-            </a:r>
-          </a:p>
-          <a:p>
-            <a:r>
-              <a:rPr lang="de-DE" dirty="0"/>
-              <a:t>These </a:t>
-            </a:r>
-            <a:r>
-              <a:rPr lang="de-DE" dirty="0" err="1"/>
-              <a:t>consist</a:t>
-            </a:r>
-            <a:r>
-              <a:rPr lang="de-DE" dirty="0"/>
-              <a:t> </a:t>
-            </a:r>
-            <a:r>
-              <a:rPr lang="de-DE" dirty="0" err="1"/>
-              <a:t>of</a:t>
-            </a:r>
-            <a:r>
-              <a:rPr lang="de-DE" dirty="0"/>
-              <a:t> </a:t>
-            </a:r>
-          </a:p>
-          <a:p>
-            <a:r>
-              <a:rPr lang="de-DE" dirty="0"/>
-              <a:t>	- RUSH </a:t>
-            </a:r>
-            <a:r>
-              <a:rPr lang="de-DE" dirty="0" err="1"/>
-              <a:t>designed</a:t>
-            </a:r>
-            <a:r>
-              <a:rPr lang="de-DE" dirty="0"/>
-              <a:t> </a:t>
-            </a:r>
-            <a:r>
-              <a:rPr lang="de-DE" dirty="0" err="1"/>
-              <a:t>by</a:t>
-            </a:r>
-            <a:r>
-              <a:rPr lang="de-DE" dirty="0"/>
-              <a:t> Facebook </a:t>
-            </a:r>
-            <a:r>
-              <a:rPr lang="de-DE" dirty="0" err="1"/>
-              <a:t>with</a:t>
-            </a:r>
-            <a:r>
-              <a:rPr lang="de-DE" dirty="0"/>
-              <a:t> live </a:t>
-            </a:r>
-            <a:r>
-              <a:rPr lang="de-DE" dirty="0" err="1"/>
-              <a:t>video</a:t>
-            </a:r>
-            <a:r>
-              <a:rPr lang="de-DE" dirty="0"/>
-              <a:t> </a:t>
-            </a:r>
-            <a:r>
-              <a:rPr lang="de-DE" dirty="0" err="1"/>
-              <a:t>streaming</a:t>
-            </a:r>
-            <a:r>
-              <a:rPr lang="de-DE" dirty="0"/>
-              <a:t> </a:t>
-            </a:r>
-            <a:r>
-              <a:rPr lang="de-DE" dirty="0" err="1"/>
-              <a:t>as</a:t>
-            </a:r>
-            <a:r>
-              <a:rPr lang="de-DE" dirty="0"/>
-              <a:t> </a:t>
-            </a:r>
-            <a:r>
-              <a:rPr lang="de-DE" dirty="0" err="1"/>
-              <a:t>intended</a:t>
-            </a:r>
-            <a:r>
-              <a:rPr lang="de-DE" dirty="0"/>
-              <a:t> </a:t>
-            </a:r>
-            <a:r>
-              <a:rPr lang="de-DE" dirty="0" err="1"/>
-              <a:t>use</a:t>
-            </a:r>
-            <a:r>
-              <a:rPr lang="de-DE" dirty="0"/>
-              <a:t> </a:t>
-            </a:r>
-            <a:r>
-              <a:rPr lang="de-DE" dirty="0" err="1"/>
-              <a:t>case</a:t>
-            </a:r>
-            <a:r>
-              <a:rPr lang="de-DE" dirty="0"/>
-              <a:t>.</a:t>
-            </a:r>
-          </a:p>
-          <a:p>
-            <a:r>
-              <a:rPr lang="de-DE" dirty="0"/>
-              <a:t>	- WARP </a:t>
-            </a:r>
-            <a:r>
-              <a:rPr lang="de-DE" dirty="0" err="1"/>
-              <a:t>made</a:t>
-            </a:r>
-            <a:r>
-              <a:rPr lang="de-DE" dirty="0"/>
-              <a:t> </a:t>
-            </a:r>
-            <a:r>
-              <a:rPr lang="de-DE" dirty="0" err="1"/>
-              <a:t>by</a:t>
-            </a:r>
-            <a:r>
-              <a:rPr lang="de-DE" dirty="0"/>
-              <a:t> Twitch </a:t>
-            </a:r>
-            <a:r>
-              <a:rPr lang="de-DE" dirty="0" err="1"/>
-              <a:t>with</a:t>
-            </a:r>
-            <a:r>
-              <a:rPr lang="de-DE" dirty="0"/>
-              <a:t> </a:t>
-            </a:r>
-            <a:r>
-              <a:rPr lang="de-DE" dirty="0" err="1"/>
-              <a:t>low</a:t>
-            </a:r>
-            <a:r>
-              <a:rPr lang="de-DE" dirty="0"/>
-              <a:t> </a:t>
-            </a:r>
-            <a:r>
-              <a:rPr lang="de-DE" dirty="0" err="1"/>
-              <a:t>latency</a:t>
-            </a:r>
-            <a:r>
-              <a:rPr lang="de-DE" dirty="0"/>
-              <a:t> live </a:t>
-            </a:r>
-            <a:r>
-              <a:rPr lang="de-DE" dirty="0" err="1"/>
-              <a:t>streaming</a:t>
-            </a:r>
-            <a:r>
-              <a:rPr lang="de-DE" dirty="0"/>
-              <a:t> in mind.</a:t>
-            </a:r>
-          </a:p>
-          <a:p>
-            <a:r>
-              <a:rPr lang="de-DE" dirty="0"/>
-              <a:t>	- QUICR </a:t>
-            </a:r>
-            <a:r>
-              <a:rPr lang="de-DE" dirty="0" err="1"/>
-              <a:t>by</a:t>
-            </a:r>
-            <a:r>
-              <a:rPr lang="de-DE" dirty="0"/>
-              <a:t> Cisco </a:t>
-            </a:r>
-            <a:r>
-              <a:rPr lang="de-DE" dirty="0" err="1"/>
-              <a:t>being</a:t>
-            </a:r>
-            <a:r>
-              <a:rPr lang="de-DE" dirty="0"/>
-              <a:t> </a:t>
-            </a:r>
-            <a:r>
-              <a:rPr lang="de-DE" dirty="0" err="1"/>
-              <a:t>intended</a:t>
-            </a:r>
-            <a:r>
-              <a:rPr lang="de-DE" dirty="0"/>
-              <a:t> </a:t>
-            </a:r>
-            <a:r>
-              <a:rPr lang="de-DE" dirty="0" err="1"/>
-              <a:t>as</a:t>
-            </a:r>
-            <a:r>
-              <a:rPr lang="de-DE" dirty="0"/>
-              <a:t> universal </a:t>
-            </a:r>
-            <a:r>
-              <a:rPr lang="de-DE" dirty="0" err="1"/>
-              <a:t>delivery</a:t>
-            </a:r>
-            <a:r>
-              <a:rPr lang="de-DE" dirty="0"/>
-              <a:t> </a:t>
-            </a:r>
-            <a:r>
-              <a:rPr lang="de-DE" dirty="0" err="1"/>
-              <a:t>protocol</a:t>
-            </a:r>
-            <a:r>
-              <a:rPr lang="de-DE" dirty="0"/>
-              <a:t> </a:t>
-            </a:r>
-            <a:r>
-              <a:rPr lang="de-DE" dirty="0" err="1"/>
-              <a:t>intended</a:t>
-            </a:r>
-            <a:r>
-              <a:rPr lang="de-DE" dirty="0"/>
-              <a:t> </a:t>
-            </a:r>
-            <a:r>
-              <a:rPr lang="de-DE" dirty="0" err="1"/>
-              <a:t>for</a:t>
-            </a:r>
-            <a:r>
-              <a:rPr lang="de-DE" dirty="0"/>
-              <a:t> </a:t>
-            </a:r>
-            <a:r>
-              <a:rPr lang="de-DE" dirty="0" err="1"/>
-              <a:t>wide</a:t>
-            </a:r>
-            <a:r>
-              <a:rPr lang="de-DE" dirty="0"/>
-              <a:t> </a:t>
-            </a:r>
-            <a:r>
-              <a:rPr lang="de-DE" dirty="0" err="1"/>
-              <a:t>range</a:t>
-            </a:r>
-            <a:r>
-              <a:rPr lang="de-DE" dirty="0"/>
-              <a:t> </a:t>
-            </a:r>
-            <a:r>
-              <a:rPr lang="de-DE" dirty="0" err="1"/>
-              <a:t>of</a:t>
-            </a:r>
-            <a:r>
-              <a:rPr lang="de-DE" dirty="0"/>
-              <a:t> </a:t>
-            </a:r>
-            <a:r>
-              <a:rPr lang="de-DE" dirty="0" err="1"/>
-              <a:t>applications</a:t>
-            </a:r>
-            <a:r>
-              <a:rPr lang="de-DE" dirty="0"/>
-              <a:t>, </a:t>
-            </a:r>
-            <a:r>
-              <a:rPr lang="de-DE" dirty="0" err="1"/>
-              <a:t>including</a:t>
-            </a:r>
-            <a:r>
-              <a:rPr lang="de-DE" dirty="0"/>
-              <a:t> </a:t>
-            </a:r>
-            <a:r>
-              <a:rPr lang="de-DE" dirty="0" err="1"/>
-              <a:t>ultra</a:t>
-            </a:r>
-            <a:r>
-              <a:rPr lang="de-DE" dirty="0"/>
-              <a:t> </a:t>
-            </a:r>
-            <a:r>
-              <a:rPr lang="de-DE" dirty="0" err="1"/>
-              <a:t>low</a:t>
-            </a:r>
-            <a:r>
-              <a:rPr lang="de-DE" dirty="0"/>
-              <a:t> </a:t>
-            </a:r>
-            <a:r>
-              <a:rPr lang="de-DE" dirty="0" err="1"/>
-              <a:t>latency</a:t>
-            </a:r>
-            <a:r>
-              <a:rPr lang="de-DE" dirty="0"/>
-              <a:t> </a:t>
-            </a:r>
-            <a:r>
-              <a:rPr lang="de-DE" dirty="0" err="1"/>
-              <a:t>interactions</a:t>
-            </a:r>
-            <a:r>
-              <a:rPr lang="de-DE" dirty="0"/>
-              <a:t>, like </a:t>
-            </a:r>
-            <a:r>
-              <a:rPr lang="de-DE" dirty="0" err="1"/>
-              <a:t>video</a:t>
-            </a:r>
-            <a:r>
-              <a:rPr lang="de-DE" dirty="0"/>
-              <a:t> </a:t>
-            </a:r>
-            <a:r>
-              <a:rPr lang="de-DE" dirty="0" err="1"/>
-              <a:t>conferencing</a:t>
-            </a:r>
-            <a:r>
-              <a:rPr lang="de-DE" dirty="0"/>
-              <a:t> and </a:t>
-            </a:r>
-            <a:r>
-              <a:rPr lang="de-DE" dirty="0" err="1"/>
-              <a:t>multiplayer</a:t>
-            </a:r>
-            <a:r>
-              <a:rPr lang="de-DE" dirty="0"/>
-              <a:t> </a:t>
-            </a:r>
-            <a:r>
-              <a:rPr lang="de-DE" dirty="0" err="1"/>
-              <a:t>video</a:t>
-            </a:r>
-            <a:r>
-              <a:rPr lang="de-DE" dirty="0"/>
-              <a:t> </a:t>
-            </a:r>
-            <a:r>
-              <a:rPr lang="de-DE" dirty="0" err="1"/>
-              <a:t>games</a:t>
-            </a:r>
-            <a:r>
-              <a:rPr lang="de-DE" dirty="0"/>
-              <a:t>.</a:t>
-            </a:r>
-          </a:p>
-          <a:p>
             <a:endParaRPr lang="de-DE" dirty="0"/>
           </a:p>
         </p:txBody>
@@ -3935,7 +1740,7 @@
     </p:spTree>
     <p:extLst>
       <p:ext uri="{BB962C8B-B14F-4D97-AF65-F5344CB8AC3E}">
-        <p14:creationId xmlns:p14="http://schemas.microsoft.com/office/powerpoint/2010/main" val="525369581"/>
+        <p14:creationId xmlns:p14="http://schemas.microsoft.com/office/powerpoint/2010/main" val="2762134951"/>
       </p:ext>
     </p:extLst>
   </p:cSld>
@@ -3989,398 +1794,7 @@
           <a:bodyPr/>
           <a:lstStyle/>
           <a:p>
-            <a:r>
-              <a:rPr lang="de-DE" dirty="0" err="1"/>
-              <a:t>Our</a:t>
-            </a:r>
-            <a:r>
-              <a:rPr lang="de-DE" dirty="0"/>
-              <a:t> </a:t>
-            </a:r>
-            <a:r>
-              <a:rPr lang="de-DE" dirty="0" err="1"/>
-              <a:t>goal</a:t>
-            </a:r>
-            <a:r>
-              <a:rPr lang="de-DE" dirty="0"/>
-              <a:t> </a:t>
-            </a:r>
-            <a:r>
-              <a:rPr lang="de-DE" dirty="0" err="1"/>
-              <a:t>is</a:t>
-            </a:r>
-            <a:r>
-              <a:rPr lang="de-DE" dirty="0"/>
-              <a:t> </a:t>
-            </a:r>
-            <a:r>
-              <a:rPr lang="de-DE" dirty="0" err="1"/>
-              <a:t>to</a:t>
-            </a:r>
-            <a:r>
-              <a:rPr lang="de-DE" dirty="0"/>
-              <a:t> </a:t>
-            </a:r>
-            <a:r>
-              <a:rPr lang="de-DE" dirty="0" err="1"/>
-              <a:t>evaluate</a:t>
-            </a:r>
-            <a:r>
-              <a:rPr lang="de-DE" dirty="0"/>
-              <a:t> </a:t>
-            </a:r>
-            <a:r>
-              <a:rPr lang="de-DE" dirty="0" err="1"/>
-              <a:t>the</a:t>
-            </a:r>
-            <a:r>
-              <a:rPr lang="de-DE" dirty="0"/>
-              <a:t> </a:t>
-            </a:r>
-            <a:r>
-              <a:rPr lang="de-DE" dirty="0" err="1"/>
-              <a:t>previously</a:t>
-            </a:r>
-            <a:r>
-              <a:rPr lang="de-DE" dirty="0"/>
-              <a:t> </a:t>
-            </a:r>
-            <a:r>
-              <a:rPr lang="de-DE" dirty="0" err="1"/>
-              <a:t>mentioned</a:t>
-            </a:r>
-            <a:r>
-              <a:rPr lang="de-DE" dirty="0"/>
-              <a:t> </a:t>
-            </a:r>
-            <a:r>
-              <a:rPr lang="de-DE" dirty="0" err="1"/>
-              <a:t>protocols</a:t>
-            </a:r>
-            <a:r>
-              <a:rPr lang="de-DE" dirty="0"/>
-              <a:t> and </a:t>
-            </a:r>
-            <a:r>
-              <a:rPr lang="de-DE" dirty="0" err="1"/>
-              <a:t>if</a:t>
-            </a:r>
-            <a:r>
-              <a:rPr lang="de-DE" dirty="0"/>
-              <a:t> </a:t>
-            </a:r>
-            <a:r>
-              <a:rPr lang="de-DE" dirty="0" err="1"/>
-              <a:t>needed</a:t>
-            </a:r>
-            <a:r>
-              <a:rPr lang="de-DE" dirty="0"/>
-              <a:t> </a:t>
-            </a:r>
-            <a:r>
-              <a:rPr lang="de-DE" dirty="0" err="1"/>
-              <a:t>make</a:t>
-            </a:r>
-            <a:r>
-              <a:rPr lang="de-DE" dirty="0"/>
-              <a:t> </a:t>
-            </a:r>
-            <a:r>
-              <a:rPr lang="de-DE" dirty="0" err="1"/>
-              <a:t>adjustments</a:t>
-            </a:r>
-            <a:r>
-              <a:rPr lang="de-DE" dirty="0"/>
-              <a:t> </a:t>
-            </a:r>
-            <a:r>
-              <a:rPr lang="de-DE" dirty="0" err="1"/>
-              <a:t>to</a:t>
-            </a:r>
-            <a:r>
-              <a:rPr lang="de-DE" dirty="0"/>
-              <a:t> </a:t>
-            </a:r>
-            <a:r>
-              <a:rPr lang="de-DE" dirty="0" err="1"/>
-              <a:t>them</a:t>
-            </a:r>
-            <a:r>
-              <a:rPr lang="de-DE" dirty="0"/>
-              <a:t>.</a:t>
-            </a:r>
-          </a:p>
-          <a:p>
-            <a:r>
-              <a:rPr lang="de-DE" dirty="0" err="1"/>
-              <a:t>We</a:t>
-            </a:r>
-            <a:r>
-              <a:rPr lang="de-DE" dirty="0"/>
-              <a:t> will </a:t>
-            </a:r>
-            <a:r>
-              <a:rPr lang="de-DE" dirty="0" err="1"/>
-              <a:t>start</a:t>
-            </a:r>
-            <a:r>
-              <a:rPr lang="de-DE" dirty="0"/>
-              <a:t> </a:t>
-            </a:r>
-            <a:r>
-              <a:rPr lang="de-DE" dirty="0" err="1"/>
-              <a:t>by</a:t>
-            </a:r>
-            <a:r>
-              <a:rPr lang="de-DE" dirty="0"/>
-              <a:t> </a:t>
-            </a:r>
-            <a:r>
-              <a:rPr lang="de-DE" dirty="0" err="1"/>
-              <a:t>setting</a:t>
-            </a:r>
-            <a:r>
-              <a:rPr lang="de-DE" dirty="0"/>
-              <a:t> </a:t>
-            </a:r>
-            <a:r>
-              <a:rPr lang="de-DE" dirty="0" err="1"/>
-              <a:t>up</a:t>
-            </a:r>
-            <a:r>
-              <a:rPr lang="de-DE" dirty="0"/>
-              <a:t> RUSH, WARP and QUIC.</a:t>
-            </a:r>
-          </a:p>
-          <a:p>
-            <a:r>
-              <a:rPr lang="de-DE" dirty="0" err="1"/>
-              <a:t>Followed</a:t>
-            </a:r>
-            <a:r>
-              <a:rPr lang="de-DE" dirty="0"/>
-              <a:t> </a:t>
-            </a:r>
-            <a:r>
-              <a:rPr lang="de-DE" dirty="0" err="1"/>
-              <a:t>by</a:t>
-            </a:r>
-            <a:r>
-              <a:rPr lang="de-DE" dirty="0"/>
-              <a:t> </a:t>
-            </a:r>
-            <a:r>
-              <a:rPr lang="de-DE" dirty="0" err="1"/>
-              <a:t>evaluating</a:t>
-            </a:r>
-            <a:r>
-              <a:rPr lang="de-DE" dirty="0"/>
-              <a:t> </a:t>
-            </a:r>
-            <a:r>
-              <a:rPr lang="de-DE" dirty="0" err="1"/>
-              <a:t>their</a:t>
-            </a:r>
-            <a:r>
-              <a:rPr lang="de-DE" dirty="0"/>
-              <a:t> </a:t>
-            </a:r>
-            <a:r>
-              <a:rPr lang="de-DE" dirty="0" err="1"/>
-              <a:t>performance</a:t>
-            </a:r>
-            <a:r>
-              <a:rPr lang="de-DE" dirty="0"/>
-              <a:t> in </a:t>
-            </a:r>
-            <a:r>
-              <a:rPr lang="de-DE" dirty="0" err="1"/>
-              <a:t>the</a:t>
-            </a:r>
-            <a:r>
-              <a:rPr lang="de-DE" dirty="0"/>
-              <a:t> </a:t>
-            </a:r>
-            <a:r>
-              <a:rPr lang="de-DE" dirty="0" err="1"/>
-              <a:t>current</a:t>
-            </a:r>
-            <a:r>
-              <a:rPr lang="de-DE" dirty="0"/>
-              <a:t> </a:t>
-            </a:r>
-            <a:r>
-              <a:rPr lang="de-DE" dirty="0" err="1"/>
-              <a:t>state</a:t>
-            </a:r>
-            <a:r>
-              <a:rPr lang="de-DE" dirty="0"/>
-              <a:t> </a:t>
-            </a:r>
-            <a:r>
-              <a:rPr lang="de-DE" dirty="0" err="1"/>
-              <a:t>they</a:t>
-            </a:r>
-            <a:r>
-              <a:rPr lang="de-DE" dirty="0"/>
-              <a:t> </a:t>
-            </a:r>
-            <a:r>
-              <a:rPr lang="de-DE" dirty="0" err="1"/>
-              <a:t>are</a:t>
-            </a:r>
-            <a:r>
-              <a:rPr lang="de-DE" dirty="0"/>
-              <a:t> in.</a:t>
-            </a:r>
-          </a:p>
-          <a:p>
-            <a:r>
-              <a:rPr lang="de-DE" dirty="0" err="1"/>
-              <a:t>Then</a:t>
-            </a:r>
-            <a:r>
-              <a:rPr lang="de-DE" dirty="0"/>
-              <a:t> </a:t>
-            </a:r>
-            <a:r>
-              <a:rPr lang="de-DE" dirty="0" err="1"/>
-              <a:t>if</a:t>
-            </a:r>
-            <a:r>
-              <a:rPr lang="de-DE" dirty="0"/>
-              <a:t> </a:t>
-            </a:r>
-            <a:r>
-              <a:rPr lang="de-DE" dirty="0" err="1"/>
-              <a:t>needed</a:t>
-            </a:r>
-            <a:r>
-              <a:rPr lang="de-DE" dirty="0"/>
-              <a:t> </a:t>
-            </a:r>
-            <a:r>
-              <a:rPr lang="de-DE" dirty="0" err="1"/>
-              <a:t>we</a:t>
-            </a:r>
-            <a:r>
-              <a:rPr lang="de-DE" dirty="0"/>
-              <a:t> will </a:t>
-            </a:r>
-            <a:r>
-              <a:rPr lang="de-DE" dirty="0" err="1"/>
-              <a:t>be</a:t>
-            </a:r>
-            <a:r>
-              <a:rPr lang="de-DE" dirty="0"/>
-              <a:t> </a:t>
-            </a:r>
-            <a:r>
-              <a:rPr lang="de-DE" dirty="0" err="1"/>
-              <a:t>making</a:t>
-            </a:r>
-            <a:r>
-              <a:rPr lang="de-DE" dirty="0"/>
-              <a:t> </a:t>
-            </a:r>
-            <a:r>
-              <a:rPr lang="de-DE" dirty="0" err="1"/>
-              <a:t>adjustments</a:t>
-            </a:r>
-            <a:r>
-              <a:rPr lang="de-DE" dirty="0"/>
-              <a:t> </a:t>
-            </a:r>
-            <a:r>
-              <a:rPr lang="de-DE" dirty="0" err="1"/>
-              <a:t>to</a:t>
-            </a:r>
-            <a:r>
-              <a:rPr lang="de-DE" dirty="0"/>
-              <a:t> </a:t>
-            </a:r>
-            <a:r>
-              <a:rPr lang="de-DE" dirty="0" err="1"/>
-              <a:t>them</a:t>
-            </a:r>
-            <a:r>
-              <a:rPr lang="de-DE" dirty="0"/>
-              <a:t> and </a:t>
-            </a:r>
-            <a:r>
-              <a:rPr lang="de-DE" dirty="0" err="1"/>
-              <a:t>evaluate</a:t>
-            </a:r>
-            <a:r>
-              <a:rPr lang="de-DE" dirty="0"/>
-              <a:t> </a:t>
-            </a:r>
-            <a:r>
-              <a:rPr lang="de-DE" dirty="0" err="1"/>
-              <a:t>again</a:t>
-            </a:r>
-            <a:r>
-              <a:rPr lang="de-DE" dirty="0"/>
-              <a:t>.</a:t>
-            </a:r>
-          </a:p>
-          <a:p>
-            <a:r>
-              <a:rPr lang="de-DE" dirty="0" err="1"/>
-              <a:t>Finally</a:t>
-            </a:r>
-            <a:r>
-              <a:rPr lang="de-DE" dirty="0"/>
-              <a:t> </a:t>
-            </a:r>
-            <a:r>
-              <a:rPr lang="de-DE" dirty="0" err="1"/>
-              <a:t>compile</a:t>
-            </a:r>
-            <a:r>
-              <a:rPr lang="de-DE" dirty="0"/>
-              <a:t> a </a:t>
-            </a:r>
-            <a:r>
-              <a:rPr lang="de-DE" dirty="0" err="1"/>
-              <a:t>project</a:t>
-            </a:r>
-            <a:r>
-              <a:rPr lang="de-DE" dirty="0"/>
-              <a:t> </a:t>
-            </a:r>
-            <a:r>
-              <a:rPr lang="de-DE" dirty="0" err="1"/>
-              <a:t>report</a:t>
-            </a:r>
-            <a:r>
-              <a:rPr lang="de-DE" dirty="0"/>
-              <a:t> </a:t>
-            </a:r>
-            <a:r>
-              <a:rPr lang="de-DE" dirty="0" err="1"/>
-              <a:t>with</a:t>
-            </a:r>
-            <a:r>
-              <a:rPr lang="de-DE" dirty="0"/>
-              <a:t> </a:t>
-            </a:r>
-            <a:r>
-              <a:rPr lang="de-DE" dirty="0" err="1"/>
-              <a:t>our</a:t>
-            </a:r>
-            <a:r>
-              <a:rPr lang="de-DE" dirty="0"/>
-              <a:t> </a:t>
-            </a:r>
-            <a:r>
-              <a:rPr lang="de-DE" dirty="0" err="1"/>
-              <a:t>findings</a:t>
-            </a:r>
-            <a:r>
-              <a:rPr lang="de-DE" dirty="0"/>
-              <a:t>.</a:t>
-            </a:r>
+            <a:endParaRPr lang="de-DE" dirty="0"/>
           </a:p>
         </p:txBody>
       </p:sp>
@@ -4410,7 +1824,7 @@
     </p:spTree>
     <p:extLst>
       <p:ext uri="{BB962C8B-B14F-4D97-AF65-F5344CB8AC3E}">
-        <p14:creationId xmlns:p14="http://schemas.microsoft.com/office/powerpoint/2010/main" val="864066537"/>
+        <p14:creationId xmlns:p14="http://schemas.microsoft.com/office/powerpoint/2010/main" val="2051775274"/>
       </p:ext>
     </p:extLst>
   </p:cSld>
@@ -7705,7 +5119,27 @@
                 <a:latin typeface="Arial" panose="020B0604020202020204" pitchFamily="34" charset="0"/>
                 <a:cs typeface="Arial" panose="020B0604020202020204" pitchFamily="34" charset="0"/>
               </a:rPr>
-              <a:t>Philip Nys | Open Distributed Systems | Workshop 1 | May 23rd 2023</a:t>
+              <a:t>Philip Nys | Open Distributed Systems | Workshop 3 | July 11</a:t>
+            </a:r>
+            <a:r>
+              <a:rPr lang="en-US" sz="1200" baseline="30000" dirty="0">
+                <a:solidFill>
+                  <a:schemeClr val="bg1"/>
+                </a:solidFill>
+                <a:latin typeface="Arial" panose="020B0604020202020204" pitchFamily="34" charset="0"/>
+                <a:cs typeface="Arial" panose="020B0604020202020204" pitchFamily="34" charset="0"/>
+              </a:rPr>
+              <a:t>th</a:t>
+            </a:r>
+            <a:r>
+              <a:rPr lang="en-US" sz="1200" dirty="0">
+                <a:solidFill>
+                  <a:schemeClr val="bg1"/>
+                </a:solidFill>
+                <a:latin typeface="Arial" panose="020B0604020202020204" pitchFamily="34" charset="0"/>
+                <a:cs typeface="Arial" panose="020B0604020202020204" pitchFamily="34" charset="0"/>
+              </a:rPr>
+              <a:t> 2023</a:t>
             </a:r>
           </a:p>
         </p:txBody>
@@ -8190,7 +5624,27 @@
                 <a:latin typeface="Arial" panose="020B0604020202020204" pitchFamily="34" charset="0"/>
                 <a:cs typeface="Arial" panose="020B0604020202020204" pitchFamily="34" charset="0"/>
               </a:rPr>
-              <a:t>Philip Nys | Open Distributed Systems | Workshop 1 | May 23rd 2023</a:t>
+              <a:t>Philip Nys | Open Distributed Systems | Workshop 3 | </a:t>
+            </a:r>
+            <a:r>
+              <a:rPr lang="de-DE" sz="1800" dirty="0" err="1">
+                <a:solidFill>
+                  <a:schemeClr val="bg1"/>
+                </a:solidFill>
+                <a:latin typeface="Arial" panose="020B0604020202020204" pitchFamily="34" charset="0"/>
+                <a:cs typeface="Arial" panose="020B0604020202020204" pitchFamily="34" charset="0"/>
+              </a:rPr>
+              <a:t>July</a:t>
+            </a:r>
+            <a:r>
+              <a:rPr lang="de-DE" sz="1800" dirty="0">
+                <a:solidFill>
+                  <a:schemeClr val="bg1"/>
+                </a:solidFill>
+                <a:latin typeface="Arial" panose="020B0604020202020204" pitchFamily="34" charset="0"/>
+                <a:cs typeface="Arial" panose="020B0604020202020204" pitchFamily="34" charset="0"/>
+              </a:rPr>
+              <a:t> 11th 2023</a:t>
             </a:r>
           </a:p>
         </p:txBody>
@@ -8257,7 +5711,7 @@
             </a:pPr>
             <a:r>
               <a:rPr lang="de-DE" dirty="0"/>
-              <a:t>Problem Statement</a:t>
+              <a:t>Warp-Up: Problem Statement</a:t>
             </a:r>
           </a:p>
           <a:p>
@@ -8267,31 +5721,41 @@
             </a:pPr>
             <a:r>
               <a:rPr lang="de-DE" dirty="0"/>
-              <a:t>HTTP/3 – </a:t>
-            </a:r>
-            <a:r>
-              <a:rPr lang="de-DE" dirty="0" err="1"/>
-              <a:t>What</a:t>
-            </a:r>
-            <a:r>
-              <a:rPr lang="de-DE" dirty="0"/>
-              <a:t> </a:t>
-            </a:r>
-            <a:r>
-              <a:rPr lang="de-DE" dirty="0" err="1"/>
-              <a:t>is</a:t>
-            </a:r>
-            <a:r>
-              <a:rPr lang="de-DE" dirty="0"/>
-              <a:t> </a:t>
-            </a:r>
-            <a:r>
-              <a:rPr lang="de-DE" dirty="0" err="1"/>
-              <a:t>new</a:t>
-            </a:r>
-            <a:r>
-              <a:rPr lang="de-DE" dirty="0"/>
-              <a:t>?</a:t>
+              <a:t>Implementation Details</a:t>
+            </a:r>
+          </a:p>
+          <a:p>
+            <a:pPr marL="971550" lvl="1" indent="-285750">
+              <a:buFontTx/>
+              <a:buChar char="-"/>
+            </a:pPr>
+            <a:r>
+              <a:rPr lang="de-DE" sz="1800" dirty="0">
+                <a:latin typeface="Arial" panose="020B0604020202020204" pitchFamily="34" charset="0"/>
+                <a:cs typeface="Arial" panose="020B0604020202020204" pitchFamily="34" charset="0"/>
+              </a:rPr>
+              <a:t>RUSH / QUICR / WARP (Rust)</a:t>
+            </a:r>
+            <a:r>
+              <a:rPr lang="de-DE" dirty="0">
+                <a:latin typeface="Arial" panose="020B0604020202020204" pitchFamily="34" charset="0"/>
+                <a:cs typeface="Arial" panose="020B0604020202020204" pitchFamily="34" charset="0"/>
+              </a:rPr>
+              <a:t>	</a:t>
+            </a:r>
+            <a:endParaRPr lang="de-DE" dirty="0"/>
+          </a:p>
+          <a:p>
+            <a:pPr marL="971550" lvl="1" indent="-285750">
+              <a:buFontTx/>
+              <a:buChar char="-"/>
+            </a:pPr>
+            <a:r>
+              <a:rPr lang="de-DE" sz="1800" dirty="0">
+                <a:latin typeface="Arial" panose="020B0604020202020204" pitchFamily="34" charset="0"/>
+                <a:cs typeface="Arial" panose="020B0604020202020204" pitchFamily="34" charset="0"/>
+              </a:rPr>
+              <a:t>WARP (Go)</a:t>
             </a:r>
           </a:p>
           <a:p>
@@ -8301,19 +5765,11 @@
             </a:pPr>
             <a:r>
               <a:rPr lang="de-DE" dirty="0" err="1"/>
-              <a:t>Comparision</a:t>
-            </a:r>
-            <a:r>
-              <a:rPr lang="de-DE" dirty="0"/>
-              <a:t> TCP </a:t>
-            </a:r>
-            <a:r>
-              <a:rPr lang="de-DE" dirty="0" err="1"/>
-              <a:t>vs</a:t>
-            </a:r>
-            <a:r>
-              <a:rPr lang="de-DE" dirty="0"/>
-              <a:t> QUIC</a:t>
+              <a:t>Results</a:t>
+            </a:r>
+            <a:r>
+              <a:rPr lang="de-DE" dirty="0"/>
+              <a:t> / Evaluation</a:t>
             </a:r>
           </a:p>
           <a:p>
@@ -8323,7 +5779,7 @@
             </a:pPr>
             <a:r>
               <a:rPr lang="de-DE" dirty="0"/>
-              <a:t>Potential Solution / Concept</a:t>
+              <a:t>Demo</a:t>
             </a:r>
           </a:p>
           <a:p>
@@ -8333,23 +5789,21 @@
             </a:pPr>
             <a:r>
               <a:rPr lang="de-DE" dirty="0"/>
-              <a:t>Next </a:t>
-            </a:r>
-            <a:r>
-              <a:rPr lang="de-DE" dirty="0" err="1"/>
-              <a:t>Steps</a:t>
+              <a:t>Open TODOs </a:t>
+            </a:r>
+            <a:r>
+              <a:rPr lang="de-DE" dirty="0" err="1"/>
+              <a:t>until</a:t>
+            </a:r>
+            <a:r>
+              <a:rPr lang="de-DE" dirty="0"/>
+              <a:t> final </a:t>
+            </a:r>
+            <a:r>
+              <a:rPr lang="de-DE" dirty="0" err="1"/>
+              <a:t>submission</a:t>
             </a:r>
             <a:endParaRPr lang="de-DE" dirty="0"/>
-          </a:p>
-          <a:p>
-            <a:pPr marL="285750" indent="-285750">
-              <a:buFontTx/>
-              <a:buChar char="-"/>
-            </a:pPr>
-            <a:r>
-              <a:rPr lang="de-DE" dirty="0"/>
-              <a:t>References</a:t>
-            </a:r>
           </a:p>
         </p:txBody>
       </p:sp>
@@ -8752,7 +6206,7 @@
           <a:p>
             <a:r>
               <a:rPr lang="de-DE" dirty="0"/>
-              <a:t>Problem Statement</a:t>
+              <a:t>Warp-Up: Problem Statement</a:t>
             </a:r>
           </a:p>
           <a:p>
@@ -8821,44 +6275,8 @@
               <a:buChar char="-"/>
             </a:pPr>
             <a:r>
-              <a:rPr lang="de-DE" dirty="0" err="1"/>
-              <a:t>Standardization</a:t>
-            </a:r>
-            <a:r>
-              <a:rPr lang="de-DE" dirty="0"/>
-              <a:t> </a:t>
-            </a:r>
-            <a:r>
-              <a:rPr lang="de-DE" dirty="0" err="1"/>
-              <a:t>of</a:t>
-            </a:r>
-            <a:r>
-              <a:rPr lang="de-DE" dirty="0"/>
-              <a:t> QUIC </a:t>
-            </a:r>
-            <a:r>
-              <a:rPr lang="de-DE" dirty="0" err="1"/>
-              <a:t>as</a:t>
-            </a:r>
-            <a:r>
-              <a:rPr lang="de-DE" dirty="0"/>
-              <a:t> </a:t>
-            </a:r>
-            <a:r>
-              <a:rPr lang="de-DE" dirty="0" err="1"/>
-              <a:t>version</a:t>
-            </a:r>
-            <a:r>
-              <a:rPr lang="de-DE" dirty="0"/>
-              <a:t> 3 </a:t>
-            </a:r>
-            <a:r>
-              <a:rPr lang="de-DE" dirty="0" err="1"/>
-              <a:t>of</a:t>
-            </a:r>
-            <a:r>
-              <a:rPr lang="de-DE" dirty="0"/>
-              <a:t> HTTP</a:t>
+              <a:rPr lang="de-DE" dirty="0"/>
+              <a:t>RUSH:</a:t>
             </a:r>
           </a:p>
           <a:p>
@@ -8867,18 +6285,25 @@
               <a:buChar char="-"/>
             </a:pPr>
             <a:r>
+              <a:rPr lang="de-DE" sz="1800" dirty="0" err="1">
+                <a:latin typeface="Arial" panose="020B0604020202020204" pitchFamily="34" charset="0"/>
+                <a:cs typeface="Arial" panose="020B0604020202020204" pitchFamily="34" charset="0"/>
+              </a:rPr>
+              <a:t>Unable</a:t>
+            </a:r>
+            <a:r>
               <a:rPr lang="de-DE" sz="1800" dirty="0">
                 <a:latin typeface="Arial" panose="020B0604020202020204" pitchFamily="34" charset="0"/>
                 <a:cs typeface="Arial" panose="020B0604020202020204" pitchFamily="34" charset="0"/>
               </a:rPr>
-              <a:t>QUIC </a:t>
+              <a:t> </a:t>
             </a:r>
             <a:r>
               <a:rPr lang="de-DE" sz="1800" dirty="0" err="1">
                 <a:latin typeface="Arial" panose="020B0604020202020204" pitchFamily="34" charset="0"/>
                 <a:cs typeface="Arial" panose="020B0604020202020204" pitchFamily="34" charset="0"/>
               </a:rPr>
-              <a:t>made</a:t>
+              <a:t>to</a:t>
             </a:r>
             <a:r>
               <a:rPr lang="de-DE" sz="1800" dirty="0">
@@ -8892,15 +6317,96 @@
                 <a:latin typeface="Arial" panose="020B0604020202020204" pitchFamily="34" charset="0"/>
                 <a:cs typeface="Arial" panose="020B0604020202020204" pitchFamily="34" charset="0"/>
               </a:rPr>
-              <a:t>by</a:t>
+              <a:t>get</a:t>
             </a:r>
             <a:r>
               <a:rPr lang="de-DE" sz="1800" dirty="0">
                 <a:latin typeface="Arial" panose="020B0604020202020204" pitchFamily="34" charset="0"/>
                 <a:cs typeface="Arial" panose="020B0604020202020204" pitchFamily="34" charset="0"/>
               </a:rPr>
-              <a:t> Google </a:t>
-            </a:r>
+              <a:t> </a:t>
+            </a:r>
+            <a:r>
+              <a:rPr lang="de-DE" sz="1800" dirty="0" err="1">
+                <a:latin typeface="Arial" panose="020B0604020202020204" pitchFamily="34" charset="0"/>
+                <a:cs typeface="Arial" panose="020B0604020202020204" pitchFamily="34" charset="0"/>
+              </a:rPr>
+              <a:t>video</a:t>
+            </a:r>
+            <a:r>
+              <a:rPr lang="de-DE" sz="1800" dirty="0">
+                <a:latin typeface="Arial" panose="020B0604020202020204" pitchFamily="34" charset="0"/>
+                <a:cs typeface="Arial" panose="020B0604020202020204" pitchFamily="34" charset="0"/>
+              </a:rPr>
+              <a:t> </a:t>
+            </a:r>
+            <a:r>
+              <a:rPr lang="de-DE" sz="1800" dirty="0" err="1">
+                <a:latin typeface="Arial" panose="020B0604020202020204" pitchFamily="34" charset="0"/>
+                <a:cs typeface="Arial" panose="020B0604020202020204" pitchFamily="34" charset="0"/>
+              </a:rPr>
+              <a:t>output</a:t>
+            </a:r>
+            <a:r>
+              <a:rPr lang="de-DE" sz="1800" dirty="0">
+                <a:latin typeface="Arial" panose="020B0604020202020204" pitchFamily="34" charset="0"/>
+                <a:cs typeface="Arial" panose="020B0604020202020204" pitchFamily="34" charset="0"/>
+              </a:rPr>
+              <a:t> on </a:t>
+            </a:r>
+            <a:r>
+              <a:rPr lang="de-DE" sz="1800" dirty="0" err="1">
+                <a:latin typeface="Arial" panose="020B0604020202020204" pitchFamily="34" charset="0"/>
+                <a:cs typeface="Arial" panose="020B0604020202020204" pitchFamily="34" charset="0"/>
+              </a:rPr>
+              <a:t>viewer</a:t>
+            </a:r>
+            <a:r>
+              <a:rPr lang="de-DE" sz="1800" dirty="0">
+                <a:latin typeface="Arial" panose="020B0604020202020204" pitchFamily="34" charset="0"/>
+                <a:cs typeface="Arial" panose="020B0604020202020204" pitchFamily="34" charset="0"/>
+              </a:rPr>
+              <a:t> </a:t>
+            </a:r>
+            <a:r>
+              <a:rPr lang="de-DE" sz="1800" dirty="0" err="1">
+                <a:latin typeface="Arial" panose="020B0604020202020204" pitchFamily="34" charset="0"/>
+                <a:cs typeface="Arial" panose="020B0604020202020204" pitchFamily="34" charset="0"/>
+              </a:rPr>
+              <a:t>side</a:t>
+            </a:r>
+            <a:r>
+              <a:rPr lang="de-DE" sz="1800" dirty="0">
+                <a:latin typeface="Arial" panose="020B0604020202020204" pitchFamily="34" charset="0"/>
+                <a:cs typeface="Arial" panose="020B0604020202020204" pitchFamily="34" charset="0"/>
+              </a:rPr>
+              <a:t> </a:t>
+            </a:r>
+            <a:r>
+              <a:rPr lang="de-DE" sz="1800" dirty="0" err="1">
+                <a:latin typeface="Arial" panose="020B0604020202020204" pitchFamily="34" charset="0"/>
+                <a:cs typeface="Arial" panose="020B0604020202020204" pitchFamily="34" charset="0"/>
+              </a:rPr>
+              <a:t>to</a:t>
+            </a:r>
+            <a:r>
+              <a:rPr lang="de-DE" sz="1800" dirty="0">
+                <a:latin typeface="Arial" panose="020B0604020202020204" pitchFamily="34" charset="0"/>
+                <a:cs typeface="Arial" panose="020B0604020202020204" pitchFamily="34" charset="0"/>
+              </a:rPr>
+              <a:t> </a:t>
+            </a:r>
+            <a:r>
+              <a:rPr lang="de-DE" sz="1800" dirty="0" err="1">
+                <a:latin typeface="Arial" panose="020B0604020202020204" pitchFamily="34" charset="0"/>
+                <a:cs typeface="Arial" panose="020B0604020202020204" pitchFamily="34" charset="0"/>
+              </a:rPr>
+              <a:t>work</a:t>
+            </a:r>
+            <a:endParaRPr lang="de-DE" sz="1800" dirty="0">
+              <a:latin typeface="Arial" panose="020B0604020202020204" pitchFamily="34" charset="0"/>
+              <a:cs typeface="Arial" panose="020B0604020202020204" pitchFamily="34" charset="0"/>
+            </a:endParaRPr>
           </a:p>
           <a:p>
             <a:pPr marL="285750" indent="-285750">
@@ -8908,12 +6414,8 @@
               <a:buChar char="-"/>
             </a:pPr>
             <a:r>
-              <a:rPr lang="de-DE" dirty="0" err="1"/>
-              <a:t>Relies</a:t>
-            </a:r>
-            <a:r>
-              <a:rPr lang="de-DE" dirty="0"/>
-              <a:t> on UDP + TLS</a:t>
+              <a:rPr lang="de-DE" dirty="0"/>
+              <a:t>QUICR:</a:t>
             </a:r>
           </a:p>
           <a:p>
@@ -8922,18 +6424,25 @@
               <a:buChar char="-"/>
             </a:pPr>
             <a:r>
+              <a:rPr lang="de-DE" sz="1800" dirty="0" err="1">
+                <a:latin typeface="Arial" panose="020B0604020202020204" pitchFamily="34" charset="0"/>
+                <a:cs typeface="Arial" panose="020B0604020202020204" pitchFamily="34" charset="0"/>
+              </a:rPr>
+              <a:t>Build</a:t>
+            </a:r>
+            <a:r>
               <a:rPr lang="de-DE" sz="1800" dirty="0">
                 <a:latin typeface="Arial" panose="020B0604020202020204" pitchFamily="34" charset="0"/>
                 <a:cs typeface="Arial" panose="020B0604020202020204" pitchFamily="34" charset="0"/>
               </a:rPr>
-              <a:t>Error </a:t>
+              <a:t> </a:t>
             </a:r>
             <a:r>
               <a:rPr lang="de-DE" sz="1800" dirty="0" err="1">
                 <a:latin typeface="Arial" panose="020B0604020202020204" pitchFamily="34" charset="0"/>
                 <a:cs typeface="Arial" panose="020B0604020202020204" pitchFamily="34" charset="0"/>
               </a:rPr>
-              <a:t>correction</a:t>
+              <a:t>error</a:t>
             </a:r>
             <a:r>
               <a:rPr lang="de-DE" sz="1800" dirty="0">
@@ -8947,21 +6456,49 @@
                 <a:latin typeface="Arial" panose="020B0604020202020204" pitchFamily="34" charset="0"/>
                 <a:cs typeface="Arial" panose="020B0604020202020204" pitchFamily="34" charset="0"/>
               </a:rPr>
-              <a:t>through</a:t>
+              <a:t>persists</a:t>
             </a:r>
             <a:r>
               <a:rPr lang="de-DE" sz="1800" dirty="0">
                 <a:latin typeface="Arial" panose="020B0604020202020204" pitchFamily="34" charset="0"/>
                 <a:cs typeface="Arial" panose="020B0604020202020204" pitchFamily="34" charset="0"/>
               </a:rPr>
-              <a:t> </a:t>
+              <a:t>, </a:t>
             </a:r>
             <a:r>
               <a:rPr lang="de-DE" sz="1800" dirty="0" err="1">
                 <a:latin typeface="Arial" panose="020B0604020202020204" pitchFamily="34" charset="0"/>
                 <a:cs typeface="Arial" panose="020B0604020202020204" pitchFamily="34" charset="0"/>
               </a:rPr>
-              <a:t>retransmission</a:t>
+              <a:t>no</a:t>
+            </a:r>
+            <a:r>
+              <a:rPr lang="de-DE" sz="1800" dirty="0">
+                <a:latin typeface="Arial" panose="020B0604020202020204" pitchFamily="34" charset="0"/>
+                <a:cs typeface="Arial" panose="020B0604020202020204" pitchFamily="34" charset="0"/>
+              </a:rPr>
+              <a:t> </a:t>
+            </a:r>
+            <a:r>
+              <a:rPr lang="de-DE" sz="1800" dirty="0" err="1">
+                <a:latin typeface="Arial" panose="020B0604020202020204" pitchFamily="34" charset="0"/>
+                <a:cs typeface="Arial" panose="020B0604020202020204" pitchFamily="34" charset="0"/>
+              </a:rPr>
+              <a:t>solution</a:t>
+            </a:r>
+            <a:r>
+              <a:rPr lang="de-DE" sz="1800" dirty="0">
+                <a:latin typeface="Arial" panose="020B0604020202020204" pitchFamily="34" charset="0"/>
+                <a:cs typeface="Arial" panose="020B0604020202020204" pitchFamily="34" charset="0"/>
+              </a:rPr>
+              <a:t> </a:t>
+            </a:r>
+            <a:r>
+              <a:rPr lang="de-DE" sz="1800" dirty="0" err="1">
+                <a:latin typeface="Arial" panose="020B0604020202020204" pitchFamily="34" charset="0"/>
+                <a:cs typeface="Arial" panose="020B0604020202020204" pitchFamily="34" charset="0"/>
+              </a:rPr>
+              <a:t>found</a:t>
             </a:r>
             <a:endParaRPr lang="de-DE" sz="1800" dirty="0">
               <a:latin typeface="Arial" panose="020B0604020202020204" pitchFamily="34" charset="0"/>
@@ -8974,26 +6511,9 @@
               <a:buChar char="-"/>
             </a:pPr>
             <a:r>
-              <a:rPr lang="de-DE" dirty="0" err="1"/>
-              <a:t>Allows</a:t>
-            </a:r>
-            <a:r>
-              <a:rPr lang="de-DE" dirty="0"/>
-              <a:t> </a:t>
-            </a:r>
-            <a:r>
-              <a:rPr lang="de-DE" dirty="0" err="1"/>
-              <a:t>bidirectional</a:t>
-            </a:r>
-            <a:r>
-              <a:rPr lang="de-DE" dirty="0"/>
-              <a:t> </a:t>
-            </a:r>
-            <a:r>
-              <a:rPr lang="de-DE" dirty="0" err="1"/>
-              <a:t>communitcation</a:t>
-            </a:r>
-            <a:endParaRPr lang="de-DE" dirty="0"/>
+              <a:rPr lang="de-DE" dirty="0"/>
+              <a:t>WARP (Rust):</a:t>
+            </a:r>
           </a:p>
           <a:p>
             <a:pPr marL="971550" lvl="1" indent="-285750">
@@ -9001,11 +6521,18 @@
               <a:buChar char="-"/>
             </a:pPr>
             <a:r>
+              <a:rPr lang="de-DE" sz="1800" dirty="0">
+                <a:latin typeface="Arial" panose="020B0604020202020204" pitchFamily="34" charset="0"/>
+                <a:cs typeface="Arial" panose="020B0604020202020204" pitchFamily="34" charset="0"/>
+              </a:rPr>
+              <a:t>Lots </a:t>
+            </a:r>
+            <a:r>
               <a:rPr lang="de-DE" sz="1800" dirty="0" err="1">
                 <a:latin typeface="Arial" panose="020B0604020202020204" pitchFamily="34" charset="0"/>
                 <a:cs typeface="Arial" panose="020B0604020202020204" pitchFamily="34" charset="0"/>
               </a:rPr>
-              <a:t>Utilizes</a:t>
+              <a:t>of</a:t>
             </a:r>
             <a:r>
               <a:rPr lang="de-DE" sz="1800" dirty="0">
@@ -9019,7 +6546,35 @@
                 <a:latin typeface="Arial" panose="020B0604020202020204" pitchFamily="34" charset="0"/>
                 <a:cs typeface="Arial" panose="020B0604020202020204" pitchFamily="34" charset="0"/>
               </a:rPr>
-              <a:t>streams</a:t>
+              <a:t>changes</a:t>
+            </a:r>
+            <a:r>
+              <a:rPr lang="de-DE" sz="1800" dirty="0">
+                <a:latin typeface="Arial" panose="020B0604020202020204" pitchFamily="34" charset="0"/>
+                <a:cs typeface="Arial" panose="020B0604020202020204" pitchFamily="34" charset="0"/>
+              </a:rPr>
+              <a:t> happend </a:t>
+            </a:r>
+            <a:r>
+              <a:rPr lang="de-DE" sz="1800" dirty="0" err="1">
+                <a:latin typeface="Arial" panose="020B0604020202020204" pitchFamily="34" charset="0"/>
+                <a:cs typeface="Arial" panose="020B0604020202020204" pitchFamily="34" charset="0"/>
+              </a:rPr>
+              <a:t>with</a:t>
+            </a:r>
+            <a:r>
+              <a:rPr lang="de-DE" sz="1800" dirty="0">
+                <a:latin typeface="Arial" panose="020B0604020202020204" pitchFamily="34" charset="0"/>
+                <a:cs typeface="Arial" panose="020B0604020202020204" pitchFamily="34" charset="0"/>
+              </a:rPr>
+              <a:t> WARP </a:t>
+            </a:r>
+            <a:r>
+              <a:rPr lang="de-DE" sz="1800" dirty="0" err="1">
+                <a:latin typeface="Arial" panose="020B0604020202020204" pitchFamily="34" charset="0"/>
+                <a:cs typeface="Arial" panose="020B0604020202020204" pitchFamily="34" charset="0"/>
+              </a:rPr>
+              <a:t>repository</a:t>
             </a:r>
             <a:endParaRPr lang="de-DE" sz="1800" dirty="0">
               <a:latin typeface="Arial" panose="020B0604020202020204" pitchFamily="34" charset="0"/>
@@ -9027,6 +6582,102 @@
             </a:endParaRPr>
           </a:p>
           <a:p>
+            <a:pPr marL="1428750" lvl="2" indent="-285750">
+              <a:buFontTx/>
+              <a:buChar char="-"/>
+            </a:pPr>
+            <a:r>
+              <a:rPr lang="de-DE" sz="1800" dirty="0">
+                <a:latin typeface="Arial" panose="020B0604020202020204" pitchFamily="34" charset="0"/>
+                <a:cs typeface="Arial" panose="020B0604020202020204" pitchFamily="34" charset="0"/>
+              </a:rPr>
+              <a:t>New </a:t>
+            </a:r>
+            <a:r>
+              <a:rPr lang="de-DE" sz="1800" dirty="0" err="1">
+                <a:latin typeface="Arial" panose="020B0604020202020204" pitchFamily="34" charset="0"/>
+                <a:cs typeface="Arial" panose="020B0604020202020204" pitchFamily="34" charset="0"/>
+              </a:rPr>
+              <a:t>server</a:t>
+            </a:r>
+            <a:r>
+              <a:rPr lang="de-DE" sz="1800" dirty="0">
+                <a:latin typeface="Arial" panose="020B0604020202020204" pitchFamily="34" charset="0"/>
+                <a:cs typeface="Arial" panose="020B0604020202020204" pitchFamily="34" charset="0"/>
+              </a:rPr>
+              <a:t> </a:t>
+            </a:r>
+            <a:r>
+              <a:rPr lang="de-DE" sz="1800" dirty="0" err="1">
+                <a:latin typeface="Arial" panose="020B0604020202020204" pitchFamily="34" charset="0"/>
+                <a:cs typeface="Arial" panose="020B0604020202020204" pitchFamily="34" charset="0"/>
+              </a:rPr>
+              <a:t>implementation</a:t>
+            </a:r>
+            <a:r>
+              <a:rPr lang="de-DE" sz="1800" dirty="0">
+                <a:latin typeface="Arial" panose="020B0604020202020204" pitchFamily="34" charset="0"/>
+                <a:cs typeface="Arial" panose="020B0604020202020204" pitchFamily="34" charset="0"/>
+              </a:rPr>
+              <a:t> in Rust</a:t>
+            </a:r>
+          </a:p>
+          <a:p>
+            <a:pPr marL="1428750" lvl="2" indent="-285750">
+              <a:buFontTx/>
+              <a:buChar char="-"/>
+            </a:pPr>
+            <a:r>
+              <a:rPr lang="de-DE" sz="1800" dirty="0" err="1">
+                <a:latin typeface="Arial" panose="020B0604020202020204" pitchFamily="34" charset="0"/>
+                <a:cs typeface="Arial" panose="020B0604020202020204" pitchFamily="34" charset="0"/>
+              </a:rPr>
+              <a:t>Rename</a:t>
+            </a:r>
+            <a:r>
+              <a:rPr lang="de-DE" sz="1800" dirty="0">
+                <a:latin typeface="Arial" panose="020B0604020202020204" pitchFamily="34" charset="0"/>
+                <a:cs typeface="Arial" panose="020B0604020202020204" pitchFamily="34" charset="0"/>
+              </a:rPr>
+              <a:t> </a:t>
+            </a:r>
+            <a:r>
+              <a:rPr lang="de-DE" sz="1800" dirty="0" err="1">
+                <a:latin typeface="Arial" panose="020B0604020202020204" pitchFamily="34" charset="0"/>
+                <a:cs typeface="Arial" panose="020B0604020202020204" pitchFamily="34" charset="0"/>
+              </a:rPr>
+              <a:t>to</a:t>
+            </a:r>
+            <a:r>
+              <a:rPr lang="de-DE" sz="1800" dirty="0">
+                <a:latin typeface="Arial" panose="020B0604020202020204" pitchFamily="34" charset="0"/>
+                <a:cs typeface="Arial" panose="020B0604020202020204" pitchFamily="34" charset="0"/>
+              </a:rPr>
+              <a:t> </a:t>
+            </a:r>
+            <a:r>
+              <a:rPr lang="de-DE" sz="1800" b="1" dirty="0">
+                <a:latin typeface="Arial" panose="020B0604020202020204" pitchFamily="34" charset="0"/>
+                <a:cs typeface="Arial" panose="020B0604020202020204" pitchFamily="34" charset="0"/>
+              </a:rPr>
+              <a:t>Media </a:t>
+            </a:r>
+            <a:r>
+              <a:rPr lang="de-DE" sz="1800" b="1" dirty="0" err="1">
+                <a:latin typeface="Arial" panose="020B0604020202020204" pitchFamily="34" charset="0"/>
+                <a:cs typeface="Arial" panose="020B0604020202020204" pitchFamily="34" charset="0"/>
+              </a:rPr>
+              <a:t>over</a:t>
+            </a:r>
+            <a:r>
+              <a:rPr lang="de-DE" sz="1800" b="1" dirty="0">
+                <a:latin typeface="Arial" panose="020B0604020202020204" pitchFamily="34" charset="0"/>
+                <a:cs typeface="Arial" panose="020B0604020202020204" pitchFamily="34" charset="0"/>
+              </a:rPr>
+              <a:t> QUIC Transport (MOQT)</a:t>
+            </a:r>
+          </a:p>
+          <a:p>
             <a:pPr marL="971550" lvl="1" indent="-285750">
               <a:buFontTx/>
               <a:buChar char="-"/>
@@ -9036,14 +6687,14 @@
                 <a:latin typeface="Arial" panose="020B0604020202020204" pitchFamily="34" charset="0"/>
                 <a:cs typeface="Arial" panose="020B0604020202020204" pitchFamily="34" charset="0"/>
               </a:rPr>
-              <a:t>Supports multiple </a:t>
+              <a:t>Implementation </a:t>
             </a:r>
             <a:r>
               <a:rPr lang="de-DE" sz="1800" dirty="0" err="1">
                 <a:latin typeface="Arial" panose="020B0604020202020204" pitchFamily="34" charset="0"/>
                 <a:cs typeface="Arial" panose="020B0604020202020204" pitchFamily="34" charset="0"/>
               </a:rPr>
-              <a:t>streams</a:t>
+              <a:t>very</a:t>
             </a:r>
             <a:r>
               <a:rPr lang="de-DE" sz="1800" dirty="0">
@@ -9057,77 +6708,180 @@
                 <a:latin typeface="Arial" panose="020B0604020202020204" pitchFamily="34" charset="0"/>
                 <a:cs typeface="Arial" panose="020B0604020202020204" pitchFamily="34" charset="0"/>
               </a:rPr>
-              <a:t>through</a:t>
+              <a:t>unstable</a:t>
             </a:r>
             <a:r>
               <a:rPr lang="de-DE" sz="1800" dirty="0">
                 <a:latin typeface="Arial" panose="020B0604020202020204" pitchFamily="34" charset="0"/>
                 <a:cs typeface="Arial" panose="020B0604020202020204" pitchFamily="34" charset="0"/>
               </a:rPr>
-              <a:t> </a:t>
+              <a:t>, frequent </a:t>
             </a:r>
             <a:r>
               <a:rPr lang="de-DE" sz="1800" dirty="0" err="1">
                 <a:latin typeface="Arial" panose="020B0604020202020204" pitchFamily="34" charset="0"/>
                 <a:cs typeface="Arial" panose="020B0604020202020204" pitchFamily="34" charset="0"/>
               </a:rPr>
-              <a:t>multiplexing</a:t>
+              <a:t>WebTransport</a:t>
+            </a:r>
+            <a:r>
+              <a:rPr lang="de-DE" sz="1800" dirty="0">
+                <a:latin typeface="Arial" panose="020B0604020202020204" pitchFamily="34" charset="0"/>
+                <a:cs typeface="Arial" panose="020B0604020202020204" pitchFamily="34" charset="0"/>
+              </a:rPr>
+              <a:t> </a:t>
+            </a:r>
+            <a:r>
+              <a:rPr lang="de-DE" sz="1800" dirty="0" err="1">
+                <a:latin typeface="Arial" panose="020B0604020202020204" pitchFamily="34" charset="0"/>
+                <a:cs typeface="Arial" panose="020B0604020202020204" pitchFamily="34" charset="0"/>
+              </a:rPr>
+              <a:t>connections</a:t>
+            </a:r>
+            <a:r>
+              <a:rPr lang="de-DE" sz="1800" dirty="0">
+                <a:latin typeface="Arial" panose="020B0604020202020204" pitchFamily="34" charset="0"/>
+                <a:cs typeface="Arial" panose="020B0604020202020204" pitchFamily="34" charset="0"/>
+              </a:rPr>
+              <a:t> lost</a:t>
+            </a:r>
+          </a:p>
+          <a:p>
+            <a:pPr lvl="2" indent="0">
+              <a:buNone/>
+            </a:pPr>
+            <a:r>
+              <a:rPr lang="de-DE" sz="1800" dirty="0">
+                <a:latin typeface="Arial" panose="020B0604020202020204" pitchFamily="34" charset="0"/>
+                <a:cs typeface="Arial" panose="020B0604020202020204" pitchFamily="34" charset="0"/>
+                <a:sym typeface="Wingdings" panose="05000000000000000000" pitchFamily="2" charset="2"/>
+              </a:rPr>
+              <a:t> Not </a:t>
+            </a:r>
+            <a:r>
+              <a:rPr lang="de-DE" sz="1800" dirty="0" err="1">
+                <a:latin typeface="Arial" panose="020B0604020202020204" pitchFamily="34" charset="0"/>
+                <a:cs typeface="Arial" panose="020B0604020202020204" pitchFamily="34" charset="0"/>
+                <a:sym typeface="Wingdings" panose="05000000000000000000" pitchFamily="2" charset="2"/>
+              </a:rPr>
+              <a:t>suitable</a:t>
+            </a:r>
+            <a:r>
+              <a:rPr lang="de-DE" sz="1800" dirty="0">
+                <a:latin typeface="Arial" panose="020B0604020202020204" pitchFamily="34" charset="0"/>
+                <a:cs typeface="Arial" panose="020B0604020202020204" pitchFamily="34" charset="0"/>
+                <a:sym typeface="Wingdings" panose="05000000000000000000" pitchFamily="2" charset="2"/>
+              </a:rPr>
+              <a:t> </a:t>
+            </a:r>
+            <a:r>
+              <a:rPr lang="de-DE" sz="1800" dirty="0" err="1">
+                <a:latin typeface="Arial" panose="020B0604020202020204" pitchFamily="34" charset="0"/>
+                <a:cs typeface="Arial" panose="020B0604020202020204" pitchFamily="34" charset="0"/>
+                <a:sym typeface="Wingdings" panose="05000000000000000000" pitchFamily="2" charset="2"/>
+              </a:rPr>
+              <a:t>to</a:t>
+            </a:r>
+            <a:r>
+              <a:rPr lang="de-DE" sz="1800" dirty="0">
+                <a:latin typeface="Arial" panose="020B0604020202020204" pitchFamily="34" charset="0"/>
+                <a:cs typeface="Arial" panose="020B0604020202020204" pitchFamily="34" charset="0"/>
+                <a:sym typeface="Wingdings" panose="05000000000000000000" pitchFamily="2" charset="2"/>
+              </a:rPr>
+              <a:t> </a:t>
+            </a:r>
+            <a:r>
+              <a:rPr lang="de-DE" sz="1800" dirty="0" err="1">
+                <a:latin typeface="Arial" panose="020B0604020202020204" pitchFamily="34" charset="0"/>
+                <a:cs typeface="Arial" panose="020B0604020202020204" pitchFamily="34" charset="0"/>
+                <a:sym typeface="Wingdings" panose="05000000000000000000" pitchFamily="2" charset="2"/>
+              </a:rPr>
+              <a:t>run</a:t>
+            </a:r>
+            <a:r>
+              <a:rPr lang="de-DE" sz="1800" dirty="0">
+                <a:latin typeface="Arial" panose="020B0604020202020204" pitchFamily="34" charset="0"/>
+                <a:cs typeface="Arial" panose="020B0604020202020204" pitchFamily="34" charset="0"/>
+                <a:sym typeface="Wingdings" panose="05000000000000000000" pitchFamily="2" charset="2"/>
+              </a:rPr>
+              <a:t> </a:t>
+            </a:r>
+            <a:r>
+              <a:rPr lang="de-DE" sz="1800" dirty="0" err="1">
+                <a:latin typeface="Arial" panose="020B0604020202020204" pitchFamily="34" charset="0"/>
+                <a:cs typeface="Arial" panose="020B0604020202020204" pitchFamily="34" charset="0"/>
+                <a:sym typeface="Wingdings" panose="05000000000000000000" pitchFamily="2" charset="2"/>
+              </a:rPr>
+              <a:t>benchmarks</a:t>
+            </a:r>
+            <a:r>
+              <a:rPr lang="de-DE" sz="1800" dirty="0">
+                <a:latin typeface="Arial" panose="020B0604020202020204" pitchFamily="34" charset="0"/>
+                <a:cs typeface="Arial" panose="020B0604020202020204" pitchFamily="34" charset="0"/>
+                <a:sym typeface="Wingdings" panose="05000000000000000000" pitchFamily="2" charset="2"/>
+              </a:rPr>
+              <a:t> </a:t>
+            </a:r>
+            <a:r>
+              <a:rPr lang="de-DE" sz="1800" dirty="0" err="1">
+                <a:latin typeface="Arial" panose="020B0604020202020204" pitchFamily="34" charset="0"/>
+                <a:cs typeface="Arial" panose="020B0604020202020204" pitchFamily="34" charset="0"/>
+                <a:sym typeface="Wingdings" panose="05000000000000000000" pitchFamily="2" charset="2"/>
+              </a:rPr>
+              <a:t>for</a:t>
+            </a:r>
+            <a:r>
+              <a:rPr lang="de-DE" sz="1800" dirty="0">
+                <a:latin typeface="Arial" panose="020B0604020202020204" pitchFamily="34" charset="0"/>
+                <a:cs typeface="Arial" panose="020B0604020202020204" pitchFamily="34" charset="0"/>
+                <a:sym typeface="Wingdings" panose="05000000000000000000" pitchFamily="2" charset="2"/>
+              </a:rPr>
+              <a:t> </a:t>
+            </a:r>
+            <a:r>
+              <a:rPr lang="de-DE" sz="1800" dirty="0" err="1">
+                <a:latin typeface="Arial" panose="020B0604020202020204" pitchFamily="34" charset="0"/>
+                <a:cs typeface="Arial" panose="020B0604020202020204" pitchFamily="34" charset="0"/>
+                <a:sym typeface="Wingdings" panose="05000000000000000000" pitchFamily="2" charset="2"/>
+              </a:rPr>
+              <a:t>comparision</a:t>
+            </a:r>
+            <a:r>
+              <a:rPr lang="de-DE" sz="1800" dirty="0">
+                <a:latin typeface="Arial" panose="020B0604020202020204" pitchFamily="34" charset="0"/>
+                <a:cs typeface="Arial" panose="020B0604020202020204" pitchFamily="34" charset="0"/>
+                <a:sym typeface="Wingdings" panose="05000000000000000000" pitchFamily="2" charset="2"/>
+              </a:rPr>
+              <a:t> </a:t>
+            </a:r>
+            <a:r>
+              <a:rPr lang="de-DE" sz="1800" dirty="0" err="1">
+                <a:latin typeface="Arial" panose="020B0604020202020204" pitchFamily="34" charset="0"/>
+                <a:cs typeface="Arial" panose="020B0604020202020204" pitchFamily="34" charset="0"/>
+                <a:sym typeface="Wingdings" panose="05000000000000000000" pitchFamily="2" charset="2"/>
+              </a:rPr>
+              <a:t>with</a:t>
+            </a:r>
+            <a:r>
+              <a:rPr lang="de-DE" sz="1800" dirty="0">
+                <a:latin typeface="Arial" panose="020B0604020202020204" pitchFamily="34" charset="0"/>
+                <a:cs typeface="Arial" panose="020B0604020202020204" pitchFamily="34" charset="0"/>
+                <a:sym typeface="Wingdings" panose="05000000000000000000" pitchFamily="2" charset="2"/>
+              </a:rPr>
+              <a:t> Go </a:t>
+            </a:r>
+            <a:r>
+              <a:rPr lang="de-DE" sz="1800" dirty="0" err="1">
+                <a:latin typeface="Arial" panose="020B0604020202020204" pitchFamily="34" charset="0"/>
+                <a:cs typeface="Arial" panose="020B0604020202020204" pitchFamily="34" charset="0"/>
+                <a:sym typeface="Wingdings" panose="05000000000000000000" pitchFamily="2" charset="2"/>
+              </a:rPr>
+              <a:t>implementation</a:t>
             </a:r>
             <a:endParaRPr lang="de-DE" sz="1800" dirty="0">
               <a:latin typeface="Arial" panose="020B0604020202020204" pitchFamily="34" charset="0"/>
               <a:cs typeface="Arial" panose="020B0604020202020204" pitchFamily="34" charset="0"/>
             </a:endParaRPr>
-          </a:p>
-          <a:p>
-            <a:pPr marL="285750" indent="-285750">
-              <a:buFontTx/>
-              <a:buChar char="-"/>
-            </a:pPr>
-            <a:r>
-              <a:rPr lang="de-DE" dirty="0" err="1"/>
-              <a:t>Uses</a:t>
-            </a:r>
-            <a:r>
-              <a:rPr lang="de-DE" dirty="0"/>
-              <a:t> </a:t>
-            </a:r>
-            <a:r>
-              <a:rPr lang="de-DE" dirty="0" err="1"/>
-              <a:t>WebTransport</a:t>
-            </a:r>
-            <a:r>
-              <a:rPr lang="de-DE" dirty="0"/>
-              <a:t> client-</a:t>
-            </a:r>
-            <a:r>
-              <a:rPr lang="de-DE" dirty="0" err="1"/>
-              <a:t>side</a:t>
-            </a:r>
-            <a:r>
-              <a:rPr lang="de-DE" dirty="0"/>
-              <a:t>, </a:t>
-            </a:r>
-            <a:r>
-              <a:rPr lang="de-DE" dirty="0" err="1"/>
-              <a:t>similar</a:t>
-            </a:r>
-            <a:r>
-              <a:rPr lang="de-DE" dirty="0"/>
-              <a:t> </a:t>
-            </a:r>
-            <a:r>
-              <a:rPr lang="de-DE" dirty="0" err="1"/>
-              <a:t>to</a:t>
-            </a:r>
-            <a:r>
-              <a:rPr lang="de-DE" dirty="0"/>
-              <a:t> </a:t>
-            </a:r>
-            <a:r>
-              <a:rPr lang="de-DE" dirty="0" err="1"/>
-              <a:t>WebSockets</a:t>
-            </a:r>
-            <a:endParaRPr lang="de-DE" dirty="0"/>
           </a:p>
         </p:txBody>
       </p:sp>
@@ -9154,35 +6908,14 @@
           <a:p>
             <a:r>
               <a:rPr lang="de-DE" dirty="0"/>
-              <a:t>HTTP/3 – </a:t>
-            </a:r>
-            <a:r>
-              <a:rPr lang="de-DE" dirty="0" err="1"/>
-              <a:t>What</a:t>
-            </a:r>
-            <a:r>
-              <a:rPr lang="de-DE" dirty="0"/>
-              <a:t> </a:t>
-            </a:r>
-            <a:r>
-              <a:rPr lang="de-DE" dirty="0" err="1"/>
-              <a:t>is</a:t>
-            </a:r>
-            <a:r>
-              <a:rPr lang="de-DE" dirty="0"/>
-              <a:t> </a:t>
-            </a:r>
-            <a:r>
-              <a:rPr lang="de-DE" dirty="0" err="1"/>
-              <a:t>new</a:t>
-            </a:r>
-            <a:r>
-              <a:rPr lang="de-DE" dirty="0"/>
-              <a:t>?</a:t>
-            </a:r>
-          </a:p>
-          <a:p>
-            <a:endParaRPr lang="de-DE" dirty="0"/>
+              <a:t>Implementation Details</a:t>
+            </a:r>
+          </a:p>
+          <a:p>
+            <a:r>
+              <a:rPr lang="de-DE" dirty="0"/>
+              <a:t>RUSH / QUICR / WARP (Rust)</a:t>
+            </a:r>
           </a:p>
         </p:txBody>
       </p:sp>
@@ -9218,10 +6951,44 @@
       </p:grpSpPr>
       <p:sp>
         <p:nvSpPr>
-          <p:cNvPr id="4" name="Text Placeholder 3">
+          <p:cNvPr id="6" name="Text Placeholder 5">
             <a:extLst>
               <a:ext uri="{FF2B5EF4-FFF2-40B4-BE49-F238E27FC236}">
-                <a16:creationId xmlns:a16="http://schemas.microsoft.com/office/drawing/2014/main" id="{51E15CFF-D931-AB83-97E4-F5F6A7DD0078}"/>
+                <a16:creationId xmlns:a16="http://schemas.microsoft.com/office/drawing/2014/main" id="{95CB6CC0-B52E-9F82-A719-117465DE9662}"/>
+              </a:ext>
+            </a:extLst>
+          </p:cNvPr>
+          <p:cNvSpPr>
+            <a:spLocks noGrp="1"/>
+          </p:cNvSpPr>
+          <p:nvPr>
+            <p:ph type="body" sz="quarter" idx="17"/>
+          </p:nvPr>
+        </p:nvSpPr>
+        <p:spPr>
+          <a:xfrm>
+            <a:off x="550800" y="1371600"/>
+            <a:ext cx="9721850" cy="4327864"/>
+          </a:xfrm>
+        </p:spPr>
+        <p:txBody>
+          <a:bodyPr/>
+          <a:lstStyle/>
+          <a:p>
+            <a:pPr marL="285750" indent="-285750">
+              <a:buFontTx/>
+              <a:buChar char="-"/>
+            </a:pPr>
+            <a:endParaRPr lang="de-DE" dirty="0"/>
+          </a:p>
+        </p:txBody>
+      </p:sp>
+      <p:sp>
+        <p:nvSpPr>
+          <p:cNvPr id="5" name="Text Placeholder 4">
+            <a:extLst>
+              <a:ext uri="{FF2B5EF4-FFF2-40B4-BE49-F238E27FC236}">
+                <a16:creationId xmlns:a16="http://schemas.microsoft.com/office/drawing/2014/main" id="{3AA00B97-4389-B144-752C-A1C8424B53A1}"/>
               </a:ext>
             </a:extLst>
           </p:cNvPr>
@@ -9238,698 +7005,22 @@
           <a:lstStyle/>
           <a:p>
             <a:r>
-              <a:rPr lang="de-DE" dirty="0" err="1"/>
-              <a:t>Comparision</a:t>
-            </a:r>
-            <a:r>
-              <a:rPr lang="de-DE" dirty="0"/>
-              <a:t> TCP </a:t>
-            </a:r>
-            <a:r>
-              <a:rPr lang="de-DE" dirty="0" err="1"/>
-              <a:t>vs</a:t>
-            </a:r>
-            <a:r>
-              <a:rPr lang="de-DE" dirty="0"/>
-              <a:t> QUIC</a:t>
-            </a:r>
-          </a:p>
-          <a:p>
-            <a:endParaRPr lang="de-DE" dirty="0"/>
+              <a:rPr lang="de-DE" dirty="0"/>
+              <a:t>Implementation Details</a:t>
+            </a:r>
+          </a:p>
+          <a:p>
+            <a:r>
+              <a:rPr lang="de-DE" dirty="0"/>
+              <a:t>WARP</a:t>
+            </a:r>
           </a:p>
         </p:txBody>
       </p:sp>
-      <p:graphicFrame>
-        <p:nvGraphicFramePr>
-          <p:cNvPr id="7" name="Table 7">
-            <a:extLst>
-              <a:ext uri="{FF2B5EF4-FFF2-40B4-BE49-F238E27FC236}">
-                <a16:creationId xmlns:a16="http://schemas.microsoft.com/office/drawing/2014/main" id="{5FD509E4-6BD3-3713-C9CD-C60267FAB881}"/>
-              </a:ext>
-            </a:extLst>
-          </p:cNvPr>
-          <p:cNvGraphicFramePr>
-            <a:graphicFrameLocks noGrp="1"/>
-          </p:cNvGraphicFramePr>
-          <p:nvPr>
-            <p:extLst>
-              <p:ext uri="{D42A27DB-BD31-4B8C-83A1-F6EECF244321}">
-                <p14:modId xmlns:p14="http://schemas.microsoft.com/office/powerpoint/2010/main" val="571260185"/>
-              </p:ext>
-            </p:extLst>
-          </p:nvPr>
-        </p:nvGraphicFramePr>
-        <p:xfrm>
-          <a:off x="555867" y="1564319"/>
-          <a:ext cx="9604134" cy="2392680"/>
-        </p:xfrm>
-        <a:graphic>
-          <a:graphicData uri="http://schemas.openxmlformats.org/drawingml/2006/table">
-            <a:tbl>
-              <a:tblPr firstRow="1" bandRow="1">
-                <a:tableStyleId>{5C22544A-7EE6-4342-B048-85BDC9FD1C3A}</a:tableStyleId>
-              </a:tblPr>
-              <a:tblGrid>
-                <a:gridCol w="4802067">
-                  <a:extLst>
-                    <a:ext uri="{9D8B030D-6E8A-4147-A177-3AD203B41FA5}">
-                      <a16:colId xmlns:a16="http://schemas.microsoft.com/office/drawing/2014/main" val="1820932650"/>
-                    </a:ext>
-                  </a:extLst>
-                </a:gridCol>
-                <a:gridCol w="4802067">
-                  <a:extLst>
-                    <a:ext uri="{9D8B030D-6E8A-4147-A177-3AD203B41FA5}">
-                      <a16:colId xmlns:a16="http://schemas.microsoft.com/office/drawing/2014/main" val="2977059556"/>
-                    </a:ext>
-                  </a:extLst>
-                </a:gridCol>
-              </a:tblGrid>
-              <a:tr h="370840">
-                <a:tc>
-                  <a:txBody>
-                    <a:bodyPr/>
-                    <a:lstStyle/>
-                    <a:p>
-                      <a:r>
-                        <a:rPr lang="de-DE" dirty="0">
-                          <a:latin typeface="Arial" panose="020B0604020202020204" pitchFamily="34" charset="0"/>
-                          <a:cs typeface="Arial" panose="020B0604020202020204" pitchFamily="34" charset="0"/>
-                        </a:rPr>
-                        <a:t>TCP + TLS</a:t>
-                      </a:r>
-                    </a:p>
-                  </a:txBody>
-                  <a:tcPr/>
-                </a:tc>
-                <a:tc>
-                  <a:txBody>
-                    <a:bodyPr/>
-                    <a:lstStyle/>
-                    <a:p>
-                      <a:r>
-                        <a:rPr lang="de-DE" dirty="0">
-                          <a:latin typeface="Arial" panose="020B0604020202020204" pitchFamily="34" charset="0"/>
-                          <a:cs typeface="Arial" panose="020B0604020202020204" pitchFamily="34" charset="0"/>
-                        </a:rPr>
-                        <a:t>QUIC ( UDP + TLS )</a:t>
-                      </a:r>
-                    </a:p>
-                  </a:txBody>
-                  <a:tcPr/>
-                </a:tc>
-                <a:extLst>
-                  <a:ext uri="{0D108BD9-81ED-4DB2-BD59-A6C34878D82A}">
-                    <a16:rowId xmlns:a16="http://schemas.microsoft.com/office/drawing/2014/main" val="220902342"/>
-                  </a:ext>
-                </a:extLst>
-              </a:tr>
-              <a:tr h="370840">
-                <a:tc>
-                  <a:txBody>
-                    <a:bodyPr/>
-                    <a:lstStyle/>
-                    <a:p>
-                      <a:r>
-                        <a:rPr lang="de-DE" dirty="0" err="1">
-                          <a:latin typeface="Arial" panose="020B0604020202020204" pitchFamily="34" charset="0"/>
-                          <a:cs typeface="Arial" panose="020B0604020202020204" pitchFamily="34" charset="0"/>
-                        </a:rPr>
-                        <a:t>Slower</a:t>
-                      </a:r>
-                      <a:r>
-                        <a:rPr lang="de-DE" dirty="0">
-                          <a:latin typeface="Arial" panose="020B0604020202020204" pitchFamily="34" charset="0"/>
-                          <a:cs typeface="Arial" panose="020B0604020202020204" pitchFamily="34" charset="0"/>
-                        </a:rPr>
-                        <a:t> </a:t>
-                      </a:r>
-                      <a:r>
-                        <a:rPr lang="de-DE" dirty="0" err="1">
-                          <a:latin typeface="Arial" panose="020B0604020202020204" pitchFamily="34" charset="0"/>
-                          <a:cs typeface="Arial" panose="020B0604020202020204" pitchFamily="34" charset="0"/>
-                        </a:rPr>
-                        <a:t>handshake</a:t>
-                      </a:r>
-                      <a:r>
-                        <a:rPr lang="de-DE" dirty="0">
-                          <a:latin typeface="Arial" panose="020B0604020202020204" pitchFamily="34" charset="0"/>
-                          <a:cs typeface="Arial" panose="020B0604020202020204" pitchFamily="34" charset="0"/>
-                        </a:rPr>
-                        <a:t> </a:t>
-                      </a:r>
-                      <a:r>
-                        <a:rPr lang="de-DE" dirty="0" err="1">
-                          <a:latin typeface="Arial" panose="020B0604020202020204" pitchFamily="34" charset="0"/>
-                          <a:cs typeface="Arial" panose="020B0604020202020204" pitchFamily="34" charset="0"/>
-                        </a:rPr>
-                        <a:t>before</a:t>
-                      </a:r>
-                      <a:r>
-                        <a:rPr lang="de-DE" dirty="0">
-                          <a:latin typeface="Arial" panose="020B0604020202020204" pitchFamily="34" charset="0"/>
-                          <a:cs typeface="Arial" panose="020B0604020202020204" pitchFamily="34" charset="0"/>
-                        </a:rPr>
-                        <a:t> </a:t>
-                      </a:r>
-                      <a:r>
-                        <a:rPr lang="de-DE" dirty="0" err="1">
-                          <a:latin typeface="Arial" panose="020B0604020202020204" pitchFamily="34" charset="0"/>
-                          <a:cs typeface="Arial" panose="020B0604020202020204" pitchFamily="34" charset="0"/>
-                        </a:rPr>
-                        <a:t>receiving</a:t>
-                      </a:r>
-                      <a:r>
-                        <a:rPr lang="de-DE" dirty="0">
-                          <a:latin typeface="Arial" panose="020B0604020202020204" pitchFamily="34" charset="0"/>
-                          <a:cs typeface="Arial" panose="020B0604020202020204" pitchFamily="34" charset="0"/>
-                        </a:rPr>
-                        <a:t> </a:t>
-                      </a:r>
-                      <a:r>
-                        <a:rPr lang="de-DE" dirty="0" err="1">
-                          <a:latin typeface="Arial" panose="020B0604020202020204" pitchFamily="34" charset="0"/>
-                          <a:cs typeface="Arial" panose="020B0604020202020204" pitchFamily="34" charset="0"/>
-                        </a:rPr>
-                        <a:t>data</a:t>
-                      </a:r>
-                      <a:endParaRPr lang="de-DE" dirty="0">
-                        <a:latin typeface="Arial" panose="020B0604020202020204" pitchFamily="34" charset="0"/>
-                        <a:cs typeface="Arial" panose="020B0604020202020204" pitchFamily="34" charset="0"/>
-                      </a:endParaRPr>
-                    </a:p>
-                  </a:txBody>
-                  <a:tcPr/>
-                </a:tc>
-                <a:tc>
-                  <a:txBody>
-                    <a:bodyPr/>
-                    <a:lstStyle/>
-                    <a:p>
-                      <a:r>
-                        <a:rPr lang="de-DE" dirty="0" err="1">
-                          <a:latin typeface="Arial" panose="020B0604020202020204" pitchFamily="34" charset="0"/>
-                          <a:cs typeface="Arial" panose="020B0604020202020204" pitchFamily="34" charset="0"/>
-                        </a:rPr>
-                        <a:t>Faster</a:t>
-                      </a:r>
-                      <a:r>
-                        <a:rPr lang="de-DE" dirty="0">
-                          <a:latin typeface="Arial" panose="020B0604020202020204" pitchFamily="34" charset="0"/>
-                          <a:cs typeface="Arial" panose="020B0604020202020204" pitchFamily="34" charset="0"/>
-                        </a:rPr>
-                        <a:t> </a:t>
-                      </a:r>
-                      <a:r>
-                        <a:rPr lang="de-DE" dirty="0" err="1">
-                          <a:latin typeface="Arial" panose="020B0604020202020204" pitchFamily="34" charset="0"/>
-                          <a:cs typeface="Arial" panose="020B0604020202020204" pitchFamily="34" charset="0"/>
-                        </a:rPr>
-                        <a:t>handshake</a:t>
-                      </a:r>
-                      <a:r>
-                        <a:rPr lang="de-DE" dirty="0">
-                          <a:latin typeface="Arial" panose="020B0604020202020204" pitchFamily="34" charset="0"/>
-                          <a:cs typeface="Arial" panose="020B0604020202020204" pitchFamily="34" charset="0"/>
-                        </a:rPr>
-                        <a:t> </a:t>
-                      </a:r>
-                      <a:r>
-                        <a:rPr lang="de-DE" dirty="0" err="1">
-                          <a:latin typeface="Arial" panose="020B0604020202020204" pitchFamily="34" charset="0"/>
-                          <a:cs typeface="Arial" panose="020B0604020202020204" pitchFamily="34" charset="0"/>
-                        </a:rPr>
-                        <a:t>before</a:t>
-                      </a:r>
-                      <a:r>
-                        <a:rPr lang="de-DE" dirty="0">
-                          <a:latin typeface="Arial" panose="020B0604020202020204" pitchFamily="34" charset="0"/>
-                          <a:cs typeface="Arial" panose="020B0604020202020204" pitchFamily="34" charset="0"/>
-                        </a:rPr>
-                        <a:t> </a:t>
-                      </a:r>
-                      <a:r>
-                        <a:rPr lang="de-DE" dirty="0" err="1">
-                          <a:latin typeface="Arial" panose="020B0604020202020204" pitchFamily="34" charset="0"/>
-                          <a:cs typeface="Arial" panose="020B0604020202020204" pitchFamily="34" charset="0"/>
-                        </a:rPr>
-                        <a:t>receiving</a:t>
-                      </a:r>
-                      <a:r>
-                        <a:rPr lang="de-DE" dirty="0">
-                          <a:latin typeface="Arial" panose="020B0604020202020204" pitchFamily="34" charset="0"/>
-                          <a:cs typeface="Arial" panose="020B0604020202020204" pitchFamily="34" charset="0"/>
-                        </a:rPr>
-                        <a:t> </a:t>
-                      </a:r>
-                      <a:r>
-                        <a:rPr lang="de-DE" dirty="0" err="1">
-                          <a:latin typeface="Arial" panose="020B0604020202020204" pitchFamily="34" charset="0"/>
-                          <a:cs typeface="Arial" panose="020B0604020202020204" pitchFamily="34" charset="0"/>
-                        </a:rPr>
-                        <a:t>data</a:t>
-                      </a:r>
-                      <a:endParaRPr lang="de-DE" dirty="0">
-                        <a:latin typeface="Arial" panose="020B0604020202020204" pitchFamily="34" charset="0"/>
-                        <a:cs typeface="Arial" panose="020B0604020202020204" pitchFamily="34" charset="0"/>
-                      </a:endParaRPr>
-                    </a:p>
-                  </a:txBody>
-                  <a:tcPr/>
-                </a:tc>
-                <a:extLst>
-                  <a:ext uri="{0D108BD9-81ED-4DB2-BD59-A6C34878D82A}">
-                    <a16:rowId xmlns:a16="http://schemas.microsoft.com/office/drawing/2014/main" val="516836585"/>
-                  </a:ext>
-                </a:extLst>
-              </a:tr>
-              <a:tr h="370840">
-                <a:tc>
-                  <a:txBody>
-                    <a:bodyPr/>
-                    <a:lstStyle/>
-                    <a:p>
-                      <a:r>
-                        <a:rPr lang="de-DE" dirty="0">
-                          <a:latin typeface="Arial" panose="020B0604020202020204" pitchFamily="34" charset="0"/>
-                          <a:cs typeface="Arial" panose="020B0604020202020204" pitchFamily="34" charset="0"/>
-                        </a:rPr>
-                        <a:t>Client </a:t>
-                      </a:r>
-                      <a:r>
-                        <a:rPr lang="de-DE" dirty="0" err="1">
-                          <a:latin typeface="Arial" panose="020B0604020202020204" pitchFamily="34" charset="0"/>
-                          <a:cs typeface="Arial" panose="020B0604020202020204" pitchFamily="34" charset="0"/>
-                        </a:rPr>
-                        <a:t>bears</a:t>
-                      </a:r>
-                      <a:r>
-                        <a:rPr lang="de-DE" dirty="0">
-                          <a:latin typeface="Arial" panose="020B0604020202020204" pitchFamily="34" charset="0"/>
-                          <a:cs typeface="Arial" panose="020B0604020202020204" pitchFamily="34" charset="0"/>
-                        </a:rPr>
-                        <a:t> </a:t>
-                      </a:r>
-                      <a:r>
-                        <a:rPr lang="de-DE" dirty="0" err="1">
-                          <a:latin typeface="Arial" panose="020B0604020202020204" pitchFamily="34" charset="0"/>
-                          <a:cs typeface="Arial" panose="020B0604020202020204" pitchFamily="34" charset="0"/>
-                        </a:rPr>
-                        <a:t>computational</a:t>
-                      </a:r>
-                      <a:r>
-                        <a:rPr lang="de-DE" dirty="0">
-                          <a:latin typeface="Arial" panose="020B0604020202020204" pitchFamily="34" charset="0"/>
-                          <a:cs typeface="Arial" panose="020B0604020202020204" pitchFamily="34" charset="0"/>
-                        </a:rPr>
-                        <a:t> </a:t>
-                      </a:r>
-                      <a:r>
-                        <a:rPr lang="de-DE" dirty="0" err="1">
-                          <a:latin typeface="Arial" panose="020B0604020202020204" pitchFamily="34" charset="0"/>
-                          <a:cs typeface="Arial" panose="020B0604020202020204" pitchFamily="34" charset="0"/>
-                        </a:rPr>
-                        <a:t>load</a:t>
-                      </a:r>
-                      <a:endParaRPr lang="de-DE" dirty="0">
-                        <a:latin typeface="Arial" panose="020B0604020202020204" pitchFamily="34" charset="0"/>
-                        <a:cs typeface="Arial" panose="020B0604020202020204" pitchFamily="34" charset="0"/>
-                      </a:endParaRPr>
-                    </a:p>
-                  </a:txBody>
-                  <a:tcPr/>
-                </a:tc>
-                <a:tc>
-                  <a:txBody>
-                    <a:bodyPr/>
-                    <a:lstStyle/>
-                    <a:p>
-                      <a:r>
-                        <a:rPr lang="de-DE" dirty="0">
-                          <a:latin typeface="Arial" panose="020B0604020202020204" pitchFamily="34" charset="0"/>
-                          <a:cs typeface="Arial" panose="020B0604020202020204" pitchFamily="34" charset="0"/>
-                        </a:rPr>
-                        <a:t>Computational </a:t>
-                      </a:r>
-                      <a:r>
-                        <a:rPr lang="de-DE" dirty="0" err="1">
-                          <a:latin typeface="Arial" panose="020B0604020202020204" pitchFamily="34" charset="0"/>
-                          <a:cs typeface="Arial" panose="020B0604020202020204" pitchFamily="34" charset="0"/>
-                        </a:rPr>
-                        <a:t>load</a:t>
-                      </a:r>
-                      <a:r>
-                        <a:rPr lang="de-DE" dirty="0">
-                          <a:latin typeface="Arial" panose="020B0604020202020204" pitchFamily="34" charset="0"/>
-                          <a:cs typeface="Arial" panose="020B0604020202020204" pitchFamily="34" charset="0"/>
-                        </a:rPr>
-                        <a:t> </a:t>
-                      </a:r>
-                      <a:r>
-                        <a:rPr lang="de-DE" dirty="0" err="1">
-                          <a:latin typeface="Arial" panose="020B0604020202020204" pitchFamily="34" charset="0"/>
-                          <a:cs typeface="Arial" panose="020B0604020202020204" pitchFamily="34" charset="0"/>
-                        </a:rPr>
-                        <a:t>offloaded</a:t>
-                      </a:r>
-                      <a:r>
-                        <a:rPr lang="de-DE" dirty="0">
-                          <a:latin typeface="Arial" panose="020B0604020202020204" pitchFamily="34" charset="0"/>
-                          <a:cs typeface="Arial" panose="020B0604020202020204" pitchFamily="34" charset="0"/>
-                        </a:rPr>
-                        <a:t> </a:t>
-                      </a:r>
-                      <a:r>
-                        <a:rPr lang="de-DE" dirty="0" err="1">
-                          <a:latin typeface="Arial" panose="020B0604020202020204" pitchFamily="34" charset="0"/>
-                          <a:cs typeface="Arial" panose="020B0604020202020204" pitchFamily="34" charset="0"/>
-                        </a:rPr>
-                        <a:t>to</a:t>
-                      </a:r>
-                      <a:r>
-                        <a:rPr lang="de-DE" dirty="0">
-                          <a:latin typeface="Arial" panose="020B0604020202020204" pitchFamily="34" charset="0"/>
-                          <a:cs typeface="Arial" panose="020B0604020202020204" pitchFamily="34" charset="0"/>
-                        </a:rPr>
-                        <a:t> </a:t>
-                      </a:r>
-                      <a:r>
-                        <a:rPr lang="de-DE" dirty="0" err="1">
-                          <a:latin typeface="Arial" panose="020B0604020202020204" pitchFamily="34" charset="0"/>
-                          <a:cs typeface="Arial" panose="020B0604020202020204" pitchFamily="34" charset="0"/>
-                        </a:rPr>
-                        <a:t>server</a:t>
-                      </a:r>
-                      <a:endParaRPr lang="de-DE" dirty="0">
-                        <a:latin typeface="Arial" panose="020B0604020202020204" pitchFamily="34" charset="0"/>
-                        <a:cs typeface="Arial" panose="020B0604020202020204" pitchFamily="34" charset="0"/>
-                      </a:endParaRPr>
-                    </a:p>
-                  </a:txBody>
-                  <a:tcPr/>
-                </a:tc>
-                <a:extLst>
-                  <a:ext uri="{0D108BD9-81ED-4DB2-BD59-A6C34878D82A}">
-                    <a16:rowId xmlns:a16="http://schemas.microsoft.com/office/drawing/2014/main" val="2138653020"/>
-                  </a:ext>
-                </a:extLst>
-              </a:tr>
-              <a:tr h="370840">
-                <a:tc>
-                  <a:txBody>
-                    <a:bodyPr/>
-                    <a:lstStyle/>
-                    <a:p>
-                      <a:pPr marL="0" marR="0" lvl="0" indent="0" algn="l" defTabSz="914400" rtl="0" eaLnBrk="1" fontAlgn="auto" latinLnBrk="0" hangingPunct="1">
-                        <a:lnSpc>
-                          <a:spcPct val="100000"/>
-                        </a:lnSpc>
-                        <a:spcBef>
-                          <a:spcPts val="0"/>
-                        </a:spcBef>
-                        <a:spcAft>
-                          <a:spcPts val="0"/>
-                        </a:spcAft>
-                        <a:buClrTx/>
-                        <a:buSzTx/>
-                        <a:buFontTx/>
-                        <a:buNone/>
-                        <a:tabLst/>
-                        <a:defRPr/>
-                      </a:pPr>
-                      <a:r>
-                        <a:rPr lang="de-DE" dirty="0">
-                          <a:latin typeface="Arial" panose="020B0604020202020204" pitchFamily="34" charset="0"/>
-                          <a:cs typeface="Arial" panose="020B0604020202020204" pitchFamily="34" charset="0"/>
-                        </a:rPr>
-                        <a:t>Client </a:t>
-                      </a:r>
-                      <a:r>
-                        <a:rPr lang="de-DE" dirty="0" err="1">
-                          <a:latin typeface="Arial" panose="020B0604020202020204" pitchFamily="34" charset="0"/>
-                          <a:cs typeface="Arial" panose="020B0604020202020204" pitchFamily="34" charset="0"/>
-                        </a:rPr>
-                        <a:t>polls</a:t>
-                      </a:r>
-                      <a:r>
-                        <a:rPr lang="de-DE" dirty="0">
-                          <a:latin typeface="Arial" panose="020B0604020202020204" pitchFamily="34" charset="0"/>
-                          <a:cs typeface="Arial" panose="020B0604020202020204" pitchFamily="34" charset="0"/>
-                        </a:rPr>
-                        <a:t> </a:t>
-                      </a:r>
-                      <a:r>
-                        <a:rPr lang="de-DE" dirty="0" err="1">
-                          <a:latin typeface="Arial" panose="020B0604020202020204" pitchFamily="34" charset="0"/>
-                          <a:cs typeface="Arial" panose="020B0604020202020204" pitchFamily="34" charset="0"/>
-                        </a:rPr>
-                        <a:t>data</a:t>
-                      </a:r>
-                      <a:r>
-                        <a:rPr lang="de-DE" dirty="0">
-                          <a:latin typeface="Arial" panose="020B0604020202020204" pitchFamily="34" charset="0"/>
-                          <a:cs typeface="Arial" panose="020B0604020202020204" pitchFamily="34" charset="0"/>
-                        </a:rPr>
-                        <a:t> </a:t>
-                      </a:r>
-                      <a:r>
-                        <a:rPr lang="de-DE" dirty="0" err="1">
-                          <a:latin typeface="Arial" panose="020B0604020202020204" pitchFamily="34" charset="0"/>
-                          <a:cs typeface="Arial" panose="020B0604020202020204" pitchFamily="34" charset="0"/>
-                        </a:rPr>
-                        <a:t>through</a:t>
-                      </a:r>
-                      <a:r>
-                        <a:rPr lang="de-DE" dirty="0">
-                          <a:latin typeface="Arial" panose="020B0604020202020204" pitchFamily="34" charset="0"/>
-                          <a:cs typeface="Arial" panose="020B0604020202020204" pitchFamily="34" charset="0"/>
-                        </a:rPr>
-                        <a:t> </a:t>
-                      </a:r>
-                      <a:r>
-                        <a:rPr lang="de-DE" dirty="0" err="1">
-                          <a:latin typeface="Arial" panose="020B0604020202020204" pitchFamily="34" charset="0"/>
-                          <a:cs typeface="Arial" panose="020B0604020202020204" pitchFamily="34" charset="0"/>
-                        </a:rPr>
-                        <a:t>requests</a:t>
-                      </a:r>
-                      <a:endParaRPr lang="de-DE" dirty="0">
-                        <a:latin typeface="Arial" panose="020B0604020202020204" pitchFamily="34" charset="0"/>
-                        <a:cs typeface="Arial" panose="020B0604020202020204" pitchFamily="34" charset="0"/>
-                      </a:endParaRPr>
-                    </a:p>
-                  </a:txBody>
-                  <a:tcPr/>
-                </a:tc>
-                <a:tc>
-                  <a:txBody>
-                    <a:bodyPr/>
-                    <a:lstStyle/>
-                    <a:p>
-                      <a:pPr marL="0" marR="0" lvl="0" indent="0" algn="l" defTabSz="914400" rtl="0" eaLnBrk="1" fontAlgn="auto" latinLnBrk="0" hangingPunct="1">
-                        <a:lnSpc>
-                          <a:spcPct val="100000"/>
-                        </a:lnSpc>
-                        <a:spcBef>
-                          <a:spcPts val="0"/>
-                        </a:spcBef>
-                        <a:spcAft>
-                          <a:spcPts val="0"/>
-                        </a:spcAft>
-                        <a:buClrTx/>
-                        <a:buSzTx/>
-                        <a:buFontTx/>
-                        <a:buNone/>
-                        <a:tabLst/>
-                        <a:defRPr/>
-                      </a:pPr>
-                      <a:r>
-                        <a:rPr lang="de-DE" dirty="0">
-                          <a:latin typeface="Arial" panose="020B0604020202020204" pitchFamily="34" charset="0"/>
-                          <a:cs typeface="Arial" panose="020B0604020202020204" pitchFamily="34" charset="0"/>
-                        </a:rPr>
-                        <a:t>Data </a:t>
-                      </a:r>
-                      <a:r>
-                        <a:rPr lang="de-DE" dirty="0" err="1">
-                          <a:latin typeface="Arial" panose="020B0604020202020204" pitchFamily="34" charset="0"/>
-                          <a:cs typeface="Arial" panose="020B0604020202020204" pitchFamily="34" charset="0"/>
-                        </a:rPr>
-                        <a:t>can</a:t>
-                      </a:r>
-                      <a:r>
-                        <a:rPr lang="de-DE" dirty="0">
-                          <a:latin typeface="Arial" panose="020B0604020202020204" pitchFamily="34" charset="0"/>
-                          <a:cs typeface="Arial" panose="020B0604020202020204" pitchFamily="34" charset="0"/>
-                        </a:rPr>
-                        <a:t> </a:t>
-                      </a:r>
-                      <a:r>
-                        <a:rPr lang="de-DE" dirty="0" err="1">
-                          <a:latin typeface="Arial" panose="020B0604020202020204" pitchFamily="34" charset="0"/>
-                          <a:cs typeface="Arial" panose="020B0604020202020204" pitchFamily="34" charset="0"/>
-                        </a:rPr>
-                        <a:t>be</a:t>
-                      </a:r>
-                      <a:r>
-                        <a:rPr lang="de-DE" dirty="0">
-                          <a:latin typeface="Arial" panose="020B0604020202020204" pitchFamily="34" charset="0"/>
-                          <a:cs typeface="Arial" panose="020B0604020202020204" pitchFamily="34" charset="0"/>
-                        </a:rPr>
-                        <a:t> </a:t>
-                      </a:r>
-                      <a:r>
-                        <a:rPr lang="de-DE" dirty="0" err="1">
-                          <a:latin typeface="Arial" panose="020B0604020202020204" pitchFamily="34" charset="0"/>
-                          <a:cs typeface="Arial" panose="020B0604020202020204" pitchFamily="34" charset="0"/>
-                        </a:rPr>
-                        <a:t>sent</a:t>
-                      </a:r>
-                      <a:r>
-                        <a:rPr lang="de-DE" dirty="0">
-                          <a:latin typeface="Arial" panose="020B0604020202020204" pitchFamily="34" charset="0"/>
-                          <a:cs typeface="Arial" panose="020B0604020202020204" pitchFamily="34" charset="0"/>
-                        </a:rPr>
-                        <a:t> on uni-/</a:t>
-                      </a:r>
-                      <a:r>
-                        <a:rPr lang="de-DE" dirty="0" err="1">
-                          <a:latin typeface="Arial" panose="020B0604020202020204" pitchFamily="34" charset="0"/>
-                          <a:cs typeface="Arial" panose="020B0604020202020204" pitchFamily="34" charset="0"/>
-                        </a:rPr>
-                        <a:t>bidirectional</a:t>
-                      </a:r>
-                      <a:r>
-                        <a:rPr lang="de-DE" dirty="0">
-                          <a:latin typeface="Arial" panose="020B0604020202020204" pitchFamily="34" charset="0"/>
-                          <a:cs typeface="Arial" panose="020B0604020202020204" pitchFamily="34" charset="0"/>
-                        </a:rPr>
-                        <a:t> </a:t>
-                      </a:r>
-                      <a:r>
-                        <a:rPr lang="de-DE" dirty="0" err="1">
-                          <a:latin typeface="Arial" panose="020B0604020202020204" pitchFamily="34" charset="0"/>
-                          <a:cs typeface="Arial" panose="020B0604020202020204" pitchFamily="34" charset="0"/>
-                        </a:rPr>
-                        <a:t>streams</a:t>
-                      </a:r>
-                      <a:endParaRPr lang="de-DE" dirty="0">
-                        <a:latin typeface="Arial" panose="020B0604020202020204" pitchFamily="34" charset="0"/>
-                        <a:cs typeface="Arial" panose="020B0604020202020204" pitchFamily="34" charset="0"/>
-                      </a:endParaRPr>
-                    </a:p>
-                  </a:txBody>
-                  <a:tcPr/>
-                </a:tc>
-                <a:extLst>
-                  <a:ext uri="{0D108BD9-81ED-4DB2-BD59-A6C34878D82A}">
-                    <a16:rowId xmlns:a16="http://schemas.microsoft.com/office/drawing/2014/main" val="4198472892"/>
-                  </a:ext>
-                </a:extLst>
-              </a:tr>
-              <a:tr h="370840">
-                <a:tc>
-                  <a:txBody>
-                    <a:bodyPr/>
-                    <a:lstStyle/>
-                    <a:p>
-                      <a:r>
-                        <a:rPr lang="de-DE" dirty="0">
-                          <a:latin typeface="Arial" panose="020B0604020202020204" pitchFamily="34" charset="0"/>
-                          <a:cs typeface="Arial" panose="020B0604020202020204" pitchFamily="34" charset="0"/>
-                        </a:rPr>
-                        <a:t>Encryption </a:t>
-                      </a:r>
-                      <a:r>
-                        <a:rPr lang="de-DE" dirty="0" err="1">
-                          <a:latin typeface="Arial" panose="020B0604020202020204" pitchFamily="34" charset="0"/>
-                          <a:cs typeface="Arial" panose="020B0604020202020204" pitchFamily="34" charset="0"/>
-                        </a:rPr>
-                        <a:t>is</a:t>
-                      </a:r>
-                      <a:r>
-                        <a:rPr lang="de-DE" dirty="0">
-                          <a:latin typeface="Arial" panose="020B0604020202020204" pitchFamily="34" charset="0"/>
-                          <a:cs typeface="Arial" panose="020B0604020202020204" pitchFamily="34" charset="0"/>
-                        </a:rPr>
-                        <a:t> optional (HTTPS </a:t>
-                      </a:r>
-                      <a:r>
-                        <a:rPr lang="de-DE" dirty="0" err="1">
-                          <a:latin typeface="Arial" panose="020B0604020202020204" pitchFamily="34" charset="0"/>
-                          <a:cs typeface="Arial" panose="020B0604020202020204" pitchFamily="34" charset="0"/>
-                        </a:rPr>
-                        <a:t>used</a:t>
-                      </a:r>
-                      <a:r>
-                        <a:rPr lang="de-DE" dirty="0">
-                          <a:latin typeface="Arial" panose="020B0604020202020204" pitchFamily="34" charset="0"/>
-                          <a:cs typeface="Arial" panose="020B0604020202020204" pitchFamily="34" charset="0"/>
-                        </a:rPr>
-                        <a:t> </a:t>
-                      </a:r>
-                      <a:r>
-                        <a:rPr lang="de-DE" dirty="0" err="1">
-                          <a:latin typeface="Arial" panose="020B0604020202020204" pitchFamily="34" charset="0"/>
-                          <a:cs typeface="Arial" panose="020B0604020202020204" pitchFamily="34" charset="0"/>
-                        </a:rPr>
-                        <a:t>by</a:t>
-                      </a:r>
-                      <a:r>
-                        <a:rPr lang="de-DE" dirty="0">
-                          <a:latin typeface="Arial" panose="020B0604020202020204" pitchFamily="34" charset="0"/>
-                          <a:cs typeface="Arial" panose="020B0604020202020204" pitchFamily="34" charset="0"/>
-                        </a:rPr>
-                        <a:t> 82.7%)</a:t>
-                      </a:r>
-                    </a:p>
-                  </a:txBody>
-                  <a:tcPr/>
-                </a:tc>
-                <a:tc>
-                  <a:txBody>
-                    <a:bodyPr/>
-                    <a:lstStyle/>
-                    <a:p>
-                      <a:r>
-                        <a:rPr lang="de-DE" dirty="0">
-                          <a:latin typeface="Arial" panose="020B0604020202020204" pitchFamily="34" charset="0"/>
-                          <a:cs typeface="Arial" panose="020B0604020202020204" pitchFamily="34" charset="0"/>
-                        </a:rPr>
-                        <a:t>Always </a:t>
-                      </a:r>
-                      <a:r>
-                        <a:rPr lang="de-DE" dirty="0" err="1">
-                          <a:latin typeface="Arial" panose="020B0604020202020204" pitchFamily="34" charset="0"/>
-                          <a:cs typeface="Arial" panose="020B0604020202020204" pitchFamily="34" charset="0"/>
-                        </a:rPr>
-                        <a:t>encrypted</a:t>
-                      </a:r>
-                      <a:r>
-                        <a:rPr lang="de-DE" dirty="0">
-                          <a:latin typeface="Arial" panose="020B0604020202020204" pitchFamily="34" charset="0"/>
-                          <a:cs typeface="Arial" panose="020B0604020202020204" pitchFamily="34" charset="0"/>
-                        </a:rPr>
-                        <a:t> (HTTPS)</a:t>
-                      </a:r>
-                    </a:p>
-                  </a:txBody>
-                  <a:tcPr/>
-                </a:tc>
-                <a:extLst>
-                  <a:ext uri="{0D108BD9-81ED-4DB2-BD59-A6C34878D82A}">
-                    <a16:rowId xmlns:a16="http://schemas.microsoft.com/office/drawing/2014/main" val="1102519093"/>
-                  </a:ext>
-                </a:extLst>
-              </a:tr>
-            </a:tbl>
-          </a:graphicData>
-        </a:graphic>
-      </p:graphicFrame>
     </p:spTree>
     <p:extLst>
       <p:ext uri="{BB962C8B-B14F-4D97-AF65-F5344CB8AC3E}">
-        <p14:creationId xmlns:p14="http://schemas.microsoft.com/office/powerpoint/2010/main" val="2346224190"/>
+        <p14:creationId xmlns:p14="http://schemas.microsoft.com/office/powerpoint/2010/main" val="872514013"/>
       </p:ext>
     </p:extLst>
   </p:cSld>
@@ -9958,10 +7049,44 @@
       </p:grpSpPr>
       <p:sp>
         <p:nvSpPr>
-          <p:cNvPr id="4" name="Text Placeholder 3">
+          <p:cNvPr id="6" name="Text Placeholder 5">
             <a:extLst>
               <a:ext uri="{FF2B5EF4-FFF2-40B4-BE49-F238E27FC236}">
-                <a16:creationId xmlns:a16="http://schemas.microsoft.com/office/drawing/2014/main" id="{3C8671AC-A511-1EC1-46D6-8F57CBB25486}"/>
+                <a16:creationId xmlns:a16="http://schemas.microsoft.com/office/drawing/2014/main" id="{95CB6CC0-B52E-9F82-A719-117465DE9662}"/>
+              </a:ext>
+            </a:extLst>
+          </p:cNvPr>
+          <p:cNvSpPr>
+            <a:spLocks noGrp="1"/>
+          </p:cNvSpPr>
+          <p:nvPr>
+            <p:ph type="body" sz="quarter" idx="17"/>
+          </p:nvPr>
+        </p:nvSpPr>
+        <p:spPr>
+          <a:xfrm>
+            <a:off x="550800" y="1371600"/>
+            <a:ext cx="9721850" cy="4327864"/>
+          </a:xfrm>
+        </p:spPr>
+        <p:txBody>
+          <a:bodyPr/>
+          <a:lstStyle/>
+          <a:p>
+            <a:pPr marL="285750" indent="-285750">
+              <a:buFontTx/>
+              <a:buChar char="-"/>
+            </a:pPr>
+            <a:endParaRPr lang="de-DE" dirty="0"/>
+          </a:p>
+        </p:txBody>
+      </p:sp>
+      <p:sp>
+        <p:nvSpPr>
+          <p:cNvPr id="5" name="Text Placeholder 4">
+            <a:extLst>
+              <a:ext uri="{FF2B5EF4-FFF2-40B4-BE49-F238E27FC236}">
+                <a16:creationId xmlns:a16="http://schemas.microsoft.com/office/drawing/2014/main" id="{3AA00B97-4389-B144-752C-A1C8424B53A1}"/>
               </a:ext>
             </a:extLst>
           </p:cNvPr>
@@ -9979,181 +7104,20 @@
           <a:p>
             <a:r>
               <a:rPr lang="de-DE" dirty="0" err="1"/>
-              <a:t>Comparision</a:t>
-            </a:r>
-            <a:r>
-              <a:rPr lang="de-DE" dirty="0"/>
-              <a:t> TCP </a:t>
-            </a:r>
-            <a:r>
-              <a:rPr lang="de-DE" dirty="0" err="1"/>
-              <a:t>vs</a:t>
-            </a:r>
-            <a:r>
-              <a:rPr lang="de-DE" dirty="0"/>
-              <a:t> QUIC</a:t>
-            </a:r>
-          </a:p>
-          <a:p>
-            <a:r>
-              <a:rPr lang="de-DE" dirty="0"/>
-              <a:t>Handshakes</a:t>
-            </a:r>
-          </a:p>
-        </p:txBody>
-      </p:sp>
-      <p:pic>
-        <p:nvPicPr>
-          <p:cNvPr id="3" name="Picture 2" descr="Flow chart comparing TCP + TLS and QUIC">
-            <a:extLst>
-              <a:ext uri="{FF2B5EF4-FFF2-40B4-BE49-F238E27FC236}">
-                <a16:creationId xmlns:a16="http://schemas.microsoft.com/office/drawing/2014/main" id="{77FE0C20-FE99-CFCB-C84C-2CDBC4D7EC15}"/>
-              </a:ext>
-            </a:extLst>
-          </p:cNvPr>
-          <p:cNvPicPr>
-            <a:picLocks noChangeAspect="1"/>
-          </p:cNvPicPr>
-          <p:nvPr/>
-        </p:nvPicPr>
-        <p:blipFill>
-          <a:blip r:embed="rId3"/>
-          <a:stretch>
-            <a:fillRect/>
-          </a:stretch>
-        </p:blipFill>
-        <p:spPr>
-          <a:xfrm>
-            <a:off x="555867" y="1425491"/>
-            <a:ext cx="6643923" cy="3934447"/>
-          </a:xfrm>
-          <a:prstGeom prst="rect">
-            <a:avLst/>
-          </a:prstGeom>
-          <a:effectLst>
-            <a:outerShdw blurRad="50800" dist="50800" dir="5400000" algn="ctr" rotWithShape="0">
-              <a:schemeClr val="bg2">
-                <a:lumMod val="10000"/>
-              </a:schemeClr>
-            </a:outerShdw>
-          </a:effectLst>
-        </p:spPr>
-      </p:pic>
-      <p:sp>
-        <p:nvSpPr>
-          <p:cNvPr id="7" name="TextBox 6">
-            <a:extLst>
-              <a:ext uri="{FF2B5EF4-FFF2-40B4-BE49-F238E27FC236}">
-                <a16:creationId xmlns:a16="http://schemas.microsoft.com/office/drawing/2014/main" id="{A9959D05-99E6-27BF-576D-38C0B20E4B1E}"/>
-              </a:ext>
-            </a:extLst>
-          </p:cNvPr>
-          <p:cNvSpPr txBox="1"/>
-          <p:nvPr/>
-        </p:nvSpPr>
-        <p:spPr>
-          <a:xfrm>
-            <a:off x="555867" y="4962617"/>
-            <a:ext cx="6572902" cy="261610"/>
-          </a:xfrm>
-          <a:prstGeom prst="rect">
-            <a:avLst/>
-          </a:prstGeom>
-          <a:noFill/>
-        </p:spPr>
-        <p:txBody>
-          <a:bodyPr wrap="square" rtlCol="0">
-            <a:spAutoFit/>
-          </a:bodyPr>
-          <a:lstStyle/>
-          <a:p>
-            <a:r>
-              <a:rPr lang="de-DE" sz="1100" dirty="0">
-                <a:solidFill>
-                  <a:schemeClr val="accent4">
-                    <a:lumMod val="75000"/>
-                  </a:schemeClr>
-                </a:solidFill>
-              </a:rPr>
-              <a:t>https://commons.wikimedia.org/wiki/File:Tcp-vs-quic-handshake.svg#/media/File:Tcp-vs-quic-handshake.svg</a:t>
-            </a:r>
-          </a:p>
-        </p:txBody>
-      </p:sp>
-      <p:sp>
-        <p:nvSpPr>
-          <p:cNvPr id="8" name="TextBox 7">
-            <a:extLst>
-              <a:ext uri="{FF2B5EF4-FFF2-40B4-BE49-F238E27FC236}">
-                <a16:creationId xmlns:a16="http://schemas.microsoft.com/office/drawing/2014/main" id="{9DAF7117-439E-9B13-5357-098871C483ED}"/>
-              </a:ext>
-            </a:extLst>
-          </p:cNvPr>
-          <p:cNvSpPr txBox="1"/>
-          <p:nvPr/>
-        </p:nvSpPr>
-        <p:spPr>
-          <a:xfrm>
-            <a:off x="1944210" y="1491449"/>
-            <a:ext cx="1287261" cy="369332"/>
-          </a:xfrm>
-          <a:prstGeom prst="rect">
-            <a:avLst/>
-          </a:prstGeom>
-          <a:noFill/>
-        </p:spPr>
-        <p:txBody>
-          <a:bodyPr wrap="square" rtlCol="0">
-            <a:spAutoFit/>
-          </a:bodyPr>
-          <a:lstStyle/>
-          <a:p>
-            <a:r>
-              <a:rPr lang="de-DE" b="1" u="sng" dirty="0"/>
-              <a:t>TCP + TLS</a:t>
-            </a:r>
-          </a:p>
-        </p:txBody>
-      </p:sp>
-      <p:sp>
-        <p:nvSpPr>
-          <p:cNvPr id="9" name="TextBox 8">
-            <a:extLst>
-              <a:ext uri="{FF2B5EF4-FFF2-40B4-BE49-F238E27FC236}">
-                <a16:creationId xmlns:a16="http://schemas.microsoft.com/office/drawing/2014/main" id="{1F8D96E7-BAA8-CA33-2E72-79DA02ADD227}"/>
-              </a:ext>
-            </a:extLst>
-          </p:cNvPr>
-          <p:cNvSpPr txBox="1"/>
-          <p:nvPr/>
-        </p:nvSpPr>
-        <p:spPr>
-          <a:xfrm>
-            <a:off x="5057313" y="1491449"/>
-            <a:ext cx="748683" cy="369332"/>
-          </a:xfrm>
-          <a:prstGeom prst="rect">
-            <a:avLst/>
-          </a:prstGeom>
-          <a:noFill/>
-        </p:spPr>
-        <p:txBody>
-          <a:bodyPr wrap="square" rtlCol="0">
-            <a:spAutoFit/>
-          </a:bodyPr>
-          <a:lstStyle/>
-          <a:p>
-            <a:r>
-              <a:rPr lang="de-DE" b="1" u="sng" dirty="0"/>
-              <a:t>QUIC</a:t>
-            </a:r>
+              <a:t>Results</a:t>
+            </a:r>
+            <a:r>
+              <a:rPr lang="de-DE" dirty="0"/>
+              <a:t> / Evaluation</a:t>
+            </a:r>
+            <a:endParaRPr lang="en-US" dirty="0"/>
           </a:p>
         </p:txBody>
       </p:sp>
     </p:spTree>
     <p:extLst>
       <p:ext uri="{BB962C8B-B14F-4D97-AF65-F5344CB8AC3E}">
-        <p14:creationId xmlns:p14="http://schemas.microsoft.com/office/powerpoint/2010/main" val="3596586972"/>
+        <p14:creationId xmlns:p14="http://schemas.microsoft.com/office/powerpoint/2010/main" val="1357553508"/>
       </p:ext>
     </p:extLst>
   </p:cSld>
@@ -10182,10 +7146,10 @@
       </p:grpSpPr>
       <p:sp>
         <p:nvSpPr>
-          <p:cNvPr id="5" name="Text Placeholder 4">
+          <p:cNvPr id="6" name="Text Placeholder 5">
             <a:extLst>
               <a:ext uri="{FF2B5EF4-FFF2-40B4-BE49-F238E27FC236}">
-                <a16:creationId xmlns:a16="http://schemas.microsoft.com/office/drawing/2014/main" id="{2EFDF9EB-CE61-989F-56C3-66D0A018C9B9}"/>
+                <a16:creationId xmlns:a16="http://schemas.microsoft.com/office/drawing/2014/main" id="{95CB6CC0-B52E-9F82-A719-117465DE9662}"/>
               </a:ext>
             </a:extLst>
           </p:cNvPr>
@@ -10196,114 +7160,30 @@
             <p:ph type="body" sz="quarter" idx="17"/>
           </p:nvPr>
         </p:nvSpPr>
-        <p:spPr/>
+        <p:spPr>
+          <a:xfrm>
+            <a:off x="550800" y="1371600"/>
+            <a:ext cx="9721850" cy="4327864"/>
+          </a:xfrm>
+        </p:spPr>
         <p:txBody>
           <a:bodyPr/>
           <a:lstStyle/>
-          <a:p>
-            <a:r>
-              <a:rPr lang="de-DE" dirty="0"/>
-              <a:t>There have </a:t>
-            </a:r>
-            <a:r>
-              <a:rPr lang="de-DE" dirty="0" err="1"/>
-              <a:t>been</a:t>
-            </a:r>
-            <a:r>
-              <a:rPr lang="de-DE" dirty="0"/>
-              <a:t> 3 </a:t>
-            </a:r>
-            <a:r>
-              <a:rPr lang="de-DE" dirty="0" err="1"/>
-              <a:t>standards</a:t>
-            </a:r>
-            <a:r>
-              <a:rPr lang="de-DE" dirty="0"/>
-              <a:t> </a:t>
-            </a:r>
-            <a:r>
-              <a:rPr lang="de-DE" dirty="0" err="1"/>
-              <a:t>proposed</a:t>
-            </a:r>
-            <a:r>
-              <a:rPr lang="de-DE" dirty="0"/>
-              <a:t>:</a:t>
-            </a:r>
-          </a:p>
           <a:p>
             <a:pPr marL="285750" indent="-285750">
               <a:buFontTx/>
               <a:buChar char="-"/>
             </a:pPr>
-            <a:r>
-              <a:rPr lang="de-DE" dirty="0"/>
-              <a:t>RUSH </a:t>
-            </a:r>
-            <a:r>
-              <a:rPr lang="de-DE" dirty="0" err="1"/>
-              <a:t>by</a:t>
-            </a:r>
-            <a:r>
-              <a:rPr lang="de-DE" dirty="0"/>
-              <a:t> Facebook </a:t>
-            </a:r>
-            <a:r>
-              <a:rPr lang="de-DE" baseline="30000" dirty="0"/>
-              <a:t>[3]</a:t>
-            </a:r>
-          </a:p>
-          <a:p>
-            <a:pPr marL="285750" indent="-285750">
-              <a:buFontTx/>
-              <a:buChar char="-"/>
-            </a:pPr>
-            <a:r>
-              <a:rPr lang="de-DE" dirty="0"/>
-              <a:t>WARP </a:t>
-            </a:r>
-            <a:r>
-              <a:rPr lang="de-DE" dirty="0" err="1"/>
-              <a:t>by</a:t>
-            </a:r>
-            <a:r>
-              <a:rPr lang="de-DE" dirty="0"/>
-              <a:t> Twitch </a:t>
-            </a:r>
-            <a:r>
-              <a:rPr lang="de-DE" baseline="30000" dirty="0"/>
-              <a:t>[4]</a:t>
-            </a:r>
-          </a:p>
-          <a:p>
-            <a:pPr marL="285750" indent="-285750">
-              <a:buFontTx/>
-              <a:buChar char="-"/>
-            </a:pPr>
-            <a:r>
-              <a:rPr lang="de-DE" dirty="0"/>
-              <a:t>QUICR </a:t>
-            </a:r>
-            <a:r>
-              <a:rPr lang="de-DE" dirty="0" err="1"/>
-              <a:t>by</a:t>
-            </a:r>
-            <a:r>
-              <a:rPr lang="de-DE" dirty="0"/>
-              <a:t> Cisco </a:t>
-            </a:r>
-            <a:r>
-              <a:rPr lang="de-DE" baseline="30000" dirty="0"/>
-              <a:t>[5]</a:t>
-            </a:r>
+            <a:endParaRPr lang="de-DE" dirty="0"/>
           </a:p>
         </p:txBody>
       </p:sp>
       <p:sp>
         <p:nvSpPr>
-          <p:cNvPr id="4" name="Text Placeholder 3">
+          <p:cNvPr id="5" name="Text Placeholder 4">
             <a:extLst>
               <a:ext uri="{FF2B5EF4-FFF2-40B4-BE49-F238E27FC236}">
-                <a16:creationId xmlns:a16="http://schemas.microsoft.com/office/drawing/2014/main" id="{A4652FE9-F8A0-C728-F558-B1C47516C584}"/>
+                <a16:creationId xmlns:a16="http://schemas.microsoft.com/office/drawing/2014/main" id="{3AA00B97-4389-B144-752C-A1C8424B53A1}"/>
               </a:ext>
             </a:extLst>
           </p:cNvPr>
@@ -10321,18 +7201,15 @@
           <a:p>
             <a:r>
               <a:rPr lang="de-DE" dirty="0"/>
-              <a:t>Potential Solution / Concept</a:t>
-            </a:r>
-          </a:p>
-          <a:p>
-            <a:endParaRPr lang="de-DE" dirty="0"/>
+              <a:t>Demo</a:t>
+            </a:r>
           </a:p>
         </p:txBody>
       </p:sp>
     </p:spTree>
     <p:extLst>
       <p:ext uri="{BB962C8B-B14F-4D97-AF65-F5344CB8AC3E}">
-        <p14:creationId xmlns:p14="http://schemas.microsoft.com/office/powerpoint/2010/main" val="1344757342"/>
+        <p14:creationId xmlns:p14="http://schemas.microsoft.com/office/powerpoint/2010/main" val="1804747492"/>
       </p:ext>
     </p:extLst>
   </p:cSld>
@@ -10361,10 +7238,10 @@
       </p:grpSpPr>
       <p:sp>
         <p:nvSpPr>
-          <p:cNvPr id="5" name="Text Placeholder 4">
+          <p:cNvPr id="6" name="Text Placeholder 5">
             <a:extLst>
               <a:ext uri="{FF2B5EF4-FFF2-40B4-BE49-F238E27FC236}">
-                <a16:creationId xmlns:a16="http://schemas.microsoft.com/office/drawing/2014/main" id="{A4CBEB23-213D-264F-2EFC-7FA3BA9BC80E}"/>
+                <a16:creationId xmlns:a16="http://schemas.microsoft.com/office/drawing/2014/main" id="{95CB6CC0-B52E-9F82-A719-117465DE9662}"/>
               </a:ext>
             </a:extLst>
           </p:cNvPr>
@@ -10377,127 +7254,21 @@
         </p:nvSpPr>
         <p:spPr>
           <a:xfrm>
-            <a:off x="550800" y="1113982"/>
-            <a:ext cx="9721850" cy="1526370"/>
+            <a:off x="550800" y="1371600"/>
+            <a:ext cx="9721850" cy="4327864"/>
           </a:xfrm>
         </p:spPr>
         <p:txBody>
           <a:bodyPr/>
           <a:lstStyle/>
           <a:p>
-            <a:r>
-              <a:rPr lang="de-DE" dirty="0" err="1"/>
-              <a:t>Our</a:t>
-            </a:r>
-            <a:r>
-              <a:rPr lang="de-DE" dirty="0"/>
-              <a:t> </a:t>
-            </a:r>
-            <a:r>
-              <a:rPr lang="de-DE" dirty="0" err="1"/>
-              <a:t>goal</a:t>
-            </a:r>
-            <a:r>
-              <a:rPr lang="de-DE" dirty="0"/>
-              <a:t> </a:t>
-            </a:r>
-            <a:r>
-              <a:rPr lang="de-DE" dirty="0" err="1"/>
-              <a:t>is</a:t>
-            </a:r>
-            <a:r>
-              <a:rPr lang="de-DE" dirty="0"/>
-              <a:t> </a:t>
-            </a:r>
-            <a:r>
-              <a:rPr lang="de-DE" dirty="0" err="1"/>
-              <a:t>to</a:t>
-            </a:r>
-            <a:r>
-              <a:rPr lang="de-DE" dirty="0"/>
-              <a:t> </a:t>
-            </a:r>
-            <a:r>
-              <a:rPr lang="de-DE" dirty="0" err="1"/>
-              <a:t>evaluate</a:t>
-            </a:r>
-            <a:r>
-              <a:rPr lang="de-DE" dirty="0"/>
-              <a:t> </a:t>
-            </a:r>
-            <a:r>
-              <a:rPr lang="de-DE" dirty="0" err="1"/>
-              <a:t>these</a:t>
-            </a:r>
-            <a:r>
-              <a:rPr lang="de-DE" dirty="0"/>
-              <a:t> </a:t>
-            </a:r>
-            <a:r>
-              <a:rPr lang="de-DE" dirty="0" err="1"/>
-              <a:t>propositions</a:t>
-            </a:r>
-            <a:r>
-              <a:rPr lang="de-DE" dirty="0"/>
-              <a:t> and </a:t>
-            </a:r>
-            <a:r>
-              <a:rPr lang="de-DE" dirty="0" err="1"/>
-              <a:t>potenially</a:t>
-            </a:r>
-            <a:r>
-              <a:rPr lang="de-DE" dirty="0"/>
-              <a:t> </a:t>
-            </a:r>
-            <a:r>
-              <a:rPr lang="de-DE" dirty="0" err="1"/>
-              <a:t>make</a:t>
-            </a:r>
-            <a:r>
-              <a:rPr lang="de-DE" dirty="0"/>
-              <a:t> </a:t>
-            </a:r>
-            <a:r>
-              <a:rPr lang="de-DE" dirty="0" err="1"/>
-              <a:t>adjustments</a:t>
-            </a:r>
-            <a:r>
-              <a:rPr lang="de-DE" dirty="0"/>
-              <a:t> </a:t>
-            </a:r>
-            <a:r>
-              <a:rPr lang="de-DE" dirty="0" err="1"/>
-              <a:t>to</a:t>
-            </a:r>
-            <a:r>
-              <a:rPr lang="de-DE" dirty="0"/>
-              <a:t> </a:t>
-            </a:r>
-            <a:r>
-              <a:rPr lang="de-DE" dirty="0" err="1"/>
-              <a:t>them</a:t>
-            </a:r>
-            <a:r>
-              <a:rPr lang="de-DE" dirty="0"/>
-              <a:t>.</a:t>
-            </a:r>
-          </a:p>
-          <a:p>
             <a:pPr marL="285750" indent="-285750">
               <a:buFontTx/>
               <a:buChar char="-"/>
             </a:pPr>
             <a:r>
               <a:rPr lang="de-DE" dirty="0"/>
-              <a:t>Setting </a:t>
-            </a:r>
-            <a:r>
-              <a:rPr lang="de-DE" dirty="0" err="1"/>
-              <a:t>up</a:t>
-            </a:r>
-            <a:r>
-              <a:rPr lang="de-DE" dirty="0"/>
-              <a:t> RUSH, WARP, QUICR</a:t>
+              <a:t>README.md on GitHub</a:t>
             </a:r>
           </a:p>
           <a:p>
@@ -10507,117 +7278,7 @@
             </a:pPr>
             <a:r>
               <a:rPr lang="de-DE" dirty="0" err="1"/>
-              <a:t>Evaluating</a:t>
-            </a:r>
-            <a:r>
-              <a:rPr lang="de-DE" dirty="0"/>
-              <a:t> </a:t>
-            </a:r>
-            <a:r>
-              <a:rPr lang="de-DE" dirty="0" err="1"/>
-              <a:t>the</a:t>
-            </a:r>
-            <a:r>
-              <a:rPr lang="de-DE" dirty="0"/>
-              <a:t> </a:t>
-            </a:r>
-            <a:r>
-              <a:rPr lang="de-DE" dirty="0" err="1"/>
-              <a:t>performance</a:t>
-            </a:r>
-            <a:r>
-              <a:rPr lang="de-DE" dirty="0"/>
-              <a:t> in </a:t>
-            </a:r>
-            <a:r>
-              <a:rPr lang="de-DE" dirty="0" err="1"/>
-              <a:t>their</a:t>
-            </a:r>
-            <a:r>
-              <a:rPr lang="de-DE" dirty="0"/>
-              <a:t> </a:t>
-            </a:r>
-            <a:r>
-              <a:rPr lang="de-DE" dirty="0" err="1"/>
-              <a:t>current</a:t>
-            </a:r>
-            <a:r>
-              <a:rPr lang="de-DE" dirty="0"/>
-              <a:t> </a:t>
-            </a:r>
-            <a:r>
-              <a:rPr lang="de-DE" dirty="0" err="1"/>
-              <a:t>state</a:t>
-            </a:r>
-            <a:endParaRPr lang="de-DE" dirty="0"/>
-          </a:p>
-          <a:p>
-            <a:pPr marL="285750" indent="-285750">
-              <a:buFontTx/>
-              <a:buChar char="-"/>
-            </a:pPr>
-            <a:r>
-              <a:rPr lang="de-DE" dirty="0" err="1"/>
-              <a:t>Possibly</a:t>
-            </a:r>
-            <a:r>
-              <a:rPr lang="de-DE" dirty="0"/>
-              <a:t> </a:t>
-            </a:r>
-            <a:r>
-              <a:rPr lang="de-DE" dirty="0" err="1"/>
-              <a:t>make</a:t>
-            </a:r>
-            <a:r>
-              <a:rPr lang="de-DE" dirty="0"/>
-              <a:t> </a:t>
-            </a:r>
-            <a:r>
-              <a:rPr lang="de-DE" dirty="0" err="1"/>
-              <a:t>adjustments</a:t>
-            </a:r>
-            <a:r>
-              <a:rPr lang="de-DE" dirty="0"/>
-              <a:t> and </a:t>
-            </a:r>
-            <a:r>
-              <a:rPr lang="de-DE" dirty="0" err="1"/>
-              <a:t>evaluate</a:t>
-            </a:r>
-            <a:r>
-              <a:rPr lang="de-DE" dirty="0"/>
-              <a:t> </a:t>
-            </a:r>
-            <a:r>
-              <a:rPr lang="de-DE" dirty="0" err="1"/>
-              <a:t>again</a:t>
-            </a:r>
-            <a:endParaRPr lang="de-DE" dirty="0"/>
-          </a:p>
-          <a:p>
-            <a:pPr marL="285750" indent="-285750">
-              <a:buFontTx/>
-              <a:buChar char="-"/>
-            </a:pPr>
-            <a:r>
-              <a:rPr lang="de-DE" dirty="0" err="1"/>
-              <a:t>Compile</a:t>
-            </a:r>
-            <a:r>
-              <a:rPr lang="de-DE" dirty="0"/>
-              <a:t> </a:t>
-            </a:r>
-            <a:r>
-              <a:rPr lang="de-DE" dirty="0" err="1"/>
-              <a:t>results</a:t>
-            </a:r>
-            <a:r>
-              <a:rPr lang="de-DE" dirty="0"/>
-              <a:t> and final </a:t>
-            </a:r>
-            <a:r>
-              <a:rPr lang="de-DE" dirty="0" err="1"/>
-              <a:t>report</a:t>
+              <a:t>Documentation</a:t>
             </a:r>
             <a:endParaRPr lang="de-DE" dirty="0"/>
           </a:p>
@@ -10625,10 +7286,10 @@
       </p:sp>
       <p:sp>
         <p:nvSpPr>
-          <p:cNvPr id="4" name="Text Placeholder 3">
+          <p:cNvPr id="5" name="Text Placeholder 4">
             <a:extLst>
               <a:ext uri="{FF2B5EF4-FFF2-40B4-BE49-F238E27FC236}">
-                <a16:creationId xmlns:a16="http://schemas.microsoft.com/office/drawing/2014/main" id="{A4155E32-3112-EA2F-8617-6482871739D6}"/>
+                <a16:creationId xmlns:a16="http://schemas.microsoft.com/office/drawing/2014/main" id="{3AA00B97-4389-B144-752C-A1C8424B53A1}"/>
               </a:ext>
             </a:extLst>
           </p:cNvPr>
@@ -10646,23 +7307,28 @@
           <a:p>
             <a:r>
               <a:rPr lang="de-DE" dirty="0"/>
-              <a:t>Next </a:t>
-            </a:r>
-            <a:r>
-              <a:rPr lang="de-DE" dirty="0" err="1"/>
-              <a:t>Steps</a:t>
-            </a:r>
-            <a:endParaRPr lang="de-DE" dirty="0"/>
-          </a:p>
-          <a:p>
-            <a:endParaRPr lang="de-DE" dirty="0"/>
+              <a:t>Open TODOs </a:t>
+            </a:r>
+            <a:r>
+              <a:rPr lang="de-DE" dirty="0" err="1"/>
+              <a:t>until</a:t>
+            </a:r>
+            <a:r>
+              <a:rPr lang="de-DE" dirty="0"/>
+              <a:t> final </a:t>
+            </a:r>
+            <a:r>
+              <a:rPr lang="de-DE" dirty="0" err="1"/>
+              <a:t>submission</a:t>
+            </a:r>
+            <a:endParaRPr lang="en-US" dirty="0"/>
           </a:p>
         </p:txBody>
       </p:sp>
     </p:spTree>
     <p:extLst>
       <p:ext uri="{BB962C8B-B14F-4D97-AF65-F5344CB8AC3E}">
-        <p14:creationId xmlns:p14="http://schemas.microsoft.com/office/powerpoint/2010/main" val="314973362"/>
+        <p14:creationId xmlns:p14="http://schemas.microsoft.com/office/powerpoint/2010/main" val="1170049138"/>
       </p:ext>
     </p:extLst>
   </p:cSld>

--- a/Workshops/3/awt-pj-ss23-evaluation-of-http3-for-media-streaming-2.pptx
+++ b/Workshops/3/awt-pj-ss23-evaluation-of-http3-for-media-streaming-2.pptx
@@ -13,7 +13,7 @@
     <p:sldId id="354" r:id="rId4"/>
     <p:sldId id="359" r:id="rId5"/>
     <p:sldId id="365" r:id="rId6"/>
-    <p:sldId id="366" r:id="rId7"/>
+    <p:sldId id="364" r:id="rId7"/>
     <p:sldId id="370" r:id="rId8"/>
     <p:sldId id="371" r:id="rId9"/>
     <p:sldId id="372" r:id="rId10"/>
@@ -127,23 +127,31 @@
 </p:presentation>
 </file>
 
+<file path=ppt/revisionInfo.xml><?xml version="1.0" encoding="utf-8"?>
+<p1510:revInfo xmlns:a="http://schemas.openxmlformats.org/drawingml/2006/main" xmlns:r="http://schemas.openxmlformats.org/officeDocument/2006/relationships" xmlns:p1510="http://schemas.microsoft.com/office/powerpoint/2015/10/main">
+  <p1510:revLst>
+    <p1510:client id="{47BA77B8-5DD6-4416-A46A-EF3C3A40BCD5}" v="28" dt="2023-07-09T10:23:22.737"/>
+  </p1510:revLst>
+</p1510:revInfo>
+</file>
+
 <file path=ppt/changesInfos/changesInfo1.xml><?xml version="1.0" encoding="utf-8"?>
 <pc:chgInfo xmlns:a="http://schemas.openxmlformats.org/drawingml/2006/main" xmlns:r="http://schemas.openxmlformats.org/officeDocument/2006/relationships" xmlns:ac="http://schemas.microsoft.com/office/drawing/2013/main/command" xmlns:pc="http://schemas.microsoft.com/office/powerpoint/2013/main/command">
   <pc:docChgLst>
     <pc:chgData name="Philip Nys" userId="0f626723c9935f96" providerId="LiveId" clId="{47BA77B8-5DD6-4416-A46A-EF3C3A40BCD5}"/>
-    <pc:docChg chg="undo redo custSel addSld delSld modSld modMainMaster">
-      <pc:chgData name="Philip Nys" userId="0f626723c9935f96" providerId="LiveId" clId="{47BA77B8-5DD6-4416-A46A-EF3C3A40BCD5}" dt="2023-07-07T10:47:29.201" v="921" actId="20577"/>
+    <pc:docChg chg="undo redo custSel addSld delSld modSld modMainMaster addSection delSection">
+      <pc:chgData name="Philip Nys" userId="0f626723c9935f96" providerId="LiveId" clId="{47BA77B8-5DD6-4416-A46A-EF3C3A40BCD5}" dt="2023-07-23T11:00:08.867" v="2633" actId="20577"/>
       <pc:docMkLst>
         <pc:docMk/>
       </pc:docMkLst>
       <pc:sldChg chg="modSp mod">
-        <pc:chgData name="Philip Nys" userId="0f626723c9935f96" providerId="LiveId" clId="{47BA77B8-5DD6-4416-A46A-EF3C3A40BCD5}" dt="2023-07-07T10:39:57.045" v="401" actId="20577"/>
+        <pc:chgData name="Philip Nys" userId="0f626723c9935f96" providerId="LiveId" clId="{47BA77B8-5DD6-4416-A46A-EF3C3A40BCD5}" dt="2023-07-10T11:24:49.780" v="2625" actId="20577"/>
         <pc:sldMkLst>
           <pc:docMk/>
           <pc:sldMk cId="2026090156" sldId="354"/>
         </pc:sldMkLst>
         <pc:spChg chg="mod">
-          <ac:chgData name="Philip Nys" userId="0f626723c9935f96" providerId="LiveId" clId="{47BA77B8-5DD6-4416-A46A-EF3C3A40BCD5}" dt="2023-07-07T10:39:57.045" v="401" actId="20577"/>
+          <ac:chgData name="Philip Nys" userId="0f626723c9935f96" providerId="LiveId" clId="{47BA77B8-5DD6-4416-A46A-EF3C3A40BCD5}" dt="2023-07-10T11:24:49.780" v="2625" actId="20577"/>
           <ac:spMkLst>
             <pc:docMk/>
             <pc:sldMk cId="2026090156" sldId="354"/>
@@ -202,6 +210,492 @@
           <pc:sldMk cId="314973362" sldId="362"/>
         </pc:sldMkLst>
       </pc:sldChg>
+      <pc:sldChg chg="modSp mod">
+        <pc:chgData name="Philip Nys" userId="0f626723c9935f96" providerId="LiveId" clId="{47BA77B8-5DD6-4416-A46A-EF3C3A40BCD5}" dt="2023-07-09T10:23:22.734" v="2553" actId="20577"/>
+        <pc:sldMkLst>
+          <pc:docMk/>
+          <pc:sldMk cId="1885636932" sldId="363"/>
+        </pc:sldMkLst>
+        <pc:spChg chg="mod">
+          <ac:chgData name="Philip Nys" userId="0f626723c9935f96" providerId="LiveId" clId="{47BA77B8-5DD6-4416-A46A-EF3C3A40BCD5}" dt="2023-07-09T10:23:16.564" v="2550" actId="1076"/>
+          <ac:spMkLst>
+            <pc:docMk/>
+            <pc:sldMk cId="1885636932" sldId="363"/>
+            <ac:spMk id="2" creationId="{7DD98CC6-9713-99A5-885B-0F5C8FBD7E08}"/>
+          </ac:spMkLst>
+        </pc:spChg>
+        <pc:spChg chg="mod">
+          <ac:chgData name="Philip Nys" userId="0f626723c9935f96" providerId="LiveId" clId="{47BA77B8-5DD6-4416-A46A-EF3C3A40BCD5}" dt="2023-07-09T10:23:22.734" v="2553" actId="20577"/>
+          <ac:spMkLst>
+            <pc:docMk/>
+            <pc:sldMk cId="1885636932" sldId="363"/>
+            <ac:spMk id="5" creationId="{FDD66B3C-F4AE-16EA-0B02-32A4E89F562F}"/>
+          </ac:spMkLst>
+        </pc:spChg>
+      </pc:sldChg>
+      <pc:sldChg chg="addSp delSp modSp add mod modNotesTx">
+        <pc:chgData name="Philip Nys" userId="0f626723c9935f96" providerId="LiveId" clId="{47BA77B8-5DD6-4416-A46A-EF3C3A40BCD5}" dt="2023-07-23T11:00:08.867" v="2633" actId="20577"/>
+        <pc:sldMkLst>
+          <pc:docMk/>
+          <pc:sldMk cId="3524554039" sldId="364"/>
+        </pc:sldMkLst>
+        <pc:spChg chg="mod">
+          <ac:chgData name="Philip Nys" userId="0f626723c9935f96" providerId="LiveId" clId="{47BA77B8-5DD6-4416-A46A-EF3C3A40BCD5}" dt="2023-07-09T09:39:18.700" v="929"/>
+          <ac:spMkLst>
+            <pc:docMk/>
+            <pc:sldMk cId="3524554039" sldId="364"/>
+            <ac:spMk id="4" creationId="{8BF7C1A0-172C-244E-581D-CDB5763251CA}"/>
+          </ac:spMkLst>
+        </pc:spChg>
+        <pc:spChg chg="mod">
+          <ac:chgData name="Philip Nys" userId="0f626723c9935f96" providerId="LiveId" clId="{47BA77B8-5DD6-4416-A46A-EF3C3A40BCD5}" dt="2023-07-09T09:46:13.294" v="1035" actId="1076"/>
+          <ac:spMkLst>
+            <pc:docMk/>
+            <pc:sldMk cId="3524554039" sldId="364"/>
+            <ac:spMk id="8" creationId="{DCDAC9DF-B5A0-59EA-9F35-012FA46FE5E2}"/>
+          </ac:spMkLst>
+        </pc:spChg>
+        <pc:spChg chg="del">
+          <ac:chgData name="Philip Nys" userId="0f626723c9935f96" providerId="LiveId" clId="{47BA77B8-5DD6-4416-A46A-EF3C3A40BCD5}" dt="2023-07-09T09:42:57.667" v="993" actId="478"/>
+          <ac:spMkLst>
+            <pc:docMk/>
+            <pc:sldMk cId="3524554039" sldId="364"/>
+            <ac:spMk id="9" creationId="{39B7C214-38BF-E3CA-7441-B6E423EE91BB}"/>
+          </ac:spMkLst>
+        </pc:spChg>
+        <pc:spChg chg="del mod">
+          <ac:chgData name="Philip Nys" userId="0f626723c9935f96" providerId="LiveId" clId="{47BA77B8-5DD6-4416-A46A-EF3C3A40BCD5}" dt="2023-07-09T09:41:39.536" v="943" actId="478"/>
+          <ac:spMkLst>
+            <pc:docMk/>
+            <pc:sldMk cId="3524554039" sldId="364"/>
+            <ac:spMk id="10" creationId="{60C3DBB6-9A84-AD95-47D0-08DD5B3F9ABF}"/>
+          </ac:spMkLst>
+        </pc:spChg>
+        <pc:spChg chg="del mod">
+          <ac:chgData name="Philip Nys" userId="0f626723c9935f96" providerId="LiveId" clId="{47BA77B8-5DD6-4416-A46A-EF3C3A40BCD5}" dt="2023-07-09T09:43:16.005" v="1009" actId="478"/>
+          <ac:spMkLst>
+            <pc:docMk/>
+            <pc:sldMk cId="3524554039" sldId="364"/>
+            <ac:spMk id="11" creationId="{006BE186-00D0-1E64-27C4-7864F60E9485}"/>
+          </ac:spMkLst>
+        </pc:spChg>
+        <pc:spChg chg="mod">
+          <ac:chgData name="Philip Nys" userId="0f626723c9935f96" providerId="LiveId" clId="{47BA77B8-5DD6-4416-A46A-EF3C3A40BCD5}" dt="2023-07-09T09:45:43.428" v="1032" actId="1076"/>
+          <ac:spMkLst>
+            <pc:docMk/>
+            <pc:sldMk cId="3524554039" sldId="364"/>
+            <ac:spMk id="14" creationId="{DDA8337E-759B-3848-3190-02AB117B7E0A}"/>
+          </ac:spMkLst>
+        </pc:spChg>
+        <pc:spChg chg="del mod">
+          <ac:chgData name="Philip Nys" userId="0f626723c9935f96" providerId="LiveId" clId="{47BA77B8-5DD6-4416-A46A-EF3C3A40BCD5}" dt="2023-07-09T09:42:36.466" v="975" actId="478"/>
+          <ac:spMkLst>
+            <pc:docMk/>
+            <pc:sldMk cId="3524554039" sldId="364"/>
+            <ac:spMk id="17" creationId="{9B825E2B-9457-3333-F382-A683C94CB327}"/>
+          </ac:spMkLst>
+        </pc:spChg>
+        <pc:spChg chg="add mod">
+          <ac:chgData name="Philip Nys" userId="0f626723c9935f96" providerId="LiveId" clId="{47BA77B8-5DD6-4416-A46A-EF3C3A40BCD5}" dt="2023-07-09T09:41:52.627" v="949" actId="20577"/>
+          <ac:spMkLst>
+            <pc:docMk/>
+            <pc:sldMk cId="3524554039" sldId="364"/>
+            <ac:spMk id="21" creationId="{1195FC4F-1FC6-15E9-2283-E9371B1D06FB}"/>
+          </ac:spMkLst>
+        </pc:spChg>
+        <pc:spChg chg="del mod">
+          <ac:chgData name="Philip Nys" userId="0f626723c9935f96" providerId="LiveId" clId="{47BA77B8-5DD6-4416-A46A-EF3C3A40BCD5}" dt="2023-07-09T09:42:43.834" v="983" actId="478"/>
+          <ac:spMkLst>
+            <pc:docMk/>
+            <pc:sldMk cId="3524554039" sldId="364"/>
+            <ac:spMk id="22" creationId="{25207E98-9BF1-C75E-86B4-A25D99B8E89F}"/>
+          </ac:spMkLst>
+        </pc:spChg>
+        <pc:spChg chg="add mod">
+          <ac:chgData name="Philip Nys" userId="0f626723c9935f96" providerId="LiveId" clId="{47BA77B8-5DD6-4416-A46A-EF3C3A40BCD5}" dt="2023-07-09T09:57:43.322" v="1202" actId="1076"/>
+          <ac:spMkLst>
+            <pc:docMk/>
+            <pc:sldMk cId="3524554039" sldId="364"/>
+            <ac:spMk id="23" creationId="{0D15E76C-920B-7126-840C-7D94627C943A}"/>
+          </ac:spMkLst>
+        </pc:spChg>
+        <pc:spChg chg="del mod">
+          <ac:chgData name="Philip Nys" userId="0f626723c9935f96" providerId="LiveId" clId="{47BA77B8-5DD6-4416-A46A-EF3C3A40BCD5}" dt="2023-07-09T09:42:37.603" v="976" actId="478"/>
+          <ac:spMkLst>
+            <pc:docMk/>
+            <pc:sldMk cId="3524554039" sldId="364"/>
+            <ac:spMk id="25" creationId="{F78EA4D4-D333-96FA-25F9-F99E9B54196B}"/>
+          </ac:spMkLst>
+        </pc:spChg>
+        <pc:spChg chg="add mod">
+          <ac:chgData name="Philip Nys" userId="0f626723c9935f96" providerId="LiveId" clId="{47BA77B8-5DD6-4416-A46A-EF3C3A40BCD5}" dt="2023-07-09T09:58:10.244" v="1204" actId="1076"/>
+          <ac:spMkLst>
+            <pc:docMk/>
+            <pc:sldMk cId="3524554039" sldId="364"/>
+            <ac:spMk id="26" creationId="{B9069282-AD27-E0C0-8332-C969C4017E81}"/>
+          </ac:spMkLst>
+        </pc:spChg>
+        <pc:spChg chg="add mod">
+          <ac:chgData name="Philip Nys" userId="0f626723c9935f96" providerId="LiveId" clId="{47BA77B8-5DD6-4416-A46A-EF3C3A40BCD5}" dt="2023-07-09T09:50:24.730" v="1057" actId="1076"/>
+          <ac:spMkLst>
+            <pc:docMk/>
+            <pc:sldMk cId="3524554039" sldId="364"/>
+            <ac:spMk id="27" creationId="{E7A0B8AA-A677-723E-8941-97BA0DCF3F69}"/>
+          </ac:spMkLst>
+        </pc:spChg>
+        <pc:spChg chg="del">
+          <ac:chgData name="Philip Nys" userId="0f626723c9935f96" providerId="LiveId" clId="{47BA77B8-5DD6-4416-A46A-EF3C3A40BCD5}" dt="2023-07-09T09:42:05.018" v="958" actId="478"/>
+          <ac:spMkLst>
+            <pc:docMk/>
+            <pc:sldMk cId="3524554039" sldId="364"/>
+            <ac:spMk id="28" creationId="{9C30F11C-8578-BFB6-D106-BFE490287C3B}"/>
+          </ac:spMkLst>
+        </pc:spChg>
+        <pc:spChg chg="del">
+          <ac:chgData name="Philip Nys" userId="0f626723c9935f96" providerId="LiveId" clId="{47BA77B8-5DD6-4416-A46A-EF3C3A40BCD5}" dt="2023-07-09T09:42:26.356" v="969" actId="478"/>
+          <ac:spMkLst>
+            <pc:docMk/>
+            <pc:sldMk cId="3524554039" sldId="364"/>
+            <ac:spMk id="29" creationId="{4926C6B1-BC89-E800-D1E6-3B349E8BED04}"/>
+          </ac:spMkLst>
+        </pc:spChg>
+        <pc:spChg chg="add mod">
+          <ac:chgData name="Philip Nys" userId="0f626723c9935f96" providerId="LiveId" clId="{47BA77B8-5DD6-4416-A46A-EF3C3A40BCD5}" dt="2023-07-09T09:45:41.176" v="1031" actId="1076"/>
+          <ac:spMkLst>
+            <pc:docMk/>
+            <pc:sldMk cId="3524554039" sldId="364"/>
+            <ac:spMk id="30" creationId="{720D7FE3-470F-1C83-E69E-4AE166A494A6}"/>
+          </ac:spMkLst>
+        </pc:spChg>
+        <pc:spChg chg="add mod">
+          <ac:chgData name="Philip Nys" userId="0f626723c9935f96" providerId="LiveId" clId="{47BA77B8-5DD6-4416-A46A-EF3C3A40BCD5}" dt="2023-07-09T09:52:17.426" v="1110" actId="1076"/>
+          <ac:spMkLst>
+            <pc:docMk/>
+            <pc:sldMk cId="3524554039" sldId="364"/>
+            <ac:spMk id="32" creationId="{309D5B90-56B4-A5CD-75F5-8D86C5229CD5}"/>
+          </ac:spMkLst>
+        </pc:spChg>
+        <pc:spChg chg="del mod">
+          <ac:chgData name="Philip Nys" userId="0f626723c9935f96" providerId="LiveId" clId="{47BA77B8-5DD6-4416-A46A-EF3C3A40BCD5}" dt="2023-07-09T09:42:34.604" v="972" actId="478"/>
+          <ac:spMkLst>
+            <pc:docMk/>
+            <pc:sldMk cId="3524554039" sldId="364"/>
+            <ac:spMk id="37" creationId="{F4B20A57-4F3D-F52A-A9FF-8932B61E5733}"/>
+          </ac:spMkLst>
+        </pc:spChg>
+        <pc:spChg chg="add mod">
+          <ac:chgData name="Philip Nys" userId="0f626723c9935f96" providerId="LiveId" clId="{47BA77B8-5DD6-4416-A46A-EF3C3A40BCD5}" dt="2023-07-09T09:51:40.014" v="1079" actId="20577"/>
+          <ac:spMkLst>
+            <pc:docMk/>
+            <pc:sldMk cId="3524554039" sldId="364"/>
+            <ac:spMk id="42" creationId="{A169E7CD-2D2D-C100-837F-C3C22FEAEAAA}"/>
+          </ac:spMkLst>
+        </pc:spChg>
+        <pc:spChg chg="add mod">
+          <ac:chgData name="Philip Nys" userId="0f626723c9935f96" providerId="LiveId" clId="{47BA77B8-5DD6-4416-A46A-EF3C3A40BCD5}" dt="2023-07-09T09:51:51.362" v="1095" actId="20577"/>
+          <ac:spMkLst>
+            <pc:docMk/>
+            <pc:sldMk cId="3524554039" sldId="364"/>
+            <ac:spMk id="49" creationId="{C7DF4F09-1682-3621-CE73-07269C0094AA}"/>
+          </ac:spMkLst>
+        </pc:spChg>
+        <pc:spChg chg="add mod">
+          <ac:chgData name="Philip Nys" userId="0f626723c9935f96" providerId="LiveId" clId="{47BA77B8-5DD6-4416-A46A-EF3C3A40BCD5}" dt="2023-07-09T09:51:55.414" v="1105" actId="20577"/>
+          <ac:spMkLst>
+            <pc:docMk/>
+            <pc:sldMk cId="3524554039" sldId="364"/>
+            <ac:spMk id="50" creationId="{076965C0-2967-0786-1B45-5DCF7F1DEACB}"/>
+          </ac:spMkLst>
+        </pc:spChg>
+        <pc:spChg chg="add del mod">
+          <ac:chgData name="Philip Nys" userId="0f626723c9935f96" providerId="LiveId" clId="{47BA77B8-5DD6-4416-A46A-EF3C3A40BCD5}" dt="2023-07-09T09:51:56.937" v="1106" actId="478"/>
+          <ac:spMkLst>
+            <pc:docMk/>
+            <pc:sldMk cId="3524554039" sldId="364"/>
+            <ac:spMk id="51" creationId="{CE90666F-4C42-2370-0925-E7405CEB4A62}"/>
+          </ac:spMkLst>
+        </pc:spChg>
+        <pc:spChg chg="add del mod">
+          <ac:chgData name="Philip Nys" userId="0f626723c9935f96" providerId="LiveId" clId="{47BA77B8-5DD6-4416-A46A-EF3C3A40BCD5}" dt="2023-07-09T09:51:57.569" v="1107" actId="478"/>
+          <ac:spMkLst>
+            <pc:docMk/>
+            <pc:sldMk cId="3524554039" sldId="364"/>
+            <ac:spMk id="52" creationId="{E46F4402-161E-E290-3F7F-66A91CCAE372}"/>
+          </ac:spMkLst>
+        </pc:spChg>
+        <pc:spChg chg="add mod">
+          <ac:chgData name="Philip Nys" userId="0f626723c9935f96" providerId="LiveId" clId="{47BA77B8-5DD6-4416-A46A-EF3C3A40BCD5}" dt="2023-07-09T09:53:01.376" v="1124" actId="1076"/>
+          <ac:spMkLst>
+            <pc:docMk/>
+            <pc:sldMk cId="3524554039" sldId="364"/>
+            <ac:spMk id="61" creationId="{4E7DAA6C-7B43-7B42-C537-2DF78EB09FD9}"/>
+          </ac:spMkLst>
+        </pc:spChg>
+        <pc:spChg chg="add mod">
+          <ac:chgData name="Philip Nys" userId="0f626723c9935f96" providerId="LiveId" clId="{47BA77B8-5DD6-4416-A46A-EF3C3A40BCD5}" dt="2023-07-09T09:54:24.206" v="1139" actId="1076"/>
+          <ac:spMkLst>
+            <pc:docMk/>
+            <pc:sldMk cId="3524554039" sldId="364"/>
+            <ac:spMk id="67" creationId="{69ED077F-39E1-B7F1-BD59-D3B9744D6080}"/>
+          </ac:spMkLst>
+        </pc:spChg>
+        <pc:spChg chg="add mod">
+          <ac:chgData name="Philip Nys" userId="0f626723c9935f96" providerId="LiveId" clId="{47BA77B8-5DD6-4416-A46A-EF3C3A40BCD5}" dt="2023-07-09T09:55:56.805" v="1169" actId="13926"/>
+          <ac:spMkLst>
+            <pc:docMk/>
+            <pc:sldMk cId="3524554039" sldId="364"/>
+            <ac:spMk id="74" creationId="{2CA1F27A-DE7A-F5BB-5303-84758D4E269D}"/>
+          </ac:spMkLst>
+        </pc:spChg>
+        <pc:spChg chg="add mod">
+          <ac:chgData name="Philip Nys" userId="0f626723c9935f96" providerId="LiveId" clId="{47BA77B8-5DD6-4416-A46A-EF3C3A40BCD5}" dt="2023-07-09T09:56:17.250" v="1178" actId="14100"/>
+          <ac:spMkLst>
+            <pc:docMk/>
+            <pc:sldMk cId="3524554039" sldId="364"/>
+            <ac:spMk id="75" creationId="{263DEED7-FE42-0B1E-2081-00BFD0D34F3B}"/>
+          </ac:spMkLst>
+        </pc:spChg>
+        <pc:spChg chg="add mod">
+          <ac:chgData name="Philip Nys" userId="0f626723c9935f96" providerId="LiveId" clId="{47BA77B8-5DD6-4416-A46A-EF3C3A40BCD5}" dt="2023-07-09T09:56:31.990" v="1184" actId="20577"/>
+          <ac:spMkLst>
+            <pc:docMk/>
+            <pc:sldMk cId="3524554039" sldId="364"/>
+            <ac:spMk id="78" creationId="{2866A5DD-E88A-BAA6-0768-17A7CAF37491}"/>
+          </ac:spMkLst>
+        </pc:spChg>
+        <pc:spChg chg="add mod">
+          <ac:chgData name="Philip Nys" userId="0f626723c9935f96" providerId="LiveId" clId="{47BA77B8-5DD6-4416-A46A-EF3C3A40BCD5}" dt="2023-07-09T09:58:03.375" v="1203" actId="1076"/>
+          <ac:spMkLst>
+            <pc:docMk/>
+            <pc:sldMk cId="3524554039" sldId="364"/>
+            <ac:spMk id="79" creationId="{E261B6B9-469B-C68F-E301-01850C7F3388}"/>
+          </ac:spMkLst>
+        </pc:spChg>
+        <pc:spChg chg="add mod">
+          <ac:chgData name="Philip Nys" userId="0f626723c9935f96" providerId="LiveId" clId="{47BA77B8-5DD6-4416-A46A-EF3C3A40BCD5}" dt="2023-07-23T11:00:08.867" v="2633" actId="20577"/>
+          <ac:spMkLst>
+            <pc:docMk/>
+            <pc:sldMk cId="3524554039" sldId="364"/>
+            <ac:spMk id="80" creationId="{B470A5F7-DF6C-72E3-7729-86F221857F25}"/>
+          </ac:spMkLst>
+        </pc:spChg>
+        <pc:spChg chg="add mod">
+          <ac:chgData name="Philip Nys" userId="0f626723c9935f96" providerId="LiveId" clId="{47BA77B8-5DD6-4416-A46A-EF3C3A40BCD5}" dt="2023-07-09T10:04:07.791" v="1234" actId="1076"/>
+          <ac:spMkLst>
+            <pc:docMk/>
+            <pc:sldMk cId="3524554039" sldId="364"/>
+            <ac:spMk id="85" creationId="{A2DE16B9-FD2F-6057-C946-77AC6695B47F}"/>
+          </ac:spMkLst>
+        </pc:spChg>
+        <pc:spChg chg="add mod">
+          <ac:chgData name="Philip Nys" userId="0f626723c9935f96" providerId="LiveId" clId="{47BA77B8-5DD6-4416-A46A-EF3C3A40BCD5}" dt="2023-07-09T10:04:47.958" v="1252" actId="1076"/>
+          <ac:spMkLst>
+            <pc:docMk/>
+            <pc:sldMk cId="3524554039" sldId="364"/>
+            <ac:spMk id="90" creationId="{E4E7AF29-021D-C13A-0046-987521DC16FB}"/>
+          </ac:spMkLst>
+        </pc:spChg>
+        <pc:spChg chg="add mod">
+          <ac:chgData name="Philip Nys" userId="0f626723c9935f96" providerId="LiveId" clId="{47BA77B8-5DD6-4416-A46A-EF3C3A40BCD5}" dt="2023-07-09T10:04:42.492" v="1251" actId="1076"/>
+          <ac:spMkLst>
+            <pc:docMk/>
+            <pc:sldMk cId="3524554039" sldId="364"/>
+            <ac:spMk id="91" creationId="{6825B0FE-9E2F-B61D-205B-228D9766C9AA}"/>
+          </ac:spMkLst>
+        </pc:spChg>
+        <pc:cxnChg chg="del mod">
+          <ac:chgData name="Philip Nys" userId="0f626723c9935f96" providerId="LiveId" clId="{47BA77B8-5DD6-4416-A46A-EF3C3A40BCD5}" dt="2023-07-09T09:42:40.537" v="980" actId="478"/>
+          <ac:cxnSpMkLst>
+            <pc:docMk/>
+            <pc:sldMk cId="3524554039" sldId="364"/>
+            <ac:cxnSpMk id="13" creationId="{3F8F0DBB-28B5-22F7-5213-32E92EA7B107}"/>
+          </ac:cxnSpMkLst>
+        </pc:cxnChg>
+        <pc:cxnChg chg="del mod">
+          <ac:chgData name="Philip Nys" userId="0f626723c9935f96" providerId="LiveId" clId="{47BA77B8-5DD6-4416-A46A-EF3C3A40BCD5}" dt="2023-07-09T09:42:41.190" v="981" actId="478"/>
+          <ac:cxnSpMkLst>
+            <pc:docMk/>
+            <pc:sldMk cId="3524554039" sldId="364"/>
+            <ac:cxnSpMk id="20" creationId="{564948E0-521B-B1CD-B64C-3FE0D1B5A7E8}"/>
+          </ac:cxnSpMkLst>
+        </pc:cxnChg>
+        <pc:cxnChg chg="del mod">
+          <ac:chgData name="Philip Nys" userId="0f626723c9935f96" providerId="LiveId" clId="{47BA77B8-5DD6-4416-A46A-EF3C3A40BCD5}" dt="2023-07-09T09:42:38.400" v="977" actId="478"/>
+          <ac:cxnSpMkLst>
+            <pc:docMk/>
+            <pc:sldMk cId="3524554039" sldId="364"/>
+            <ac:cxnSpMk id="24" creationId="{9DCDC1B5-8CD7-FCC8-17C4-F0FBAC3B0349}"/>
+          </ac:cxnSpMkLst>
+        </pc:cxnChg>
+        <pc:cxnChg chg="del mod">
+          <ac:chgData name="Philip Nys" userId="0f626723c9935f96" providerId="LiveId" clId="{47BA77B8-5DD6-4416-A46A-EF3C3A40BCD5}" dt="2023-07-09T09:42:39.601" v="979" actId="478"/>
+          <ac:cxnSpMkLst>
+            <pc:docMk/>
+            <pc:sldMk cId="3524554039" sldId="364"/>
+            <ac:cxnSpMk id="31" creationId="{D67594A5-BA3A-48F0-1C76-24D5BD33B3E8}"/>
+          </ac:cxnSpMkLst>
+        </pc:cxnChg>
+        <pc:cxnChg chg="del mod">
+          <ac:chgData name="Philip Nys" userId="0f626723c9935f96" providerId="LiveId" clId="{47BA77B8-5DD6-4416-A46A-EF3C3A40BCD5}" dt="2023-07-09T09:42:39.102" v="978" actId="478"/>
+          <ac:cxnSpMkLst>
+            <pc:docMk/>
+            <pc:sldMk cId="3524554039" sldId="364"/>
+            <ac:cxnSpMk id="33" creationId="{58E99FB9-F518-D1F4-1104-72D070CE2C8F}"/>
+          </ac:cxnSpMkLst>
+        </pc:cxnChg>
+        <pc:cxnChg chg="add mod">
+          <ac:chgData name="Philip Nys" userId="0f626723c9935f96" providerId="LiveId" clId="{47BA77B8-5DD6-4416-A46A-EF3C3A40BCD5}" dt="2023-07-09T09:45:41.176" v="1031" actId="1076"/>
+          <ac:cxnSpMkLst>
+            <pc:docMk/>
+            <pc:sldMk cId="3524554039" sldId="364"/>
+            <ac:cxnSpMk id="35" creationId="{A9FC3529-C40E-08B0-47D2-55077A988FE3}"/>
+          </ac:cxnSpMkLst>
+        </pc:cxnChg>
+        <pc:cxnChg chg="add mod">
+          <ac:chgData name="Philip Nys" userId="0f626723c9935f96" providerId="LiveId" clId="{47BA77B8-5DD6-4416-A46A-EF3C3A40BCD5}" dt="2023-07-09T09:46:13.294" v="1035" actId="1076"/>
+          <ac:cxnSpMkLst>
+            <pc:docMk/>
+            <pc:sldMk cId="3524554039" sldId="364"/>
+            <ac:cxnSpMk id="40" creationId="{45E1F56A-11F4-345B-6E9C-AFAFABA47500}"/>
+          </ac:cxnSpMkLst>
+        </pc:cxnChg>
+        <pc:cxnChg chg="add del mod">
+          <ac:chgData name="Philip Nys" userId="0f626723c9935f96" providerId="LiveId" clId="{47BA77B8-5DD6-4416-A46A-EF3C3A40BCD5}" dt="2023-07-09T09:50:07.475" v="1054" actId="11529"/>
+          <ac:cxnSpMkLst>
+            <pc:docMk/>
+            <pc:sldMk cId="3524554039" sldId="364"/>
+            <ac:cxnSpMk id="44" creationId="{F63D931E-525C-D42C-CC6E-FAE179EC1D68}"/>
+          </ac:cxnSpMkLst>
+        </pc:cxnChg>
+        <pc:cxnChg chg="add del mod">
+          <ac:chgData name="Philip Nys" userId="0f626723c9935f96" providerId="LiveId" clId="{47BA77B8-5DD6-4416-A46A-EF3C3A40BCD5}" dt="2023-07-09T09:51:01.879" v="1063" actId="478"/>
+          <ac:cxnSpMkLst>
+            <pc:docMk/>
+            <pc:sldMk cId="3524554039" sldId="364"/>
+            <ac:cxnSpMk id="46" creationId="{E08612CB-1435-8B5C-DC0C-0473884F90BC}"/>
+          </ac:cxnSpMkLst>
+        </pc:cxnChg>
+        <pc:cxnChg chg="add">
+          <ac:chgData name="Philip Nys" userId="0f626723c9935f96" providerId="LiveId" clId="{47BA77B8-5DD6-4416-A46A-EF3C3A40BCD5}" dt="2023-07-09T09:51:06.420" v="1064" actId="11529"/>
+          <ac:cxnSpMkLst>
+            <pc:docMk/>
+            <pc:sldMk cId="3524554039" sldId="364"/>
+            <ac:cxnSpMk id="48" creationId="{467BF9F7-8D40-567F-898B-C0F052753883}"/>
+          </ac:cxnSpMkLst>
+        </pc:cxnChg>
+        <pc:cxnChg chg="add">
+          <ac:chgData name="Philip Nys" userId="0f626723c9935f96" providerId="LiveId" clId="{47BA77B8-5DD6-4416-A46A-EF3C3A40BCD5}" dt="2023-07-09T09:52:04.675" v="1108" actId="11529"/>
+          <ac:cxnSpMkLst>
+            <pc:docMk/>
+            <pc:sldMk cId="3524554039" sldId="364"/>
+            <ac:cxnSpMk id="54" creationId="{49418A49-3D71-C21D-F1F7-4BD14D8AE9D4}"/>
+          </ac:cxnSpMkLst>
+        </pc:cxnChg>
+        <pc:cxnChg chg="add">
+          <ac:chgData name="Philip Nys" userId="0f626723c9935f96" providerId="LiveId" clId="{47BA77B8-5DD6-4416-A46A-EF3C3A40BCD5}" dt="2023-07-09T09:52:09.277" v="1109" actId="11529"/>
+          <ac:cxnSpMkLst>
+            <pc:docMk/>
+            <pc:sldMk cId="3524554039" sldId="364"/>
+            <ac:cxnSpMk id="56" creationId="{5A0F352D-95FD-2B64-70DC-38E50FDE0AC5}"/>
+          </ac:cxnSpMkLst>
+        </pc:cxnChg>
+        <pc:cxnChg chg="add">
+          <ac:chgData name="Philip Nys" userId="0f626723c9935f96" providerId="LiveId" clId="{47BA77B8-5DD6-4416-A46A-EF3C3A40BCD5}" dt="2023-07-09T09:52:31.991" v="1111" actId="11529"/>
+          <ac:cxnSpMkLst>
+            <pc:docMk/>
+            <pc:sldMk cId="3524554039" sldId="364"/>
+            <ac:cxnSpMk id="58" creationId="{4746BA09-5392-4900-F4BB-C4396C926A08}"/>
+          </ac:cxnSpMkLst>
+        </pc:cxnChg>
+        <pc:cxnChg chg="add del mod">
+          <ac:chgData name="Philip Nys" userId="0f626723c9935f96" providerId="LiveId" clId="{47BA77B8-5DD6-4416-A46A-EF3C3A40BCD5}" dt="2023-07-09T09:53:14.510" v="1125" actId="478"/>
+          <ac:cxnSpMkLst>
+            <pc:docMk/>
+            <pc:sldMk cId="3524554039" sldId="364"/>
+            <ac:cxnSpMk id="60" creationId="{6F304D74-EF20-183B-2D22-6983F37B3DAD}"/>
+          </ac:cxnSpMkLst>
+        </pc:cxnChg>
+        <pc:cxnChg chg="add del mod">
+          <ac:chgData name="Philip Nys" userId="0f626723c9935f96" providerId="LiveId" clId="{47BA77B8-5DD6-4416-A46A-EF3C3A40BCD5}" dt="2023-07-09T09:54:02.674" v="1129" actId="478"/>
+          <ac:cxnSpMkLst>
+            <pc:docMk/>
+            <pc:sldMk cId="3524554039" sldId="364"/>
+            <ac:cxnSpMk id="63" creationId="{24F3FF20-6834-FCC8-D5FA-DA647D6B4C53}"/>
+          </ac:cxnSpMkLst>
+        </pc:cxnChg>
+        <pc:cxnChg chg="add">
+          <ac:chgData name="Philip Nys" userId="0f626723c9935f96" providerId="LiveId" clId="{47BA77B8-5DD6-4416-A46A-EF3C3A40BCD5}" dt="2023-07-09T09:54:08.288" v="1130" actId="11529"/>
+          <ac:cxnSpMkLst>
+            <pc:docMk/>
+            <pc:sldMk cId="3524554039" sldId="364"/>
+            <ac:cxnSpMk id="66" creationId="{E5538358-FFAA-D470-6DF5-82F8873238FF}"/>
+          </ac:cxnSpMkLst>
+        </pc:cxnChg>
+        <pc:cxnChg chg="add">
+          <ac:chgData name="Philip Nys" userId="0f626723c9935f96" providerId="LiveId" clId="{47BA77B8-5DD6-4416-A46A-EF3C3A40BCD5}" dt="2023-07-09T09:54:41.122" v="1140" actId="11529"/>
+          <ac:cxnSpMkLst>
+            <pc:docMk/>
+            <pc:sldMk cId="3524554039" sldId="364"/>
+            <ac:cxnSpMk id="69" creationId="{94C87F38-AB92-78AA-ECA5-F08D4F5D1E5B}"/>
+          </ac:cxnSpMkLst>
+        </pc:cxnChg>
+        <pc:cxnChg chg="add">
+          <ac:chgData name="Philip Nys" userId="0f626723c9935f96" providerId="LiveId" clId="{47BA77B8-5DD6-4416-A46A-EF3C3A40BCD5}" dt="2023-07-09T09:54:45.201" v="1141" actId="11529"/>
+          <ac:cxnSpMkLst>
+            <pc:docMk/>
+            <pc:sldMk cId="3524554039" sldId="364"/>
+            <ac:cxnSpMk id="71" creationId="{0A45AE14-62E9-709D-2A62-D743A306C369}"/>
+          </ac:cxnSpMkLst>
+        </pc:cxnChg>
+        <pc:cxnChg chg="add">
+          <ac:chgData name="Philip Nys" userId="0f626723c9935f96" providerId="LiveId" clId="{47BA77B8-5DD6-4416-A46A-EF3C3A40BCD5}" dt="2023-07-09T09:54:50.467" v="1142" actId="11529"/>
+          <ac:cxnSpMkLst>
+            <pc:docMk/>
+            <pc:sldMk cId="3524554039" sldId="364"/>
+            <ac:cxnSpMk id="73" creationId="{102EF599-01A6-095E-A0D7-A030DDCDD3C1}"/>
+          </ac:cxnSpMkLst>
+        </pc:cxnChg>
+        <pc:cxnChg chg="add">
+          <ac:chgData name="Philip Nys" userId="0f626723c9935f96" providerId="LiveId" clId="{47BA77B8-5DD6-4416-A46A-EF3C3A40BCD5}" dt="2023-07-09T09:56:26.772" v="1179" actId="11529"/>
+          <ac:cxnSpMkLst>
+            <pc:docMk/>
+            <pc:sldMk cId="3524554039" sldId="364"/>
+            <ac:cxnSpMk id="77" creationId="{58F9C9F5-7C1E-C60D-65A0-D36C5737FE2C}"/>
+          </ac:cxnSpMkLst>
+        </pc:cxnChg>
+        <pc:cxnChg chg="add">
+          <ac:chgData name="Philip Nys" userId="0f626723c9935f96" providerId="LiveId" clId="{47BA77B8-5DD6-4416-A46A-EF3C3A40BCD5}" dt="2023-07-09T10:03:37.695" v="1216" actId="11529"/>
+          <ac:cxnSpMkLst>
+            <pc:docMk/>
+            <pc:sldMk cId="3524554039" sldId="364"/>
+            <ac:cxnSpMk id="82" creationId="{6A413B85-EAD2-F8DA-D6C4-57730BFDAEC2}"/>
+          </ac:cxnSpMkLst>
+        </pc:cxnChg>
+        <pc:cxnChg chg="add">
+          <ac:chgData name="Philip Nys" userId="0f626723c9935f96" providerId="LiveId" clId="{47BA77B8-5DD6-4416-A46A-EF3C3A40BCD5}" dt="2023-07-09T10:03:42.163" v="1217" actId="11529"/>
+          <ac:cxnSpMkLst>
+            <pc:docMk/>
+            <pc:sldMk cId="3524554039" sldId="364"/>
+            <ac:cxnSpMk id="84" creationId="{33928EA0-F251-BC9A-75D5-3333B82661C2}"/>
+          </ac:cxnSpMkLst>
+        </pc:cxnChg>
+        <pc:cxnChg chg="add">
+          <ac:chgData name="Philip Nys" userId="0f626723c9935f96" providerId="LiveId" clId="{47BA77B8-5DD6-4416-A46A-EF3C3A40BCD5}" dt="2023-07-09T10:04:16.429" v="1235" actId="11529"/>
+          <ac:cxnSpMkLst>
+            <pc:docMk/>
+            <pc:sldMk cId="3524554039" sldId="364"/>
+            <ac:cxnSpMk id="87" creationId="{C27340CF-1F86-1424-A6BB-2C9F0E8F9134}"/>
+          </ac:cxnSpMkLst>
+        </pc:cxnChg>
+        <pc:cxnChg chg="add">
+          <ac:chgData name="Philip Nys" userId="0f626723c9935f96" providerId="LiveId" clId="{47BA77B8-5DD6-4416-A46A-EF3C3A40BCD5}" dt="2023-07-09T10:04:21.392" v="1236" actId="11529"/>
+          <ac:cxnSpMkLst>
+            <pc:docMk/>
+            <pc:sldMk cId="3524554039" sldId="364"/>
+            <ac:cxnSpMk id="89" creationId="{22C9AC76-D314-0DD4-0EEE-BCCE39B55714}"/>
+          </ac:cxnSpMkLst>
+        </pc:cxnChg>
+      </pc:sldChg>
       <pc:sldChg chg="del modNotesTx">
         <pc:chgData name="Philip Nys" userId="0f626723c9935f96" providerId="LiveId" clId="{47BA77B8-5DD6-4416-A46A-EF3C3A40BCD5}" dt="2023-07-07T10:44:22.150" v="765" actId="47"/>
         <pc:sldMkLst>
@@ -232,12 +726,28 @@
           </ac:spMkLst>
         </pc:spChg>
       </pc:sldChg>
-      <pc:sldChg chg="add">
-        <pc:chgData name="Philip Nys" userId="0f626723c9935f96" providerId="LiveId" clId="{47BA77B8-5DD6-4416-A46A-EF3C3A40BCD5}" dt="2023-07-07T10:38:07.443" v="226" actId="2890"/>
+      <pc:sldChg chg="delSp modSp add del mod">
+        <pc:chgData name="Philip Nys" userId="0f626723c9935f96" providerId="LiveId" clId="{47BA77B8-5DD6-4416-A46A-EF3C3A40BCD5}" dt="2023-07-09T09:39:20.608" v="930" actId="47"/>
         <pc:sldMkLst>
           <pc:docMk/>
           <pc:sldMk cId="872514013" sldId="366"/>
         </pc:sldMkLst>
+        <pc:spChg chg="mod">
+          <ac:chgData name="Philip Nys" userId="0f626723c9935f96" providerId="LiveId" clId="{47BA77B8-5DD6-4416-A46A-EF3C3A40BCD5}" dt="2023-07-09T09:38:52.822" v="926" actId="20577"/>
+          <ac:spMkLst>
+            <pc:docMk/>
+            <pc:sldMk cId="872514013" sldId="366"/>
+            <ac:spMk id="5" creationId="{3AA00B97-4389-B144-752C-A1C8424B53A1}"/>
+          </ac:spMkLst>
+        </pc:spChg>
+        <pc:spChg chg="del">
+          <ac:chgData name="Philip Nys" userId="0f626723c9935f96" providerId="LiveId" clId="{47BA77B8-5DD6-4416-A46A-EF3C3A40BCD5}" dt="2023-07-09T09:38:55.841" v="927" actId="478"/>
+          <ac:spMkLst>
+            <pc:docMk/>
+            <pc:sldMk cId="872514013" sldId="366"/>
+            <ac:spMk id="6" creationId="{95CB6CC0-B52E-9F82-A719-117465DE9662}"/>
+          </ac:spMkLst>
+        </pc:spChg>
       </pc:sldChg>
       <pc:sldChg chg="modSp new del mod">
         <pc:chgData name="Philip Nys" userId="0f626723c9935f96" providerId="LiveId" clId="{47BA77B8-5DD6-4416-A46A-EF3C3A40BCD5}" dt="2023-07-07T10:45:49.871" v="833" actId="47"/>
@@ -285,7 +795,7 @@
         </pc:spChg>
       </pc:sldChg>
       <pc:sldChg chg="modSp add mod">
-        <pc:chgData name="Philip Nys" userId="0f626723c9935f96" providerId="LiveId" clId="{47BA77B8-5DD6-4416-A46A-EF3C3A40BCD5}" dt="2023-07-07T10:45:47.111" v="832" actId="20577"/>
+        <pc:chgData name="Philip Nys" userId="0f626723c9935f96" providerId="LiveId" clId="{47BA77B8-5DD6-4416-A46A-EF3C3A40BCD5}" dt="2023-07-09T10:26:50" v="2614" actId="20577"/>
         <pc:sldMkLst>
           <pc:docMk/>
           <pc:sldMk cId="1357553508" sldId="370"/>
@@ -298,9 +808,17 @@
             <ac:spMk id="5" creationId="{3AA00B97-4389-B144-752C-A1C8424B53A1}"/>
           </ac:spMkLst>
         </pc:spChg>
+        <pc:spChg chg="mod">
+          <ac:chgData name="Philip Nys" userId="0f626723c9935f96" providerId="LiveId" clId="{47BA77B8-5DD6-4416-A46A-EF3C3A40BCD5}" dt="2023-07-09T10:26:50" v="2614" actId="20577"/>
+          <ac:spMkLst>
+            <pc:docMk/>
+            <pc:sldMk cId="1357553508" sldId="370"/>
+            <ac:spMk id="6" creationId="{95CB6CC0-B52E-9F82-A719-117465DE9662}"/>
+          </ac:spMkLst>
+        </pc:spChg>
       </pc:sldChg>
       <pc:sldChg chg="modSp add mod">
-        <pc:chgData name="Philip Nys" userId="0f626723c9935f96" providerId="LiveId" clId="{47BA77B8-5DD6-4416-A46A-EF3C3A40BCD5}" dt="2023-07-07T10:45:58.708" v="839" actId="20577"/>
+        <pc:chgData name="Philip Nys" userId="0f626723c9935f96" providerId="LiveId" clId="{47BA77B8-5DD6-4416-A46A-EF3C3A40BCD5}" dt="2023-07-09T10:15:55.020" v="2305" actId="1076"/>
         <pc:sldMkLst>
           <pc:docMk/>
           <pc:sldMk cId="1804747492" sldId="371"/>
@@ -313,9 +831,17 @@
             <ac:spMk id="5" creationId="{3AA00B97-4389-B144-752C-A1C8424B53A1}"/>
           </ac:spMkLst>
         </pc:spChg>
+        <pc:spChg chg="mod">
+          <ac:chgData name="Philip Nys" userId="0f626723c9935f96" providerId="LiveId" clId="{47BA77B8-5DD6-4416-A46A-EF3C3A40BCD5}" dt="2023-07-09T10:15:55.020" v="2305" actId="1076"/>
+          <ac:spMkLst>
+            <pc:docMk/>
+            <pc:sldMk cId="1804747492" sldId="371"/>
+            <ac:spMk id="6" creationId="{95CB6CC0-B52E-9F82-A719-117465DE9662}"/>
+          </ac:spMkLst>
+        </pc:spChg>
       </pc:sldChg>
       <pc:sldChg chg="modSp add mod">
-        <pc:chgData name="Philip Nys" userId="0f626723c9935f96" providerId="LiveId" clId="{47BA77B8-5DD6-4416-A46A-EF3C3A40BCD5}" dt="2023-07-07T10:47:29.201" v="921" actId="20577"/>
+        <pc:chgData name="Philip Nys" userId="0f626723c9935f96" providerId="LiveId" clId="{47BA77B8-5DD6-4416-A46A-EF3C3A40BCD5}" dt="2023-07-09T10:13:49.397" v="2242" actId="20577"/>
         <pc:sldMkLst>
           <pc:docMk/>
           <pc:sldMk cId="1170049138" sldId="372"/>
@@ -329,7 +855,7 @@
           </ac:spMkLst>
         </pc:spChg>
         <pc:spChg chg="mod">
-          <ac:chgData name="Philip Nys" userId="0f626723c9935f96" providerId="LiveId" clId="{47BA77B8-5DD6-4416-A46A-EF3C3A40BCD5}" dt="2023-07-07T10:47:29.201" v="921" actId="20577"/>
+          <ac:chgData name="Philip Nys" userId="0f626723c9935f96" providerId="LiveId" clId="{47BA77B8-5DD6-4416-A46A-EF3C3A40BCD5}" dt="2023-07-09T10:13:49.397" v="2242" actId="20577"/>
           <ac:spMkLst>
             <pc:docMk/>
             <pc:sldMk cId="1170049138" sldId="372"/>
@@ -1063,7 +1589,7 @@
           <a:p>
             <a:fld id="{00A6180F-3EA1-4748-B4F4-956BB5176995}" type="datetimeFigureOut">
               <a:rPr lang="de-DE" smtClean="0"/>
-              <a:t>07.07.2023</a:t>
+              <a:t>23.07.2023</a:t>
             </a:fld>
             <a:endParaRPr lang="de-DE"/>
           </a:p>
@@ -1542,7 +2068,784 @@
           <a:bodyPr/>
           <a:lstStyle/>
           <a:p>
+            <a:r>
+              <a:rPr lang="de-DE" dirty="0" err="1"/>
+              <a:t>Invoker</a:t>
+            </a:r>
+            <a:r>
+              <a:rPr lang="de-DE" dirty="0"/>
+              <a:t>: </a:t>
+            </a:r>
+            <a:r>
+              <a:rPr lang="de-DE" dirty="0" err="1"/>
+              <a:t>custom</a:t>
+            </a:r>
+            <a:r>
+              <a:rPr lang="de-DE" dirty="0"/>
+              <a:t> </a:t>
+            </a:r>
+            <a:r>
+              <a:rPr lang="de-DE" dirty="0" err="1"/>
+              <a:t>package</a:t>
+            </a:r>
+            <a:r>
+              <a:rPr lang="de-DE" dirty="0"/>
+              <a:t> </a:t>
+            </a:r>
+            <a:r>
+              <a:rPr lang="de-DE" dirty="0" err="1"/>
+              <a:t>by</a:t>
+            </a:r>
+            <a:r>
+              <a:rPr lang="de-DE" dirty="0"/>
+              <a:t> Luke </a:t>
+            </a:r>
+            <a:r>
+              <a:rPr lang="de-DE" dirty="0" err="1"/>
+              <a:t>Curely</a:t>
+            </a:r>
+            <a:r>
+              <a:rPr lang="de-DE" dirty="0"/>
+              <a:t>, </a:t>
+            </a:r>
+            <a:r>
+              <a:rPr lang="de-DE" dirty="0" err="1"/>
+              <a:t>which</a:t>
+            </a:r>
+            <a:r>
+              <a:rPr lang="de-DE" dirty="0"/>
+              <a:t> </a:t>
+            </a:r>
+            <a:r>
+              <a:rPr lang="de-DE" dirty="0" err="1"/>
+              <a:t>easily</a:t>
+            </a:r>
+            <a:r>
+              <a:rPr lang="de-DE" dirty="0"/>
+              <a:t> </a:t>
+            </a:r>
+            <a:r>
+              <a:rPr lang="de-DE" dirty="0" err="1"/>
+              <a:t>runs</a:t>
+            </a:r>
+            <a:r>
+              <a:rPr lang="de-DE" dirty="0"/>
+              <a:t> </a:t>
+            </a:r>
+            <a:r>
+              <a:rPr lang="de-DE" dirty="0" err="1"/>
+              <a:t>goroutines</a:t>
+            </a:r>
+            <a:r>
+              <a:rPr lang="de-DE" dirty="0"/>
+              <a:t> </a:t>
+            </a:r>
+            <a:r>
+              <a:rPr lang="de-DE" dirty="0" err="1"/>
+              <a:t>safely</a:t>
+            </a:r>
             <a:endParaRPr lang="de-DE" dirty="0"/>
+          </a:p>
+          <a:p>
+            <a:r>
+              <a:rPr lang="de-DE" dirty="0" err="1"/>
+              <a:t>runAccept</a:t>
+            </a:r>
+            <a:r>
+              <a:rPr lang="de-DE" dirty="0"/>
+              <a:t>: </a:t>
+            </a:r>
+            <a:r>
+              <a:rPr lang="de-DE" dirty="0" err="1"/>
+              <a:t>accept</a:t>
+            </a:r>
+            <a:r>
+              <a:rPr lang="de-DE" dirty="0"/>
+              <a:t> </a:t>
+            </a:r>
+            <a:r>
+              <a:rPr lang="de-DE" dirty="0" err="1"/>
+              <a:t>bidi</a:t>
+            </a:r>
+            <a:r>
+              <a:rPr lang="de-DE" dirty="0"/>
+              <a:t> </a:t>
+            </a:r>
+            <a:r>
+              <a:rPr lang="de-DE" dirty="0" err="1"/>
+              <a:t>streams</a:t>
+            </a:r>
+            <a:r>
+              <a:rPr lang="de-DE" dirty="0"/>
+              <a:t> / warp </a:t>
+            </a:r>
+            <a:r>
+              <a:rPr lang="de-DE" dirty="0" err="1"/>
+              <a:t>doesn‘t</a:t>
+            </a:r>
+            <a:r>
+              <a:rPr lang="de-DE" dirty="0"/>
+              <a:t> </a:t>
+            </a:r>
+            <a:r>
+              <a:rPr lang="de-DE" dirty="0" err="1"/>
+              <a:t>use</a:t>
+            </a:r>
+            <a:r>
+              <a:rPr lang="de-DE" dirty="0"/>
+              <a:t> </a:t>
+            </a:r>
+            <a:r>
+              <a:rPr lang="de-DE" dirty="0" err="1"/>
+              <a:t>bidi</a:t>
+            </a:r>
+            <a:r>
+              <a:rPr lang="de-DE" dirty="0"/>
+              <a:t> </a:t>
+            </a:r>
+            <a:r>
+              <a:rPr lang="de-DE" dirty="0" err="1"/>
+              <a:t>streams</a:t>
+            </a:r>
+            <a:r>
+              <a:rPr lang="de-DE" dirty="0"/>
+              <a:t> -&gt; </a:t>
+            </a:r>
+            <a:r>
+              <a:rPr lang="de-DE" dirty="0" err="1"/>
+              <a:t>closes</a:t>
+            </a:r>
+            <a:r>
+              <a:rPr lang="de-DE" dirty="0"/>
+              <a:t> </a:t>
+            </a:r>
+            <a:r>
+              <a:rPr lang="de-DE" dirty="0" err="1"/>
+              <a:t>them</a:t>
+            </a:r>
+            <a:r>
+              <a:rPr lang="de-DE" dirty="0"/>
+              <a:t> </a:t>
+            </a:r>
+            <a:r>
+              <a:rPr lang="de-DE" dirty="0" err="1"/>
+              <a:t>immediately</a:t>
+            </a:r>
+            <a:endParaRPr lang="de-DE" dirty="0"/>
+          </a:p>
+          <a:p>
+            <a:r>
+              <a:rPr lang="de-DE" dirty="0" err="1"/>
+              <a:t>runAcceptUni</a:t>
+            </a:r>
+            <a:r>
+              <a:rPr lang="de-DE" dirty="0"/>
+              <a:t>: </a:t>
+            </a:r>
+            <a:r>
+              <a:rPr lang="de-DE" dirty="0" err="1"/>
+              <a:t>accept</a:t>
+            </a:r>
+            <a:r>
+              <a:rPr lang="de-DE" dirty="0"/>
+              <a:t> uni </a:t>
+            </a:r>
+            <a:r>
+              <a:rPr lang="de-DE" dirty="0" err="1"/>
+              <a:t>streams</a:t>
+            </a:r>
+            <a:r>
+              <a:rPr lang="de-DE" dirty="0"/>
+              <a:t> and logs </a:t>
+            </a:r>
+            <a:r>
+              <a:rPr lang="de-DE" dirty="0" err="1"/>
+              <a:t>thei</a:t>
+            </a:r>
+            <a:r>
+              <a:rPr lang="de-DE" dirty="0"/>
+              <a:t> </a:t>
+            </a:r>
+            <a:r>
+              <a:rPr lang="de-DE" dirty="0" err="1"/>
+              <a:t>payload</a:t>
+            </a:r>
+            <a:r>
+              <a:rPr lang="de-DE" dirty="0"/>
+              <a:t> (</a:t>
+            </a:r>
+            <a:r>
+              <a:rPr lang="de-DE" dirty="0" err="1"/>
+              <a:t>as</a:t>
+            </a:r>
+            <a:r>
+              <a:rPr lang="de-DE" dirty="0"/>
+              <a:t> </a:t>
+            </a:r>
+            <a:r>
+              <a:rPr lang="de-DE" dirty="0" err="1"/>
+              <a:t>far</a:t>
+            </a:r>
+            <a:r>
+              <a:rPr lang="de-DE" dirty="0"/>
+              <a:t> </a:t>
+            </a:r>
+            <a:r>
+              <a:rPr lang="de-DE" dirty="0" err="1"/>
+              <a:t>as</a:t>
+            </a:r>
+            <a:r>
+              <a:rPr lang="de-DE" dirty="0"/>
+              <a:t> I </a:t>
+            </a:r>
+            <a:r>
+              <a:rPr lang="de-DE" dirty="0" err="1"/>
+              <a:t>can</a:t>
+            </a:r>
+            <a:r>
+              <a:rPr lang="de-DE" dirty="0"/>
+              <a:t> </a:t>
+            </a:r>
+            <a:r>
+              <a:rPr lang="de-DE" dirty="0" err="1"/>
+              <a:t>see</a:t>
+            </a:r>
+            <a:r>
+              <a:rPr lang="de-DE" dirty="0"/>
+              <a:t>, </a:t>
+            </a:r>
+            <a:r>
+              <a:rPr lang="de-DE" dirty="0" err="1"/>
+              <a:t>the</a:t>
+            </a:r>
+            <a:r>
+              <a:rPr lang="de-DE" dirty="0"/>
+              <a:t> uni </a:t>
+            </a:r>
+            <a:r>
+              <a:rPr lang="de-DE" dirty="0" err="1"/>
+              <a:t>streams</a:t>
+            </a:r>
+            <a:r>
+              <a:rPr lang="de-DE" dirty="0"/>
+              <a:t> </a:t>
+            </a:r>
+            <a:r>
+              <a:rPr lang="de-DE" dirty="0" err="1"/>
+              <a:t>are</a:t>
+            </a:r>
+            <a:r>
+              <a:rPr lang="de-DE" dirty="0"/>
+              <a:t> </a:t>
+            </a:r>
+            <a:r>
+              <a:rPr lang="de-DE" dirty="0" err="1"/>
+              <a:t>actually</a:t>
+            </a:r>
+            <a:r>
+              <a:rPr lang="de-DE" dirty="0"/>
+              <a:t> </a:t>
+            </a:r>
+            <a:r>
+              <a:rPr lang="de-DE" dirty="0" err="1"/>
+              <a:t>used</a:t>
+            </a:r>
+            <a:r>
+              <a:rPr lang="de-DE" dirty="0"/>
+              <a:t> </a:t>
+            </a:r>
+            <a:r>
+              <a:rPr lang="de-DE" dirty="0" err="1"/>
+              <a:t>as</a:t>
+            </a:r>
+            <a:r>
+              <a:rPr lang="de-DE" dirty="0"/>
+              <a:t> </a:t>
+            </a:r>
+            <a:r>
+              <a:rPr lang="de-DE" dirty="0" err="1"/>
+              <a:t>well</a:t>
+            </a:r>
+            <a:r>
+              <a:rPr lang="de-DE" dirty="0"/>
+              <a:t>)</a:t>
+            </a:r>
+          </a:p>
+          <a:p>
+            <a:r>
+              <a:rPr lang="de-DE" dirty="0" err="1"/>
+              <a:t>runInit</a:t>
+            </a:r>
+            <a:r>
+              <a:rPr lang="de-DE" dirty="0"/>
+              <a:t>: </a:t>
+            </a:r>
+            <a:r>
+              <a:rPr lang="de-DE" dirty="0" err="1"/>
+              <a:t>opens</a:t>
+            </a:r>
+            <a:r>
+              <a:rPr lang="de-DE" dirty="0"/>
+              <a:t> </a:t>
+            </a:r>
+            <a:r>
+              <a:rPr lang="de-DE" dirty="0" err="1"/>
+              <a:t>new</a:t>
+            </a:r>
+            <a:r>
+              <a:rPr lang="de-DE" dirty="0"/>
+              <a:t> stream and sens </a:t>
+            </a:r>
+            <a:r>
+              <a:rPr lang="de-DE" dirty="0" err="1"/>
+              <a:t>init</a:t>
+            </a:r>
+            <a:r>
+              <a:rPr lang="de-DE" dirty="0"/>
+              <a:t> </a:t>
+            </a:r>
+            <a:r>
+              <a:rPr lang="de-DE" dirty="0" err="1"/>
+              <a:t>segment</a:t>
+            </a:r>
+            <a:endParaRPr lang="de-DE" dirty="0"/>
+          </a:p>
+          <a:p>
+            <a:r>
+              <a:rPr lang="de-DE" dirty="0" err="1"/>
+              <a:t>runAudio</a:t>
+            </a:r>
+            <a:r>
+              <a:rPr lang="de-DE" dirty="0"/>
+              <a:t>: </a:t>
+            </a:r>
+            <a:r>
+              <a:rPr lang="de-DE" dirty="0" err="1"/>
+              <a:t>inifinite</a:t>
+            </a:r>
+            <a:r>
+              <a:rPr lang="de-DE" dirty="0"/>
+              <a:t> loop and </a:t>
+            </a:r>
+            <a:r>
+              <a:rPr lang="de-DE" dirty="0" err="1"/>
+              <a:t>sending</a:t>
+            </a:r>
+            <a:r>
+              <a:rPr lang="de-DE" dirty="0"/>
+              <a:t> all </a:t>
+            </a:r>
+            <a:r>
+              <a:rPr lang="de-DE" dirty="0" err="1"/>
+              <a:t>audio</a:t>
+            </a:r>
+            <a:r>
+              <a:rPr lang="de-DE" dirty="0"/>
+              <a:t> </a:t>
+            </a:r>
+            <a:r>
+              <a:rPr lang="de-DE" dirty="0" err="1"/>
+              <a:t>segments</a:t>
+            </a:r>
+            <a:r>
+              <a:rPr lang="de-DE" dirty="0"/>
+              <a:t> </a:t>
+            </a:r>
+            <a:r>
+              <a:rPr lang="de-DE" dirty="0" err="1"/>
+              <a:t>each</a:t>
+            </a:r>
+            <a:r>
+              <a:rPr lang="de-DE" dirty="0"/>
+              <a:t> on </a:t>
+            </a:r>
+            <a:r>
+              <a:rPr lang="de-DE" dirty="0" err="1"/>
+              <a:t>its</a:t>
+            </a:r>
+            <a:r>
+              <a:rPr lang="de-DE" dirty="0"/>
+              <a:t> own stream</a:t>
+            </a:r>
+          </a:p>
+          <a:p>
+            <a:r>
+              <a:rPr lang="de-DE" dirty="0" err="1"/>
+              <a:t>runVideo</a:t>
+            </a:r>
+            <a:r>
+              <a:rPr lang="de-DE" dirty="0"/>
+              <a:t>: same </a:t>
+            </a:r>
+            <a:r>
+              <a:rPr lang="de-DE" dirty="0" err="1"/>
+              <a:t>for</a:t>
+            </a:r>
+            <a:r>
+              <a:rPr lang="de-DE" dirty="0"/>
+              <a:t> </a:t>
+            </a:r>
+            <a:r>
+              <a:rPr lang="de-DE" dirty="0" err="1"/>
+              <a:t>video</a:t>
+            </a:r>
+            <a:endParaRPr lang="de-DE" dirty="0"/>
+          </a:p>
+          <a:p>
+            <a:endParaRPr lang="de-DE" dirty="0"/>
+          </a:p>
+          <a:p>
+            <a:r>
+              <a:rPr lang="de-DE" dirty="0" err="1"/>
+              <a:t>Sending</a:t>
+            </a:r>
+            <a:r>
+              <a:rPr lang="de-DE" dirty="0"/>
+              <a:t> </a:t>
+            </a:r>
+            <a:r>
+              <a:rPr lang="de-DE" dirty="0" err="1"/>
+              <a:t>doesn‘t</a:t>
+            </a:r>
+            <a:r>
+              <a:rPr lang="de-DE" dirty="0"/>
+              <a:t> happen </a:t>
+            </a:r>
+            <a:r>
+              <a:rPr lang="de-DE" dirty="0" err="1"/>
+              <a:t>immediately</a:t>
+            </a:r>
+            <a:r>
+              <a:rPr lang="de-DE" dirty="0"/>
+              <a:t>, </a:t>
+            </a:r>
+            <a:r>
+              <a:rPr lang="de-DE" dirty="0" err="1"/>
+              <a:t>data</a:t>
+            </a:r>
+            <a:r>
+              <a:rPr lang="de-DE" dirty="0"/>
+              <a:t> </a:t>
+            </a:r>
+            <a:r>
+              <a:rPr lang="de-DE" dirty="0" err="1"/>
+              <a:t>gets</a:t>
+            </a:r>
+            <a:r>
+              <a:rPr lang="de-DE" dirty="0"/>
+              <a:t> </a:t>
+            </a:r>
+            <a:r>
+              <a:rPr lang="de-DE" dirty="0" err="1"/>
+              <a:t>buffered</a:t>
+            </a:r>
+            <a:r>
+              <a:rPr lang="de-DE" dirty="0"/>
+              <a:t> and send in a </a:t>
+            </a:r>
+            <a:r>
+              <a:rPr lang="de-DE" dirty="0" err="1"/>
+              <a:t>synced</a:t>
+            </a:r>
+            <a:r>
+              <a:rPr lang="de-DE" dirty="0"/>
+              <a:t> </a:t>
+            </a:r>
+            <a:r>
+              <a:rPr lang="de-DE" dirty="0" err="1"/>
+              <a:t>mutexer</a:t>
+            </a:r>
+            <a:r>
+              <a:rPr lang="de-DE" dirty="0"/>
+              <a:t> </a:t>
+            </a:r>
+            <a:r>
+              <a:rPr lang="de-DE" dirty="0" err="1"/>
+              <a:t>to</a:t>
+            </a:r>
+            <a:r>
+              <a:rPr lang="de-DE" dirty="0"/>
+              <a:t> </a:t>
+            </a:r>
+            <a:r>
+              <a:rPr lang="de-DE" dirty="0" err="1"/>
+              <a:t>prevent</a:t>
+            </a:r>
+            <a:r>
+              <a:rPr lang="de-DE" dirty="0"/>
+              <a:t> </a:t>
+            </a:r>
+            <a:r>
+              <a:rPr lang="de-DE" dirty="0" err="1"/>
+              <a:t>blocking</a:t>
+            </a:r>
+            <a:r>
+              <a:rPr lang="de-DE" dirty="0"/>
+              <a:t> (</a:t>
+            </a:r>
+            <a:r>
+              <a:rPr lang="de-DE" dirty="0" err="1"/>
+              <a:t>video</a:t>
+            </a:r>
+            <a:r>
+              <a:rPr lang="de-DE" dirty="0"/>
+              <a:t> / </a:t>
+            </a:r>
+            <a:r>
+              <a:rPr lang="de-DE" dirty="0" err="1"/>
+              <a:t>audio</a:t>
+            </a:r>
+            <a:r>
+              <a:rPr lang="de-DE" dirty="0"/>
+              <a:t> </a:t>
+            </a:r>
+            <a:r>
+              <a:rPr lang="de-DE" dirty="0" err="1"/>
+              <a:t>blocking</a:t>
+            </a:r>
+            <a:r>
+              <a:rPr lang="de-DE" dirty="0"/>
+              <a:t> </a:t>
+            </a:r>
+            <a:r>
+              <a:rPr lang="de-DE" dirty="0" err="1"/>
+              <a:t>each</a:t>
+            </a:r>
+            <a:r>
+              <a:rPr lang="de-DE" dirty="0"/>
+              <a:t> </a:t>
+            </a:r>
+            <a:r>
+              <a:rPr lang="de-DE" dirty="0" err="1"/>
+              <a:t>other</a:t>
+            </a:r>
+            <a:r>
+              <a:rPr lang="de-DE" dirty="0"/>
+              <a:t>, </a:t>
+            </a:r>
+            <a:r>
+              <a:rPr lang="de-DE" dirty="0" err="1"/>
+              <a:t>afaik</a:t>
+            </a:r>
+            <a:r>
+              <a:rPr lang="de-DE" dirty="0"/>
+              <a:t> </a:t>
+            </a:r>
+            <a:r>
+              <a:rPr lang="de-DE" dirty="0" err="1"/>
+              <a:t>shouldn‘t</a:t>
+            </a:r>
+            <a:r>
+              <a:rPr lang="de-DE" dirty="0"/>
+              <a:t> happend, </a:t>
+            </a:r>
+            <a:r>
+              <a:rPr lang="de-DE" dirty="0" err="1"/>
+              <a:t>since</a:t>
+            </a:r>
+            <a:r>
+              <a:rPr lang="de-DE" dirty="0"/>
+              <a:t> QUIC </a:t>
+            </a:r>
+            <a:r>
+              <a:rPr lang="de-DE" dirty="0" err="1"/>
+              <a:t>specifically</a:t>
+            </a:r>
+            <a:r>
+              <a:rPr lang="de-DE" dirty="0"/>
+              <a:t> </a:t>
+            </a:r>
+            <a:r>
+              <a:rPr lang="de-DE" dirty="0" err="1"/>
+              <a:t>supports</a:t>
+            </a:r>
+            <a:r>
+              <a:rPr lang="de-DE" dirty="0"/>
+              <a:t> parallel </a:t>
+            </a:r>
+            <a:r>
+              <a:rPr lang="de-DE" dirty="0" err="1"/>
+              <a:t>streams</a:t>
+            </a:r>
+            <a:r>
+              <a:rPr lang="de-DE" dirty="0"/>
+              <a:t>)</a:t>
+            </a:r>
+          </a:p>
+          <a:p>
+            <a:r>
+              <a:rPr lang="de-DE" dirty="0"/>
+              <a:t>Segments </a:t>
+            </a:r>
+            <a:r>
+              <a:rPr lang="de-DE" dirty="0" err="1"/>
+              <a:t>are</a:t>
+            </a:r>
+            <a:r>
+              <a:rPr lang="de-DE" dirty="0"/>
+              <a:t> </a:t>
+            </a:r>
+            <a:r>
+              <a:rPr lang="de-DE" dirty="0" err="1"/>
+              <a:t>prioritiezed</a:t>
+            </a:r>
+            <a:r>
+              <a:rPr lang="de-DE" dirty="0"/>
+              <a:t> </a:t>
+            </a:r>
+            <a:r>
+              <a:rPr lang="de-DE" dirty="0" err="1"/>
+              <a:t>by</a:t>
+            </a:r>
+            <a:r>
+              <a:rPr lang="de-DE" dirty="0"/>
+              <a:t> </a:t>
+            </a:r>
+            <a:r>
+              <a:rPr lang="de-DE" dirty="0" err="1"/>
+              <a:t>timestamp</a:t>
+            </a:r>
+            <a:r>
+              <a:rPr lang="de-DE" dirty="0"/>
+              <a:t>, </a:t>
+            </a:r>
+            <a:r>
+              <a:rPr lang="de-DE" dirty="0" err="1"/>
+              <a:t>the</a:t>
+            </a:r>
+            <a:r>
+              <a:rPr lang="de-DE" dirty="0"/>
+              <a:t> </a:t>
+            </a:r>
+            <a:r>
+              <a:rPr lang="de-DE" dirty="0" err="1"/>
+              <a:t>earilier</a:t>
+            </a:r>
+            <a:r>
+              <a:rPr lang="de-DE" dirty="0"/>
+              <a:t> </a:t>
+            </a:r>
+            <a:r>
+              <a:rPr lang="de-DE" dirty="0" err="1"/>
+              <a:t>the</a:t>
+            </a:r>
+            <a:r>
+              <a:rPr lang="de-DE" dirty="0"/>
+              <a:t> </a:t>
+            </a:r>
+            <a:r>
+              <a:rPr lang="de-DE" dirty="0" err="1"/>
+              <a:t>higher</a:t>
+            </a:r>
+            <a:r>
+              <a:rPr lang="de-DE" dirty="0"/>
+              <a:t> </a:t>
+            </a:r>
+            <a:r>
+              <a:rPr lang="de-DE" dirty="0" err="1"/>
+              <a:t>the</a:t>
+            </a:r>
+            <a:r>
+              <a:rPr lang="de-DE" dirty="0"/>
+              <a:t> </a:t>
+            </a:r>
+            <a:r>
+              <a:rPr lang="de-DE" dirty="0" err="1"/>
+              <a:t>priority</a:t>
+            </a:r>
+            <a:r>
+              <a:rPr lang="de-DE" dirty="0"/>
+              <a:t> (</a:t>
+            </a:r>
+            <a:r>
+              <a:rPr lang="de-DE" dirty="0" err="1"/>
+              <a:t>audio</a:t>
+            </a:r>
+            <a:r>
+              <a:rPr lang="de-DE" dirty="0"/>
+              <a:t> </a:t>
+            </a:r>
+            <a:r>
+              <a:rPr lang="de-DE" dirty="0" err="1"/>
+              <a:t>is</a:t>
+            </a:r>
+            <a:r>
+              <a:rPr lang="de-DE" dirty="0"/>
+              <a:t> </a:t>
+            </a:r>
+            <a:r>
+              <a:rPr lang="de-DE" dirty="0" err="1"/>
+              <a:t>sent</a:t>
+            </a:r>
+            <a:r>
+              <a:rPr lang="de-DE" dirty="0"/>
+              <a:t> </a:t>
+            </a:r>
+            <a:r>
+              <a:rPr lang="de-DE" dirty="0" err="1"/>
+              <a:t>faster</a:t>
+            </a:r>
+            <a:r>
+              <a:rPr lang="de-DE" dirty="0"/>
+              <a:t> </a:t>
+            </a:r>
+            <a:r>
+              <a:rPr lang="de-DE" dirty="0" err="1"/>
+              <a:t>than</a:t>
+            </a:r>
+            <a:r>
+              <a:rPr lang="de-DE" dirty="0"/>
+              <a:t> </a:t>
+            </a:r>
+            <a:r>
+              <a:rPr lang="de-DE" dirty="0" err="1"/>
+              <a:t>video</a:t>
+            </a:r>
+            <a:r>
+              <a:rPr lang="de-DE" dirty="0"/>
+              <a:t>, </a:t>
+            </a:r>
+            <a:r>
+              <a:rPr lang="de-DE" dirty="0" err="1"/>
+              <a:t>this</a:t>
+            </a:r>
+            <a:r>
+              <a:rPr lang="de-DE" dirty="0"/>
+              <a:t> </a:t>
+            </a:r>
+            <a:r>
+              <a:rPr lang="de-DE" dirty="0" err="1"/>
+              <a:t>gives</a:t>
+            </a:r>
+            <a:r>
+              <a:rPr lang="de-DE" dirty="0"/>
+              <a:t> </a:t>
+            </a:r>
+            <a:r>
+              <a:rPr lang="de-DE" dirty="0" err="1"/>
+              <a:t>video</a:t>
+            </a:r>
+            <a:r>
+              <a:rPr lang="de-DE" dirty="0"/>
+              <a:t> </a:t>
+            </a:r>
+            <a:r>
+              <a:rPr lang="de-DE" dirty="0" err="1"/>
+              <a:t>higher</a:t>
+            </a:r>
+            <a:r>
+              <a:rPr lang="de-DE" dirty="0"/>
+              <a:t> </a:t>
+            </a:r>
+            <a:r>
+              <a:rPr lang="de-DE" dirty="0" err="1"/>
+              <a:t>priority</a:t>
+            </a:r>
+            <a:r>
+              <a:rPr lang="de-DE" dirty="0"/>
+              <a:t>)</a:t>
+            </a:r>
+            <a:endParaRPr lang="en-US" dirty="0"/>
           </a:p>
         </p:txBody>
       </p:sp>
@@ -1572,7 +2875,7 @@
     </p:spTree>
     <p:extLst>
       <p:ext uri="{BB962C8B-B14F-4D97-AF65-F5344CB8AC3E}">
-        <p14:creationId xmlns:p14="http://schemas.microsoft.com/office/powerpoint/2010/main" val="1521355916"/>
+        <p14:creationId xmlns:p14="http://schemas.microsoft.com/office/powerpoint/2010/main" val="639656087"/>
       </p:ext>
     </p:extLst>
   </p:cSld>
@@ -5805,6 +7108,16 @@
             </a:r>
             <a:endParaRPr lang="de-DE" dirty="0"/>
           </a:p>
+          <a:p>
+            <a:pPr marL="285750" indent="-285750">
+              <a:buFontTx/>
+              <a:buChar char="-"/>
+            </a:pPr>
+            <a:r>
+              <a:rPr lang="de-DE" dirty="0"/>
+              <a:t>References</a:t>
+            </a:r>
+          </a:p>
         </p:txBody>
       </p:sp>
       <p:sp>
@@ -6949,46 +8262,59 @@
           <a:chExt cx="0" cy="0"/>
         </a:xfrm>
       </p:grpSpPr>
-      <p:sp>
-        <p:nvSpPr>
-          <p:cNvPr id="6" name="Text Placeholder 5">
+      <p:cxnSp>
+        <p:nvCxnSpPr>
+          <p:cNvPr id="3" name="Straight Connector 2">
             <a:extLst>
               <a:ext uri="{FF2B5EF4-FFF2-40B4-BE49-F238E27FC236}">
-                <a16:creationId xmlns:a16="http://schemas.microsoft.com/office/drawing/2014/main" id="{95CB6CC0-B52E-9F82-A719-117465DE9662}"/>
+                <a16:creationId xmlns:a16="http://schemas.microsoft.com/office/drawing/2014/main" id="{4AF18143-B721-E16D-E0D5-9C9A85D58E54}"/>
               </a:ext>
             </a:extLst>
           </p:cNvPr>
-          <p:cNvSpPr>
-            <a:spLocks noGrp="1"/>
-          </p:cNvSpPr>
-          <p:nvPr>
-            <p:ph type="body" sz="quarter" idx="17"/>
-          </p:nvPr>
-        </p:nvSpPr>
+          <p:cNvCxnSpPr>
+            <a:cxnSpLocks/>
+          </p:cNvCxnSpPr>
+          <p:nvPr/>
+        </p:nvCxnSpPr>
         <p:spPr>
           <a:xfrm>
-            <a:off x="550800" y="1371600"/>
-            <a:ext cx="9721850" cy="4327864"/>
+            <a:off x="5905041" y="1136016"/>
+            <a:ext cx="0" cy="4758008"/>
           </a:xfrm>
+          <a:prstGeom prst="line">
+            <a:avLst/>
+          </a:prstGeom>
+          <a:ln w="9525" cap="flat" cmpd="sng" algn="ctr">
+            <a:solidFill>
+              <a:schemeClr val="dk1"/>
+            </a:solidFill>
+            <a:prstDash val="dash"/>
+            <a:round/>
+            <a:headEnd type="none" w="med" len="med"/>
+            <a:tailEnd type="none" w="med" len="med"/>
+          </a:ln>
         </p:spPr>
-        <p:txBody>
-          <a:bodyPr/>
-          <a:lstStyle/>
-          <a:p>
-            <a:pPr marL="285750" indent="-285750">
-              <a:buFontTx/>
-              <a:buChar char="-"/>
-            </a:pPr>
-            <a:endParaRPr lang="de-DE" dirty="0"/>
-          </a:p>
-        </p:txBody>
-      </p:sp>
+        <p:style>
+          <a:lnRef idx="0">
+            <a:scrgbClr r="0" g="0" b="0"/>
+          </a:lnRef>
+          <a:fillRef idx="0">
+            <a:scrgbClr r="0" g="0" b="0"/>
+          </a:fillRef>
+          <a:effectRef idx="0">
+            <a:scrgbClr r="0" g="0" b="0"/>
+          </a:effectRef>
+          <a:fontRef idx="minor">
+            <a:schemeClr val="tx1"/>
+          </a:fontRef>
+        </p:style>
+      </p:cxnSp>
       <p:sp>
         <p:nvSpPr>
-          <p:cNvPr id="5" name="Text Placeholder 4">
+          <p:cNvPr id="4" name="Text Placeholder 3">
             <a:extLst>
               <a:ext uri="{FF2B5EF4-FFF2-40B4-BE49-F238E27FC236}">
-                <a16:creationId xmlns:a16="http://schemas.microsoft.com/office/drawing/2014/main" id="{3AA00B97-4389-B144-752C-A1C8424B53A1}"/>
+                <a16:creationId xmlns:a16="http://schemas.microsoft.com/office/drawing/2014/main" id="{8BF7C1A0-172C-244E-581D-CDB5763251CA}"/>
               </a:ext>
             </a:extLst>
           </p:cNvPr>
@@ -7012,15 +8338,1698 @@
           <a:p>
             <a:r>
               <a:rPr lang="de-DE" dirty="0"/>
+              <a:t>WARP (Go)</a:t>
+            </a:r>
+          </a:p>
+        </p:txBody>
+      </p:sp>
+      <p:sp>
+        <p:nvSpPr>
+          <p:cNvPr id="6" name="TextBox 5">
+            <a:extLst>
+              <a:ext uri="{FF2B5EF4-FFF2-40B4-BE49-F238E27FC236}">
+                <a16:creationId xmlns:a16="http://schemas.microsoft.com/office/drawing/2014/main" id="{F5F48946-915A-9D4F-62BC-D34FF3525ED8}"/>
+              </a:ext>
+            </a:extLst>
+          </p:cNvPr>
+          <p:cNvSpPr txBox="1"/>
+          <p:nvPr/>
+        </p:nvSpPr>
+        <p:spPr>
+          <a:xfrm>
+            <a:off x="2165619" y="1136016"/>
+            <a:ext cx="1553378" cy="369332"/>
+          </a:xfrm>
+          <a:prstGeom prst="rect">
+            <a:avLst/>
+          </a:prstGeom>
+          <a:noFill/>
+        </p:spPr>
+        <p:txBody>
+          <a:bodyPr wrap="square" rtlCol="0">
+            <a:spAutoFit/>
+          </a:bodyPr>
+          <a:lstStyle/>
+          <a:p>
+            <a:r>
+              <a:rPr lang="de-DE" dirty="0"/>
+              <a:t>Client</a:t>
+            </a:r>
+            <a:endParaRPr lang="en-US" dirty="0"/>
+          </a:p>
+        </p:txBody>
+      </p:sp>
+      <p:sp>
+        <p:nvSpPr>
+          <p:cNvPr id="7" name="TextBox 6">
+            <a:extLst>
+              <a:ext uri="{FF2B5EF4-FFF2-40B4-BE49-F238E27FC236}">
+                <a16:creationId xmlns:a16="http://schemas.microsoft.com/office/drawing/2014/main" id="{0C6F25D6-F520-7574-2D32-2314FF783EB2}"/>
+              </a:ext>
+            </a:extLst>
+          </p:cNvPr>
+          <p:cNvSpPr txBox="1"/>
+          <p:nvPr/>
+        </p:nvSpPr>
+        <p:spPr>
+          <a:xfrm>
+            <a:off x="8267757" y="1136016"/>
+            <a:ext cx="1200035" cy="369332"/>
+          </a:xfrm>
+          <a:prstGeom prst="rect">
+            <a:avLst/>
+          </a:prstGeom>
+          <a:noFill/>
+        </p:spPr>
+        <p:txBody>
+          <a:bodyPr wrap="square" rtlCol="0">
+            <a:spAutoFit/>
+          </a:bodyPr>
+          <a:lstStyle/>
+          <a:p>
+            <a:r>
+              <a:rPr lang="de-DE" dirty="0"/>
+              <a:t>Server</a:t>
+            </a:r>
+            <a:endParaRPr lang="en-US" dirty="0"/>
+          </a:p>
+        </p:txBody>
+      </p:sp>
+      <p:sp>
+        <p:nvSpPr>
+          <p:cNvPr id="8" name="Rectangle: Rounded Corners 7">
+            <a:extLst>
+              <a:ext uri="{FF2B5EF4-FFF2-40B4-BE49-F238E27FC236}">
+                <a16:creationId xmlns:a16="http://schemas.microsoft.com/office/drawing/2014/main" id="{DCDAC9DF-B5A0-59EA-9F35-012FA46FE5E2}"/>
+              </a:ext>
+            </a:extLst>
+          </p:cNvPr>
+          <p:cNvSpPr/>
+          <p:nvPr/>
+        </p:nvSpPr>
+        <p:spPr>
+          <a:xfrm>
+            <a:off x="4089038" y="1955234"/>
+            <a:ext cx="1609751" cy="451691"/>
+          </a:xfrm>
+          <a:prstGeom prst="roundRect">
+            <a:avLst/>
+          </a:prstGeom>
+        </p:spPr>
+        <p:style>
+          <a:lnRef idx="2">
+            <a:schemeClr val="accent1">
+              <a:shade val="15000"/>
+            </a:schemeClr>
+          </a:lnRef>
+          <a:fillRef idx="1">
+            <a:schemeClr val="accent1"/>
+          </a:fillRef>
+          <a:effectRef idx="0">
+            <a:schemeClr val="accent1"/>
+          </a:effectRef>
+          <a:fontRef idx="minor">
+            <a:schemeClr val="lt1"/>
+          </a:fontRef>
+        </p:style>
+        <p:txBody>
+          <a:bodyPr rtlCol="0" anchor="ctr"/>
+          <a:lstStyle/>
+          <a:p>
+            <a:pPr algn="ctr"/>
+            <a:r>
+              <a:rPr lang="de-DE" dirty="0" err="1"/>
+              <a:t>WebTransport</a:t>
+            </a:r>
+            <a:endParaRPr lang="en-US" dirty="0"/>
+          </a:p>
+        </p:txBody>
+      </p:sp>
+      <p:sp>
+        <p:nvSpPr>
+          <p:cNvPr id="14" name="TextBox 13">
+            <a:extLst>
+              <a:ext uri="{FF2B5EF4-FFF2-40B4-BE49-F238E27FC236}">
+                <a16:creationId xmlns:a16="http://schemas.microsoft.com/office/drawing/2014/main" id="{DDA8337E-759B-3848-3190-02AB117B7E0A}"/>
+              </a:ext>
+            </a:extLst>
+          </p:cNvPr>
+          <p:cNvSpPr txBox="1"/>
+          <p:nvPr/>
+        </p:nvSpPr>
+        <p:spPr>
+          <a:xfrm>
+            <a:off x="9295007" y="1575745"/>
+            <a:ext cx="1167788" cy="646331"/>
+          </a:xfrm>
+          <a:prstGeom prst="rect">
+            <a:avLst/>
+          </a:prstGeom>
+          <a:noFill/>
+        </p:spPr>
+        <p:txBody>
+          <a:bodyPr wrap="square" rtlCol="0">
+            <a:spAutoFit/>
+          </a:bodyPr>
+          <a:lstStyle/>
+          <a:p>
+            <a:pPr algn="ctr"/>
+            <a:r>
+              <a:rPr lang="de-DE" dirty="0"/>
+              <a:t>Listens </a:t>
+            </a:r>
+          </a:p>
+          <a:p>
+            <a:pPr algn="ctr"/>
+            <a:r>
+              <a:rPr lang="de-DE" dirty="0"/>
+              <a:t>on</a:t>
+            </a:r>
+            <a:endParaRPr lang="en-US" dirty="0"/>
+          </a:p>
+        </p:txBody>
+      </p:sp>
+      <p:sp>
+        <p:nvSpPr>
+          <p:cNvPr id="21" name="Rectangle: Rounded Corners 20">
+            <a:extLst>
+              <a:ext uri="{FF2B5EF4-FFF2-40B4-BE49-F238E27FC236}">
+                <a16:creationId xmlns:a16="http://schemas.microsoft.com/office/drawing/2014/main" id="{1195FC4F-1FC6-15E9-2283-E9371B1D06FB}"/>
+              </a:ext>
+            </a:extLst>
+          </p:cNvPr>
+          <p:cNvSpPr/>
+          <p:nvPr/>
+        </p:nvSpPr>
+        <p:spPr>
+          <a:xfrm>
+            <a:off x="10085152" y="1949136"/>
+            <a:ext cx="1609751" cy="451691"/>
+          </a:xfrm>
+          <a:prstGeom prst="roundRect">
+            <a:avLst/>
+          </a:prstGeom>
+        </p:spPr>
+        <p:style>
+          <a:lnRef idx="2">
+            <a:schemeClr val="accent1">
+              <a:shade val="15000"/>
+            </a:schemeClr>
+          </a:lnRef>
+          <a:fillRef idx="1">
+            <a:schemeClr val="accent1"/>
+          </a:fillRef>
+          <a:effectRef idx="0">
+            <a:schemeClr val="accent1"/>
+          </a:effectRef>
+          <a:fontRef idx="minor">
+            <a:schemeClr val="lt1"/>
+          </a:fontRef>
+        </p:style>
+        <p:txBody>
+          <a:bodyPr rtlCol="0" anchor="ctr"/>
+          <a:lstStyle/>
+          <a:p>
+            <a:pPr algn="ctr"/>
+            <a:r>
+              <a:rPr lang="de-DE" dirty="0"/>
               <a:t>WARP</a:t>
             </a:r>
+            <a:endParaRPr lang="en-US" dirty="0"/>
+          </a:p>
+        </p:txBody>
+      </p:sp>
+      <p:sp>
+        <p:nvSpPr>
+          <p:cNvPr id="23" name="Rectangle: Rounded Corners 22">
+            <a:extLst>
+              <a:ext uri="{FF2B5EF4-FFF2-40B4-BE49-F238E27FC236}">
+                <a16:creationId xmlns:a16="http://schemas.microsoft.com/office/drawing/2014/main" id="{0D15E76C-920B-7126-840C-7D94627C943A}"/>
+              </a:ext>
+            </a:extLst>
+          </p:cNvPr>
+          <p:cNvSpPr/>
+          <p:nvPr/>
+        </p:nvSpPr>
+        <p:spPr>
+          <a:xfrm>
+            <a:off x="492819" y="1955235"/>
+            <a:ext cx="1609751" cy="451691"/>
+          </a:xfrm>
+          <a:prstGeom prst="roundRect">
+            <a:avLst/>
+          </a:prstGeom>
+        </p:spPr>
+        <p:style>
+          <a:lnRef idx="2">
+            <a:schemeClr val="accent1">
+              <a:shade val="15000"/>
+            </a:schemeClr>
+          </a:lnRef>
+          <a:fillRef idx="1">
+            <a:schemeClr val="accent1"/>
+          </a:fillRef>
+          <a:effectRef idx="0">
+            <a:schemeClr val="accent1"/>
+          </a:effectRef>
+          <a:fontRef idx="minor">
+            <a:schemeClr val="lt1"/>
+          </a:fontRef>
+        </p:style>
+        <p:txBody>
+          <a:bodyPr rtlCol="0" anchor="ctr"/>
+          <a:lstStyle/>
+          <a:p>
+            <a:pPr algn="ctr"/>
+            <a:r>
+              <a:rPr lang="de-DE" dirty="0"/>
+              <a:t>Video Decoder</a:t>
+            </a:r>
+            <a:endParaRPr lang="en-US" dirty="0"/>
+          </a:p>
+        </p:txBody>
+      </p:sp>
+      <p:sp>
+        <p:nvSpPr>
+          <p:cNvPr id="26" name="Rectangle: Rounded Corners 25">
+            <a:extLst>
+              <a:ext uri="{FF2B5EF4-FFF2-40B4-BE49-F238E27FC236}">
+                <a16:creationId xmlns:a16="http://schemas.microsoft.com/office/drawing/2014/main" id="{B9069282-AD27-E0C0-8332-C969C4017E81}"/>
+              </a:ext>
+            </a:extLst>
+          </p:cNvPr>
+          <p:cNvSpPr/>
+          <p:nvPr/>
+        </p:nvSpPr>
+        <p:spPr>
+          <a:xfrm>
+            <a:off x="492818" y="5179180"/>
+            <a:ext cx="1609751" cy="451691"/>
+          </a:xfrm>
+          <a:prstGeom prst="roundRect">
+            <a:avLst/>
+          </a:prstGeom>
+        </p:spPr>
+        <p:style>
+          <a:lnRef idx="2">
+            <a:schemeClr val="accent1">
+              <a:shade val="15000"/>
+            </a:schemeClr>
+          </a:lnRef>
+          <a:fillRef idx="1">
+            <a:schemeClr val="accent1"/>
+          </a:fillRef>
+          <a:effectRef idx="0">
+            <a:schemeClr val="accent1"/>
+          </a:effectRef>
+          <a:fontRef idx="minor">
+            <a:schemeClr val="lt1"/>
+          </a:fontRef>
+        </p:style>
+        <p:txBody>
+          <a:bodyPr rtlCol="0" anchor="ctr"/>
+          <a:lstStyle/>
+          <a:p>
+            <a:pPr algn="ctr"/>
+            <a:r>
+              <a:rPr lang="de-DE" dirty="0"/>
+              <a:t>&lt;</a:t>
+            </a:r>
+            <a:r>
+              <a:rPr lang="de-DE" dirty="0" err="1"/>
+              <a:t>canvas</a:t>
+            </a:r>
+            <a:r>
+              <a:rPr lang="de-DE" dirty="0"/>
+              <a:t>&gt;</a:t>
+            </a:r>
+            <a:endParaRPr lang="en-US" dirty="0"/>
+          </a:p>
+        </p:txBody>
+      </p:sp>
+      <p:sp>
+        <p:nvSpPr>
+          <p:cNvPr id="27" name="Rectangle: Rounded Corners 26">
+            <a:extLst>
+              <a:ext uri="{FF2B5EF4-FFF2-40B4-BE49-F238E27FC236}">
+                <a16:creationId xmlns:a16="http://schemas.microsoft.com/office/drawing/2014/main" id="{E7A0B8AA-A677-723E-8941-97BA0DCF3F69}"/>
+              </a:ext>
+            </a:extLst>
+          </p:cNvPr>
+          <p:cNvSpPr/>
+          <p:nvPr/>
+        </p:nvSpPr>
+        <p:spPr>
+          <a:xfrm>
+            <a:off x="8062897" y="2780317"/>
+            <a:ext cx="1609751" cy="451691"/>
+          </a:xfrm>
+          <a:prstGeom prst="roundRect">
+            <a:avLst/>
+          </a:prstGeom>
+        </p:spPr>
+        <p:style>
+          <a:lnRef idx="2">
+            <a:schemeClr val="accent1">
+              <a:shade val="15000"/>
+            </a:schemeClr>
+          </a:lnRef>
+          <a:fillRef idx="1">
+            <a:schemeClr val="accent1"/>
+          </a:fillRef>
+          <a:effectRef idx="0">
+            <a:schemeClr val="accent1"/>
+          </a:effectRef>
+          <a:fontRef idx="minor">
+            <a:schemeClr val="lt1"/>
+          </a:fontRef>
+        </p:style>
+        <p:txBody>
+          <a:bodyPr rtlCol="0" anchor="ctr"/>
+          <a:lstStyle/>
+          <a:p>
+            <a:pPr algn="ctr"/>
+            <a:r>
+              <a:rPr lang="de-DE" dirty="0" err="1"/>
+              <a:t>Invoker</a:t>
+            </a:r>
+            <a:endParaRPr lang="en-US" dirty="0"/>
+          </a:p>
+        </p:txBody>
+      </p:sp>
+      <p:sp>
+        <p:nvSpPr>
+          <p:cNvPr id="30" name="Rectangle: Rounded Corners 29">
+            <a:extLst>
+              <a:ext uri="{FF2B5EF4-FFF2-40B4-BE49-F238E27FC236}">
+                <a16:creationId xmlns:a16="http://schemas.microsoft.com/office/drawing/2014/main" id="{720D7FE3-470F-1C83-E69E-4AE166A494A6}"/>
+              </a:ext>
+            </a:extLst>
+          </p:cNvPr>
+          <p:cNvSpPr/>
+          <p:nvPr/>
+        </p:nvSpPr>
+        <p:spPr>
+          <a:xfrm>
+            <a:off x="8062898" y="1955234"/>
+            <a:ext cx="1609751" cy="451691"/>
+          </a:xfrm>
+          <a:prstGeom prst="roundRect">
+            <a:avLst/>
+          </a:prstGeom>
+        </p:spPr>
+        <p:style>
+          <a:lnRef idx="2">
+            <a:schemeClr val="accent1">
+              <a:shade val="15000"/>
+            </a:schemeClr>
+          </a:lnRef>
+          <a:fillRef idx="1">
+            <a:schemeClr val="accent1"/>
+          </a:fillRef>
+          <a:effectRef idx="0">
+            <a:schemeClr val="accent1"/>
+          </a:effectRef>
+          <a:fontRef idx="minor">
+            <a:schemeClr val="lt1"/>
+          </a:fontRef>
+        </p:style>
+        <p:txBody>
+          <a:bodyPr rtlCol="0" anchor="ctr"/>
+          <a:lstStyle/>
+          <a:p>
+            <a:pPr algn="ctr"/>
+            <a:r>
+              <a:rPr lang="de-DE" dirty="0"/>
+              <a:t>/</a:t>
+            </a:r>
+            <a:r>
+              <a:rPr lang="de-DE" dirty="0" err="1"/>
+              <a:t>watch</a:t>
+            </a:r>
+            <a:endParaRPr lang="en-US" dirty="0"/>
+          </a:p>
+        </p:txBody>
+      </p:sp>
+      <p:sp>
+        <p:nvSpPr>
+          <p:cNvPr id="32" name="Rectangle: Rounded Corners 31">
+            <a:extLst>
+              <a:ext uri="{FF2B5EF4-FFF2-40B4-BE49-F238E27FC236}">
+                <a16:creationId xmlns:a16="http://schemas.microsoft.com/office/drawing/2014/main" id="{309D5B90-56B4-A5CD-75F5-8D86C5229CD5}"/>
+              </a:ext>
+            </a:extLst>
+          </p:cNvPr>
+          <p:cNvSpPr/>
+          <p:nvPr/>
+        </p:nvSpPr>
+        <p:spPr>
+          <a:xfrm>
+            <a:off x="10085152" y="4154538"/>
+            <a:ext cx="1609751" cy="451691"/>
+          </a:xfrm>
+          <a:prstGeom prst="roundRect">
+            <a:avLst/>
+          </a:prstGeom>
+        </p:spPr>
+        <p:style>
+          <a:lnRef idx="2">
+            <a:schemeClr val="accent1">
+              <a:shade val="15000"/>
+            </a:schemeClr>
+          </a:lnRef>
+          <a:fillRef idx="1">
+            <a:schemeClr val="accent1"/>
+          </a:fillRef>
+          <a:effectRef idx="0">
+            <a:schemeClr val="accent1"/>
+          </a:effectRef>
+          <a:fontRef idx="minor">
+            <a:schemeClr val="lt1"/>
+          </a:fontRef>
+        </p:style>
+        <p:txBody>
+          <a:bodyPr rtlCol="0" anchor="ctr"/>
+          <a:lstStyle/>
+          <a:p>
+            <a:pPr algn="ctr"/>
+            <a:r>
+              <a:rPr lang="de-DE" dirty="0"/>
+              <a:t>Media (</a:t>
+            </a:r>
+            <a:r>
+              <a:rPr lang="de-DE" dirty="0" err="1"/>
+              <a:t>vod</a:t>
+            </a:r>
+            <a:r>
+              <a:rPr lang="de-DE" dirty="0"/>
+              <a:t>)</a:t>
+            </a:r>
+            <a:endParaRPr lang="en-US" dirty="0"/>
+          </a:p>
+        </p:txBody>
+      </p:sp>
+      <p:cxnSp>
+        <p:nvCxnSpPr>
+          <p:cNvPr id="35" name="Straight Arrow Connector 34">
+            <a:extLst>
+              <a:ext uri="{FF2B5EF4-FFF2-40B4-BE49-F238E27FC236}">
+                <a16:creationId xmlns:a16="http://schemas.microsoft.com/office/drawing/2014/main" id="{A9FC3529-C40E-08B0-47D2-55077A988FE3}"/>
+              </a:ext>
+            </a:extLst>
+          </p:cNvPr>
+          <p:cNvCxnSpPr>
+            <a:stCxn id="21" idx="1"/>
+            <a:endCxn id="30" idx="3"/>
+          </p:cNvCxnSpPr>
+          <p:nvPr/>
+        </p:nvCxnSpPr>
+        <p:spPr>
+          <a:xfrm flipH="1">
+            <a:off x="9672649" y="2174982"/>
+            <a:ext cx="412503" cy="6098"/>
+          </a:xfrm>
+          <a:prstGeom prst="straightConnector1">
+            <a:avLst/>
+          </a:prstGeom>
+          <a:ln>
+            <a:tailEnd type="triangle"/>
+          </a:ln>
+        </p:spPr>
+        <p:style>
+          <a:lnRef idx="1">
+            <a:schemeClr val="accent1"/>
+          </a:lnRef>
+          <a:fillRef idx="0">
+            <a:schemeClr val="accent1"/>
+          </a:fillRef>
+          <a:effectRef idx="0">
+            <a:schemeClr val="accent1"/>
+          </a:effectRef>
+          <a:fontRef idx="minor">
+            <a:schemeClr val="tx1"/>
+          </a:fontRef>
+        </p:style>
+      </p:cxnSp>
+      <p:cxnSp>
+        <p:nvCxnSpPr>
+          <p:cNvPr id="40" name="Straight Arrow Connector 39">
+            <a:extLst>
+              <a:ext uri="{FF2B5EF4-FFF2-40B4-BE49-F238E27FC236}">
+                <a16:creationId xmlns:a16="http://schemas.microsoft.com/office/drawing/2014/main" id="{45E1F56A-11F4-345B-6E9C-AFAFABA47500}"/>
+              </a:ext>
+            </a:extLst>
+          </p:cNvPr>
+          <p:cNvCxnSpPr>
+            <a:stCxn id="8" idx="3"/>
+            <a:endCxn id="30" idx="1"/>
+          </p:cNvCxnSpPr>
+          <p:nvPr/>
+        </p:nvCxnSpPr>
+        <p:spPr>
+          <a:xfrm>
+            <a:off x="5698789" y="2181080"/>
+            <a:ext cx="2364109" cy="0"/>
+          </a:xfrm>
+          <a:prstGeom prst="straightConnector1">
+            <a:avLst/>
+          </a:prstGeom>
+          <a:ln>
+            <a:tailEnd type="triangle"/>
+          </a:ln>
+        </p:spPr>
+        <p:style>
+          <a:lnRef idx="1">
+            <a:schemeClr val="accent1"/>
+          </a:lnRef>
+          <a:fillRef idx="0">
+            <a:schemeClr val="accent1"/>
+          </a:fillRef>
+          <a:effectRef idx="0">
+            <a:schemeClr val="accent1"/>
+          </a:effectRef>
+          <a:fontRef idx="minor">
+            <a:schemeClr val="tx1"/>
+          </a:fontRef>
+        </p:style>
+      </p:cxnSp>
+      <p:sp>
+        <p:nvSpPr>
+          <p:cNvPr id="42" name="Rectangle: Rounded Corners 41">
+            <a:extLst>
+              <a:ext uri="{FF2B5EF4-FFF2-40B4-BE49-F238E27FC236}">
+                <a16:creationId xmlns:a16="http://schemas.microsoft.com/office/drawing/2014/main" id="{A169E7CD-2D2D-C100-837F-C3C22FEAEAAA}"/>
+              </a:ext>
+            </a:extLst>
+          </p:cNvPr>
+          <p:cNvSpPr/>
+          <p:nvPr/>
+        </p:nvSpPr>
+        <p:spPr>
+          <a:xfrm>
+            <a:off x="6040643" y="2780317"/>
+            <a:ext cx="1609751" cy="451691"/>
+          </a:xfrm>
+          <a:prstGeom prst="roundRect">
+            <a:avLst/>
+          </a:prstGeom>
+        </p:spPr>
+        <p:style>
+          <a:lnRef idx="2">
+            <a:schemeClr val="accent1">
+              <a:shade val="15000"/>
+            </a:schemeClr>
+          </a:lnRef>
+          <a:fillRef idx="1">
+            <a:schemeClr val="accent1"/>
+          </a:fillRef>
+          <a:effectRef idx="0">
+            <a:schemeClr val="accent1"/>
+          </a:effectRef>
+          <a:fontRef idx="minor">
+            <a:schemeClr val="lt1"/>
+          </a:fontRef>
+        </p:style>
+        <p:txBody>
+          <a:bodyPr rtlCol="0" anchor="ctr"/>
+          <a:lstStyle/>
+          <a:p>
+            <a:pPr algn="ctr"/>
+            <a:r>
+              <a:rPr lang="de-DE" dirty="0" err="1"/>
+              <a:t>runInit</a:t>
+            </a:r>
+            <a:endParaRPr lang="en-US" dirty="0"/>
+          </a:p>
+        </p:txBody>
+      </p:sp>
+      <p:cxnSp>
+        <p:nvCxnSpPr>
+          <p:cNvPr id="48" name="Straight Arrow Connector 47">
+            <a:extLst>
+              <a:ext uri="{FF2B5EF4-FFF2-40B4-BE49-F238E27FC236}">
+                <a16:creationId xmlns:a16="http://schemas.microsoft.com/office/drawing/2014/main" id="{467BF9F7-8D40-567F-898B-C0F052753883}"/>
+              </a:ext>
+            </a:extLst>
+          </p:cNvPr>
+          <p:cNvCxnSpPr>
+            <a:stCxn id="27" idx="1"/>
+            <a:endCxn id="42" idx="3"/>
+          </p:cNvCxnSpPr>
+          <p:nvPr/>
+        </p:nvCxnSpPr>
+        <p:spPr>
+          <a:xfrm flipH="1">
+            <a:off x="7650394" y="3006163"/>
+            <a:ext cx="412503" cy="0"/>
+          </a:xfrm>
+          <a:prstGeom prst="straightConnector1">
+            <a:avLst/>
+          </a:prstGeom>
+          <a:ln>
+            <a:tailEnd type="triangle"/>
+          </a:ln>
+        </p:spPr>
+        <p:style>
+          <a:lnRef idx="1">
+            <a:schemeClr val="accent1"/>
+          </a:lnRef>
+          <a:fillRef idx="0">
+            <a:schemeClr val="accent1"/>
+          </a:fillRef>
+          <a:effectRef idx="0">
+            <a:schemeClr val="accent1"/>
+          </a:effectRef>
+          <a:fontRef idx="minor">
+            <a:schemeClr val="tx1"/>
+          </a:fontRef>
+        </p:style>
+      </p:cxnSp>
+      <p:sp>
+        <p:nvSpPr>
+          <p:cNvPr id="49" name="Rectangle: Rounded Corners 48">
+            <a:extLst>
+              <a:ext uri="{FF2B5EF4-FFF2-40B4-BE49-F238E27FC236}">
+                <a16:creationId xmlns:a16="http://schemas.microsoft.com/office/drawing/2014/main" id="{C7DF4F09-1682-3621-CE73-07269C0094AA}"/>
+              </a:ext>
+            </a:extLst>
+          </p:cNvPr>
+          <p:cNvSpPr/>
+          <p:nvPr/>
+        </p:nvSpPr>
+        <p:spPr>
+          <a:xfrm>
+            <a:off x="6040642" y="3467428"/>
+            <a:ext cx="1609751" cy="451691"/>
+          </a:xfrm>
+          <a:prstGeom prst="roundRect">
+            <a:avLst/>
+          </a:prstGeom>
+        </p:spPr>
+        <p:style>
+          <a:lnRef idx="2">
+            <a:schemeClr val="accent1">
+              <a:shade val="15000"/>
+            </a:schemeClr>
+          </a:lnRef>
+          <a:fillRef idx="1">
+            <a:schemeClr val="accent1"/>
+          </a:fillRef>
+          <a:effectRef idx="0">
+            <a:schemeClr val="accent1"/>
+          </a:effectRef>
+          <a:fontRef idx="minor">
+            <a:schemeClr val="lt1"/>
+          </a:fontRef>
+        </p:style>
+        <p:txBody>
+          <a:bodyPr rtlCol="0" anchor="ctr"/>
+          <a:lstStyle/>
+          <a:p>
+            <a:pPr algn="ctr"/>
+            <a:r>
+              <a:rPr lang="de-DE" dirty="0" err="1"/>
+              <a:t>runAudio</a:t>
+            </a:r>
+            <a:endParaRPr lang="en-US" dirty="0"/>
+          </a:p>
+        </p:txBody>
+      </p:sp>
+      <p:sp>
+        <p:nvSpPr>
+          <p:cNvPr id="50" name="Rectangle: Rounded Corners 49">
+            <a:extLst>
+              <a:ext uri="{FF2B5EF4-FFF2-40B4-BE49-F238E27FC236}">
+                <a16:creationId xmlns:a16="http://schemas.microsoft.com/office/drawing/2014/main" id="{076965C0-2967-0786-1B45-5DCF7F1DEACB}"/>
+              </a:ext>
+            </a:extLst>
+          </p:cNvPr>
+          <p:cNvSpPr/>
+          <p:nvPr/>
+        </p:nvSpPr>
+        <p:spPr>
+          <a:xfrm>
+            <a:off x="6040641" y="4154539"/>
+            <a:ext cx="1609751" cy="451691"/>
+          </a:xfrm>
+          <a:prstGeom prst="roundRect">
+            <a:avLst/>
+          </a:prstGeom>
+        </p:spPr>
+        <p:style>
+          <a:lnRef idx="2">
+            <a:schemeClr val="accent1">
+              <a:shade val="15000"/>
+            </a:schemeClr>
+          </a:lnRef>
+          <a:fillRef idx="1">
+            <a:schemeClr val="accent1"/>
+          </a:fillRef>
+          <a:effectRef idx="0">
+            <a:schemeClr val="accent1"/>
+          </a:effectRef>
+          <a:fontRef idx="minor">
+            <a:schemeClr val="lt1"/>
+          </a:fontRef>
+        </p:style>
+        <p:txBody>
+          <a:bodyPr rtlCol="0" anchor="ctr"/>
+          <a:lstStyle/>
+          <a:p>
+            <a:pPr algn="ctr"/>
+            <a:r>
+              <a:rPr lang="de-DE" dirty="0" err="1"/>
+              <a:t>runVideo</a:t>
+            </a:r>
+            <a:endParaRPr lang="en-US" dirty="0"/>
+          </a:p>
+        </p:txBody>
+      </p:sp>
+      <p:cxnSp>
+        <p:nvCxnSpPr>
+          <p:cNvPr id="54" name="Straight Arrow Connector 53">
+            <a:extLst>
+              <a:ext uri="{FF2B5EF4-FFF2-40B4-BE49-F238E27FC236}">
+                <a16:creationId xmlns:a16="http://schemas.microsoft.com/office/drawing/2014/main" id="{49418A49-3D71-C21D-F1F7-4BD14D8AE9D4}"/>
+              </a:ext>
+            </a:extLst>
+          </p:cNvPr>
+          <p:cNvCxnSpPr>
+            <a:stCxn id="27" idx="1"/>
+            <a:endCxn id="49" idx="3"/>
+          </p:cNvCxnSpPr>
+          <p:nvPr/>
+        </p:nvCxnSpPr>
+        <p:spPr>
+          <a:xfrm flipH="1">
+            <a:off x="7650393" y="3006163"/>
+            <a:ext cx="412504" cy="687111"/>
+          </a:xfrm>
+          <a:prstGeom prst="straightConnector1">
+            <a:avLst/>
+          </a:prstGeom>
+          <a:ln>
+            <a:tailEnd type="triangle"/>
+          </a:ln>
+        </p:spPr>
+        <p:style>
+          <a:lnRef idx="1">
+            <a:schemeClr val="accent1"/>
+          </a:lnRef>
+          <a:fillRef idx="0">
+            <a:schemeClr val="accent1"/>
+          </a:fillRef>
+          <a:effectRef idx="0">
+            <a:schemeClr val="accent1"/>
+          </a:effectRef>
+          <a:fontRef idx="minor">
+            <a:schemeClr val="tx1"/>
+          </a:fontRef>
+        </p:style>
+      </p:cxnSp>
+      <p:cxnSp>
+        <p:nvCxnSpPr>
+          <p:cNvPr id="56" name="Straight Arrow Connector 55">
+            <a:extLst>
+              <a:ext uri="{FF2B5EF4-FFF2-40B4-BE49-F238E27FC236}">
+                <a16:creationId xmlns:a16="http://schemas.microsoft.com/office/drawing/2014/main" id="{5A0F352D-95FD-2B64-70DC-38E50FDE0AC5}"/>
+              </a:ext>
+            </a:extLst>
+          </p:cNvPr>
+          <p:cNvCxnSpPr>
+            <a:stCxn id="27" idx="1"/>
+            <a:endCxn id="50" idx="3"/>
+          </p:cNvCxnSpPr>
+          <p:nvPr/>
+        </p:nvCxnSpPr>
+        <p:spPr>
+          <a:xfrm flipH="1">
+            <a:off x="7650392" y="3006163"/>
+            <a:ext cx="412505" cy="1374222"/>
+          </a:xfrm>
+          <a:prstGeom prst="straightConnector1">
+            <a:avLst/>
+          </a:prstGeom>
+          <a:ln>
+            <a:tailEnd type="triangle"/>
+          </a:ln>
+        </p:spPr>
+        <p:style>
+          <a:lnRef idx="1">
+            <a:schemeClr val="accent1"/>
+          </a:lnRef>
+          <a:fillRef idx="0">
+            <a:schemeClr val="accent1"/>
+          </a:fillRef>
+          <a:effectRef idx="0">
+            <a:schemeClr val="accent1"/>
+          </a:effectRef>
+          <a:fontRef idx="minor">
+            <a:schemeClr val="tx1"/>
+          </a:fontRef>
+        </p:style>
+      </p:cxnSp>
+      <p:cxnSp>
+        <p:nvCxnSpPr>
+          <p:cNvPr id="58" name="Straight Arrow Connector 57">
+            <a:extLst>
+              <a:ext uri="{FF2B5EF4-FFF2-40B4-BE49-F238E27FC236}">
+                <a16:creationId xmlns:a16="http://schemas.microsoft.com/office/drawing/2014/main" id="{4746BA09-5392-4900-F4BB-C4396C926A08}"/>
+              </a:ext>
+            </a:extLst>
+          </p:cNvPr>
+          <p:cNvCxnSpPr>
+            <a:stCxn id="21" idx="2"/>
+            <a:endCxn id="32" idx="0"/>
+          </p:cNvCxnSpPr>
+          <p:nvPr/>
+        </p:nvCxnSpPr>
+        <p:spPr>
+          <a:xfrm>
+            <a:off x="10890028" y="2400827"/>
+            <a:ext cx="0" cy="1753711"/>
+          </a:xfrm>
+          <a:prstGeom prst="straightConnector1">
+            <a:avLst/>
+          </a:prstGeom>
+          <a:ln>
+            <a:tailEnd type="triangle"/>
+          </a:ln>
+        </p:spPr>
+        <p:style>
+          <a:lnRef idx="1">
+            <a:schemeClr val="accent1"/>
+          </a:lnRef>
+          <a:fillRef idx="0">
+            <a:schemeClr val="accent1"/>
+          </a:fillRef>
+          <a:effectRef idx="0">
+            <a:schemeClr val="accent1"/>
+          </a:effectRef>
+          <a:fontRef idx="minor">
+            <a:schemeClr val="tx1"/>
+          </a:fontRef>
+        </p:style>
+      </p:cxnSp>
+      <p:sp>
+        <p:nvSpPr>
+          <p:cNvPr id="61" name="TextBox 60">
+            <a:extLst>
+              <a:ext uri="{FF2B5EF4-FFF2-40B4-BE49-F238E27FC236}">
+                <a16:creationId xmlns:a16="http://schemas.microsoft.com/office/drawing/2014/main" id="{4E7DAA6C-7B43-7B42-C537-2DF78EB09FD9}"/>
+              </a:ext>
+            </a:extLst>
+          </p:cNvPr>
+          <p:cNvSpPr txBox="1"/>
+          <p:nvPr/>
+        </p:nvSpPr>
+        <p:spPr>
+          <a:xfrm>
+            <a:off x="10890028" y="2774218"/>
+            <a:ext cx="1219200" cy="369332"/>
+          </a:xfrm>
+          <a:prstGeom prst="rect">
+            <a:avLst/>
+          </a:prstGeom>
+          <a:noFill/>
+        </p:spPr>
+        <p:txBody>
+          <a:bodyPr wrap="square" rtlCol="0">
+            <a:spAutoFit/>
+          </a:bodyPr>
+          <a:lstStyle/>
+          <a:p>
+            <a:r>
+              <a:rPr lang="de-DE" dirty="0" err="1"/>
+              <a:t>Provides</a:t>
+            </a:r>
+            <a:endParaRPr lang="en-US" dirty="0"/>
+          </a:p>
+        </p:txBody>
+      </p:sp>
+      <p:cxnSp>
+        <p:nvCxnSpPr>
+          <p:cNvPr id="66" name="Connector: Elbow 65">
+            <a:extLst>
+              <a:ext uri="{FF2B5EF4-FFF2-40B4-BE49-F238E27FC236}">
+                <a16:creationId xmlns:a16="http://schemas.microsoft.com/office/drawing/2014/main" id="{E5538358-FFAA-D470-6DF5-82F8873238FF}"/>
+              </a:ext>
+            </a:extLst>
+          </p:cNvPr>
+          <p:cNvCxnSpPr>
+            <a:stCxn id="27" idx="3"/>
+            <a:endCxn id="32" idx="1"/>
+          </p:cNvCxnSpPr>
+          <p:nvPr/>
+        </p:nvCxnSpPr>
+        <p:spPr>
+          <a:xfrm>
+            <a:off x="9672648" y="3006163"/>
+            <a:ext cx="412504" cy="1374221"/>
+          </a:xfrm>
+          <a:prstGeom prst="bentConnector3">
+            <a:avLst/>
+          </a:prstGeom>
+          <a:ln>
+            <a:tailEnd type="triangle"/>
+          </a:ln>
+        </p:spPr>
+        <p:style>
+          <a:lnRef idx="1">
+            <a:schemeClr val="accent1"/>
+          </a:lnRef>
+          <a:fillRef idx="0">
+            <a:schemeClr val="accent1"/>
+          </a:fillRef>
+          <a:effectRef idx="0">
+            <a:schemeClr val="accent1"/>
+          </a:effectRef>
+          <a:fontRef idx="minor">
+            <a:schemeClr val="tx1"/>
+          </a:fontRef>
+        </p:style>
+      </p:cxnSp>
+      <p:sp>
+        <p:nvSpPr>
+          <p:cNvPr id="67" name="TextBox 66">
+            <a:extLst>
+              <a:ext uri="{FF2B5EF4-FFF2-40B4-BE49-F238E27FC236}">
+                <a16:creationId xmlns:a16="http://schemas.microsoft.com/office/drawing/2014/main" id="{69ED077F-39E1-B7F1-BD59-D3B9744D6080}"/>
+              </a:ext>
+            </a:extLst>
+          </p:cNvPr>
+          <p:cNvSpPr txBox="1"/>
+          <p:nvPr/>
+        </p:nvSpPr>
+        <p:spPr>
+          <a:xfrm>
+            <a:off x="9159996" y="3468067"/>
+            <a:ext cx="803054" cy="369332"/>
+          </a:xfrm>
+          <a:prstGeom prst="rect">
+            <a:avLst/>
+          </a:prstGeom>
+          <a:noFill/>
+        </p:spPr>
+        <p:txBody>
+          <a:bodyPr wrap="square" rtlCol="0">
+            <a:spAutoFit/>
+          </a:bodyPr>
+          <a:lstStyle/>
+          <a:p>
+            <a:r>
+              <a:rPr lang="de-DE" dirty="0"/>
+              <a:t>Reads</a:t>
+            </a:r>
+            <a:endParaRPr lang="en-US" dirty="0"/>
+          </a:p>
+        </p:txBody>
+      </p:sp>
+      <p:cxnSp>
+        <p:nvCxnSpPr>
+          <p:cNvPr id="69" name="Connector: Elbow 68">
+            <a:extLst>
+              <a:ext uri="{FF2B5EF4-FFF2-40B4-BE49-F238E27FC236}">
+                <a16:creationId xmlns:a16="http://schemas.microsoft.com/office/drawing/2014/main" id="{94C87F38-AB92-78AA-ECA5-F08D4F5D1E5B}"/>
+              </a:ext>
+            </a:extLst>
+          </p:cNvPr>
+          <p:cNvCxnSpPr>
+            <a:stCxn id="42" idx="1"/>
+            <a:endCxn id="8" idx="2"/>
+          </p:cNvCxnSpPr>
+          <p:nvPr/>
+        </p:nvCxnSpPr>
+        <p:spPr>
+          <a:xfrm rot="10800000">
+            <a:off x="4893915" y="2406925"/>
+            <a:ext cx="1146729" cy="599238"/>
+          </a:xfrm>
+          <a:prstGeom prst="bentConnector2">
+            <a:avLst/>
+          </a:prstGeom>
+          <a:ln>
+            <a:tailEnd type="triangle"/>
+          </a:ln>
+        </p:spPr>
+        <p:style>
+          <a:lnRef idx="1">
+            <a:schemeClr val="accent1"/>
+          </a:lnRef>
+          <a:fillRef idx="0">
+            <a:schemeClr val="accent1"/>
+          </a:fillRef>
+          <a:effectRef idx="0">
+            <a:schemeClr val="accent1"/>
+          </a:effectRef>
+          <a:fontRef idx="minor">
+            <a:schemeClr val="tx1"/>
+          </a:fontRef>
+        </p:style>
+      </p:cxnSp>
+      <p:cxnSp>
+        <p:nvCxnSpPr>
+          <p:cNvPr id="71" name="Connector: Elbow 70">
+            <a:extLst>
+              <a:ext uri="{FF2B5EF4-FFF2-40B4-BE49-F238E27FC236}">
+                <a16:creationId xmlns:a16="http://schemas.microsoft.com/office/drawing/2014/main" id="{0A45AE14-62E9-709D-2A62-D743A306C369}"/>
+              </a:ext>
+            </a:extLst>
+          </p:cNvPr>
+          <p:cNvCxnSpPr>
+            <a:stCxn id="49" idx="1"/>
+            <a:endCxn id="8" idx="2"/>
+          </p:cNvCxnSpPr>
+          <p:nvPr/>
+        </p:nvCxnSpPr>
+        <p:spPr>
+          <a:xfrm rot="10800000">
+            <a:off x="4893914" y="2406926"/>
+            <a:ext cx="1146728" cy="1286349"/>
+          </a:xfrm>
+          <a:prstGeom prst="bentConnector2">
+            <a:avLst/>
+          </a:prstGeom>
+          <a:ln>
+            <a:tailEnd type="triangle"/>
+          </a:ln>
+        </p:spPr>
+        <p:style>
+          <a:lnRef idx="1">
+            <a:schemeClr val="accent1"/>
+          </a:lnRef>
+          <a:fillRef idx="0">
+            <a:schemeClr val="accent1"/>
+          </a:fillRef>
+          <a:effectRef idx="0">
+            <a:schemeClr val="accent1"/>
+          </a:effectRef>
+          <a:fontRef idx="minor">
+            <a:schemeClr val="tx1"/>
+          </a:fontRef>
+        </p:style>
+      </p:cxnSp>
+      <p:cxnSp>
+        <p:nvCxnSpPr>
+          <p:cNvPr id="73" name="Connector: Elbow 72">
+            <a:extLst>
+              <a:ext uri="{FF2B5EF4-FFF2-40B4-BE49-F238E27FC236}">
+                <a16:creationId xmlns:a16="http://schemas.microsoft.com/office/drawing/2014/main" id="{102EF599-01A6-095E-A0D7-A030DDCDD3C1}"/>
+              </a:ext>
+            </a:extLst>
+          </p:cNvPr>
+          <p:cNvCxnSpPr>
+            <a:stCxn id="50" idx="1"/>
+            <a:endCxn id="8" idx="2"/>
+          </p:cNvCxnSpPr>
+          <p:nvPr/>
+        </p:nvCxnSpPr>
+        <p:spPr>
+          <a:xfrm rot="10800000">
+            <a:off x="4893915" y="2406925"/>
+            <a:ext cx="1146727" cy="1973460"/>
+          </a:xfrm>
+          <a:prstGeom prst="bentConnector2">
+            <a:avLst/>
+          </a:prstGeom>
+          <a:ln>
+            <a:tailEnd type="triangle"/>
+          </a:ln>
+        </p:spPr>
+        <p:style>
+          <a:lnRef idx="1">
+            <a:schemeClr val="accent1"/>
+          </a:lnRef>
+          <a:fillRef idx="0">
+            <a:schemeClr val="accent1"/>
+          </a:fillRef>
+          <a:effectRef idx="0">
+            <a:schemeClr val="accent1"/>
+          </a:effectRef>
+          <a:fontRef idx="minor">
+            <a:schemeClr val="tx1"/>
+          </a:fontRef>
+        </p:style>
+      </p:cxnSp>
+      <p:sp>
+        <p:nvSpPr>
+          <p:cNvPr id="74" name="TextBox 73">
+            <a:extLst>
+              <a:ext uri="{FF2B5EF4-FFF2-40B4-BE49-F238E27FC236}">
+                <a16:creationId xmlns:a16="http://schemas.microsoft.com/office/drawing/2014/main" id="{2CA1F27A-DE7A-F5BB-5303-84758D4E269D}"/>
+              </a:ext>
+            </a:extLst>
+          </p:cNvPr>
+          <p:cNvSpPr txBox="1"/>
+          <p:nvPr/>
+        </p:nvSpPr>
+        <p:spPr>
+          <a:xfrm>
+            <a:off x="4883815" y="3050101"/>
+            <a:ext cx="1488643" cy="646331"/>
+          </a:xfrm>
+          <a:prstGeom prst="rect">
+            <a:avLst/>
+          </a:prstGeom>
+          <a:noFill/>
+        </p:spPr>
+        <p:txBody>
+          <a:bodyPr wrap="square" rtlCol="0">
+            <a:spAutoFit/>
+          </a:bodyPr>
+          <a:lstStyle/>
+          <a:p>
+            <a:r>
+              <a:rPr lang="de-DE" dirty="0" err="1">
+                <a:highlight>
+                  <a:srgbClr val="FFFFFF"/>
+                </a:highlight>
+              </a:rPr>
+              <a:t>One</a:t>
+            </a:r>
+            <a:r>
+              <a:rPr lang="de-DE" dirty="0">
+                <a:highlight>
+                  <a:srgbClr val="FFFFFF"/>
+                </a:highlight>
+              </a:rPr>
+              <a:t> Segment per Stream</a:t>
+            </a:r>
+            <a:endParaRPr lang="en-US" dirty="0">
+              <a:highlight>
+                <a:srgbClr val="FFFFFF"/>
+              </a:highlight>
+            </a:endParaRPr>
+          </a:p>
+        </p:txBody>
+      </p:sp>
+      <p:sp>
+        <p:nvSpPr>
+          <p:cNvPr id="75" name="TextBox 74">
+            <a:extLst>
+              <a:ext uri="{FF2B5EF4-FFF2-40B4-BE49-F238E27FC236}">
+                <a16:creationId xmlns:a16="http://schemas.microsoft.com/office/drawing/2014/main" id="{263DEED7-FE42-0B1E-2081-00BFD0D34F3B}"/>
+              </a:ext>
+            </a:extLst>
+          </p:cNvPr>
+          <p:cNvSpPr txBox="1"/>
+          <p:nvPr/>
+        </p:nvSpPr>
+        <p:spPr>
+          <a:xfrm>
+            <a:off x="6246564" y="1898910"/>
+            <a:ext cx="1061975" cy="369332"/>
+          </a:xfrm>
+          <a:prstGeom prst="rect">
+            <a:avLst/>
+          </a:prstGeom>
+          <a:noFill/>
+        </p:spPr>
+        <p:txBody>
+          <a:bodyPr wrap="square" rtlCol="0">
+            <a:spAutoFit/>
+          </a:bodyPr>
+          <a:lstStyle/>
+          <a:p>
+            <a:r>
+              <a:rPr lang="de-DE" dirty="0"/>
+              <a:t>Connect</a:t>
+            </a:r>
+            <a:endParaRPr lang="en-US" dirty="0"/>
+          </a:p>
+        </p:txBody>
+      </p:sp>
+      <p:cxnSp>
+        <p:nvCxnSpPr>
+          <p:cNvPr id="77" name="Straight Arrow Connector 76">
+            <a:extLst>
+              <a:ext uri="{FF2B5EF4-FFF2-40B4-BE49-F238E27FC236}">
+                <a16:creationId xmlns:a16="http://schemas.microsoft.com/office/drawing/2014/main" id="{58F9C9F5-7C1E-C60D-65A0-D36C5737FE2C}"/>
+              </a:ext>
+            </a:extLst>
+          </p:cNvPr>
+          <p:cNvCxnSpPr>
+            <a:stCxn id="30" idx="2"/>
+            <a:endCxn id="27" idx="0"/>
+          </p:cNvCxnSpPr>
+          <p:nvPr/>
+        </p:nvCxnSpPr>
+        <p:spPr>
+          <a:xfrm flipH="1">
+            <a:off x="8867773" y="2406925"/>
+            <a:ext cx="1" cy="373392"/>
+          </a:xfrm>
+          <a:prstGeom prst="straightConnector1">
+            <a:avLst/>
+          </a:prstGeom>
+          <a:ln>
+            <a:tailEnd type="triangle"/>
+          </a:ln>
+        </p:spPr>
+        <p:style>
+          <a:lnRef idx="1">
+            <a:schemeClr val="accent1"/>
+          </a:lnRef>
+          <a:fillRef idx="0">
+            <a:schemeClr val="accent1"/>
+          </a:fillRef>
+          <a:effectRef idx="0">
+            <a:schemeClr val="accent1"/>
+          </a:effectRef>
+          <a:fontRef idx="minor">
+            <a:schemeClr val="tx1"/>
+          </a:fontRef>
+        </p:style>
+      </p:cxnSp>
+      <p:sp>
+        <p:nvSpPr>
+          <p:cNvPr id="78" name="TextBox 77">
+            <a:extLst>
+              <a:ext uri="{FF2B5EF4-FFF2-40B4-BE49-F238E27FC236}">
+                <a16:creationId xmlns:a16="http://schemas.microsoft.com/office/drawing/2014/main" id="{2866A5DD-E88A-BAA6-0768-17A7CAF37491}"/>
+              </a:ext>
+            </a:extLst>
+          </p:cNvPr>
+          <p:cNvSpPr txBox="1"/>
+          <p:nvPr/>
+        </p:nvSpPr>
+        <p:spPr>
+          <a:xfrm>
+            <a:off x="8867775" y="2406926"/>
+            <a:ext cx="1217377" cy="369332"/>
+          </a:xfrm>
+          <a:prstGeom prst="rect">
+            <a:avLst/>
+          </a:prstGeom>
+          <a:noFill/>
+        </p:spPr>
+        <p:txBody>
+          <a:bodyPr wrap="square" rtlCol="0">
+            <a:spAutoFit/>
+          </a:bodyPr>
+          <a:lstStyle/>
+          <a:p>
+            <a:r>
+              <a:rPr lang="de-DE" dirty="0"/>
+              <a:t>Runs</a:t>
+            </a:r>
+            <a:endParaRPr lang="en-US" dirty="0"/>
+          </a:p>
+        </p:txBody>
+      </p:sp>
+      <p:sp>
+        <p:nvSpPr>
+          <p:cNvPr id="79" name="Rectangle: Rounded Corners 78">
+            <a:extLst>
+              <a:ext uri="{FF2B5EF4-FFF2-40B4-BE49-F238E27FC236}">
+                <a16:creationId xmlns:a16="http://schemas.microsoft.com/office/drawing/2014/main" id="{E261B6B9-469B-C68F-E301-01850C7F3388}"/>
+              </a:ext>
+            </a:extLst>
+          </p:cNvPr>
+          <p:cNvSpPr/>
+          <p:nvPr/>
+        </p:nvSpPr>
+        <p:spPr>
+          <a:xfrm>
+            <a:off x="2164260" y="3472133"/>
+            <a:ext cx="1609751" cy="451691"/>
+          </a:xfrm>
+          <a:prstGeom prst="roundRect">
+            <a:avLst/>
+          </a:prstGeom>
+        </p:spPr>
+        <p:style>
+          <a:lnRef idx="2">
+            <a:schemeClr val="accent1">
+              <a:shade val="15000"/>
+            </a:schemeClr>
+          </a:lnRef>
+          <a:fillRef idx="1">
+            <a:schemeClr val="accent1"/>
+          </a:fillRef>
+          <a:effectRef idx="0">
+            <a:schemeClr val="accent1"/>
+          </a:effectRef>
+          <a:fontRef idx="minor">
+            <a:schemeClr val="lt1"/>
+          </a:fontRef>
+        </p:style>
+        <p:txBody>
+          <a:bodyPr rtlCol="0" anchor="ctr"/>
+          <a:lstStyle/>
+          <a:p>
+            <a:pPr algn="ctr"/>
+            <a:r>
+              <a:rPr lang="de-DE" dirty="0"/>
+              <a:t>Audio Decoder</a:t>
+            </a:r>
+            <a:endParaRPr lang="en-US" dirty="0"/>
+          </a:p>
+        </p:txBody>
+      </p:sp>
+      <p:sp>
+        <p:nvSpPr>
+          <p:cNvPr id="80" name="Rectangle: Rounded Corners 79">
+            <a:extLst>
+              <a:ext uri="{FF2B5EF4-FFF2-40B4-BE49-F238E27FC236}">
+                <a16:creationId xmlns:a16="http://schemas.microsoft.com/office/drawing/2014/main" id="{B470A5F7-DF6C-72E3-7729-86F221857F25}"/>
+              </a:ext>
+            </a:extLst>
+          </p:cNvPr>
+          <p:cNvSpPr/>
+          <p:nvPr/>
+        </p:nvSpPr>
+        <p:spPr>
+          <a:xfrm>
+            <a:off x="2165619" y="5179180"/>
+            <a:ext cx="1609751" cy="451691"/>
+          </a:xfrm>
+          <a:prstGeom prst="roundRect">
+            <a:avLst/>
+          </a:prstGeom>
+        </p:spPr>
+        <p:style>
+          <a:lnRef idx="2">
+            <a:schemeClr val="accent1">
+              <a:shade val="15000"/>
+            </a:schemeClr>
+          </a:lnRef>
+          <a:fillRef idx="1">
+            <a:schemeClr val="accent1"/>
+          </a:fillRef>
+          <a:effectRef idx="0">
+            <a:schemeClr val="accent1"/>
+          </a:effectRef>
+          <a:fontRef idx="minor">
+            <a:schemeClr val="lt1"/>
+          </a:fontRef>
+        </p:style>
+        <p:txBody>
+          <a:bodyPr rtlCol="0" anchor="ctr"/>
+          <a:lstStyle/>
+          <a:p>
+            <a:pPr algn="ctr"/>
+            <a:r>
+              <a:rPr lang="de-DE" dirty="0" err="1"/>
+              <a:t>WebAudio</a:t>
+            </a:r>
+            <a:endParaRPr lang="en-US" dirty="0"/>
+          </a:p>
+        </p:txBody>
+      </p:sp>
+      <p:cxnSp>
+        <p:nvCxnSpPr>
+          <p:cNvPr id="82" name="Straight Connector 81">
+            <a:extLst>
+              <a:ext uri="{FF2B5EF4-FFF2-40B4-BE49-F238E27FC236}">
+                <a16:creationId xmlns:a16="http://schemas.microsoft.com/office/drawing/2014/main" id="{6A413B85-EAD2-F8DA-D6C4-57730BFDAEC2}"/>
+              </a:ext>
+            </a:extLst>
+          </p:cNvPr>
+          <p:cNvCxnSpPr>
+            <a:stCxn id="8" idx="1"/>
+            <a:endCxn id="23" idx="3"/>
+          </p:cNvCxnSpPr>
+          <p:nvPr/>
+        </p:nvCxnSpPr>
+        <p:spPr>
+          <a:xfrm flipH="1">
+            <a:off x="2102570" y="2181080"/>
+            <a:ext cx="1986468" cy="1"/>
+          </a:xfrm>
+          <a:prstGeom prst="line">
+            <a:avLst/>
+          </a:prstGeom>
+        </p:spPr>
+        <p:style>
+          <a:lnRef idx="1">
+            <a:schemeClr val="accent1"/>
+          </a:lnRef>
+          <a:fillRef idx="0">
+            <a:schemeClr val="accent1"/>
+          </a:fillRef>
+          <a:effectRef idx="0">
+            <a:schemeClr val="accent1"/>
+          </a:effectRef>
+          <a:fontRef idx="minor">
+            <a:schemeClr val="tx1"/>
+          </a:fontRef>
+        </p:style>
+      </p:cxnSp>
+      <p:cxnSp>
+        <p:nvCxnSpPr>
+          <p:cNvPr id="84" name="Connector: Elbow 83">
+            <a:extLst>
+              <a:ext uri="{FF2B5EF4-FFF2-40B4-BE49-F238E27FC236}">
+                <a16:creationId xmlns:a16="http://schemas.microsoft.com/office/drawing/2014/main" id="{33928EA0-F251-BC9A-75D5-3333B82661C2}"/>
+              </a:ext>
+            </a:extLst>
+          </p:cNvPr>
+          <p:cNvCxnSpPr>
+            <a:stCxn id="8" idx="1"/>
+            <a:endCxn id="79" idx="0"/>
+          </p:cNvCxnSpPr>
+          <p:nvPr/>
+        </p:nvCxnSpPr>
+        <p:spPr>
+          <a:xfrm rot="10800000" flipV="1">
+            <a:off x="2969136" y="2181079"/>
+            <a:ext cx="1119902" cy="1291053"/>
+          </a:xfrm>
+          <a:prstGeom prst="bentConnector2">
+            <a:avLst/>
+          </a:prstGeom>
+          <a:ln>
+            <a:tailEnd type="triangle"/>
+          </a:ln>
+        </p:spPr>
+        <p:style>
+          <a:lnRef idx="1">
+            <a:schemeClr val="accent1"/>
+          </a:lnRef>
+          <a:fillRef idx="0">
+            <a:schemeClr val="accent1"/>
+          </a:fillRef>
+          <a:effectRef idx="0">
+            <a:schemeClr val="accent1"/>
+          </a:effectRef>
+          <a:fontRef idx="minor">
+            <a:schemeClr val="tx1"/>
+          </a:fontRef>
+        </p:style>
+      </p:cxnSp>
+      <p:sp>
+        <p:nvSpPr>
+          <p:cNvPr id="85" name="TextBox 84">
+            <a:extLst>
+              <a:ext uri="{FF2B5EF4-FFF2-40B4-BE49-F238E27FC236}">
+                <a16:creationId xmlns:a16="http://schemas.microsoft.com/office/drawing/2014/main" id="{A2DE16B9-FD2F-6057-C946-77AC6695B47F}"/>
+              </a:ext>
+            </a:extLst>
+          </p:cNvPr>
+          <p:cNvSpPr txBox="1"/>
+          <p:nvPr/>
+        </p:nvSpPr>
+        <p:spPr>
+          <a:xfrm>
+            <a:off x="2526621" y="1878787"/>
+            <a:ext cx="1056853" cy="369332"/>
+          </a:xfrm>
+          <a:prstGeom prst="rect">
+            <a:avLst/>
+          </a:prstGeom>
+          <a:noFill/>
+        </p:spPr>
+        <p:txBody>
+          <a:bodyPr wrap="square" rtlCol="0">
+            <a:spAutoFit/>
+          </a:bodyPr>
+          <a:lstStyle/>
+          <a:p>
+            <a:r>
+              <a:rPr lang="de-DE" dirty="0"/>
+              <a:t>Forwards</a:t>
+            </a:r>
+            <a:endParaRPr lang="en-US" dirty="0"/>
+          </a:p>
+        </p:txBody>
+      </p:sp>
+      <p:cxnSp>
+        <p:nvCxnSpPr>
+          <p:cNvPr id="87" name="Straight Arrow Connector 86">
+            <a:extLst>
+              <a:ext uri="{FF2B5EF4-FFF2-40B4-BE49-F238E27FC236}">
+                <a16:creationId xmlns:a16="http://schemas.microsoft.com/office/drawing/2014/main" id="{C27340CF-1F86-1424-A6BB-2C9F0E8F9134}"/>
+              </a:ext>
+            </a:extLst>
+          </p:cNvPr>
+          <p:cNvCxnSpPr>
+            <a:stCxn id="79" idx="2"/>
+            <a:endCxn id="80" idx="0"/>
+          </p:cNvCxnSpPr>
+          <p:nvPr/>
+        </p:nvCxnSpPr>
+        <p:spPr>
+          <a:xfrm>
+            <a:off x="2969136" y="3923824"/>
+            <a:ext cx="1359" cy="1255356"/>
+          </a:xfrm>
+          <a:prstGeom prst="straightConnector1">
+            <a:avLst/>
+          </a:prstGeom>
+          <a:ln>
+            <a:tailEnd type="triangle"/>
+          </a:ln>
+        </p:spPr>
+        <p:style>
+          <a:lnRef idx="1">
+            <a:schemeClr val="accent1"/>
+          </a:lnRef>
+          <a:fillRef idx="0">
+            <a:schemeClr val="accent1"/>
+          </a:fillRef>
+          <a:effectRef idx="0">
+            <a:schemeClr val="accent1"/>
+          </a:effectRef>
+          <a:fontRef idx="minor">
+            <a:schemeClr val="tx1"/>
+          </a:fontRef>
+        </p:style>
+      </p:cxnSp>
+      <p:cxnSp>
+        <p:nvCxnSpPr>
+          <p:cNvPr id="89" name="Straight Arrow Connector 88">
+            <a:extLst>
+              <a:ext uri="{FF2B5EF4-FFF2-40B4-BE49-F238E27FC236}">
+                <a16:creationId xmlns:a16="http://schemas.microsoft.com/office/drawing/2014/main" id="{22C9AC76-D314-0DD4-0EEE-BCCE39B55714}"/>
+              </a:ext>
+            </a:extLst>
+          </p:cNvPr>
+          <p:cNvCxnSpPr>
+            <a:stCxn id="23" idx="2"/>
+            <a:endCxn id="26" idx="0"/>
+          </p:cNvCxnSpPr>
+          <p:nvPr/>
+        </p:nvCxnSpPr>
+        <p:spPr>
+          <a:xfrm flipH="1">
+            <a:off x="1297694" y="2406926"/>
+            <a:ext cx="1" cy="2772254"/>
+          </a:xfrm>
+          <a:prstGeom prst="straightConnector1">
+            <a:avLst/>
+          </a:prstGeom>
+          <a:ln>
+            <a:tailEnd type="triangle"/>
+          </a:ln>
+        </p:spPr>
+        <p:style>
+          <a:lnRef idx="1">
+            <a:schemeClr val="accent1"/>
+          </a:lnRef>
+          <a:fillRef idx="0">
+            <a:schemeClr val="accent1"/>
+          </a:fillRef>
+          <a:effectRef idx="0">
+            <a:schemeClr val="accent1"/>
+          </a:effectRef>
+          <a:fontRef idx="minor">
+            <a:schemeClr val="tx1"/>
+          </a:fontRef>
+        </p:style>
+      </p:cxnSp>
+      <p:sp>
+        <p:nvSpPr>
+          <p:cNvPr id="90" name="TextBox 89">
+            <a:extLst>
+              <a:ext uri="{FF2B5EF4-FFF2-40B4-BE49-F238E27FC236}">
+                <a16:creationId xmlns:a16="http://schemas.microsoft.com/office/drawing/2014/main" id="{E4E7AF29-021D-C13A-0046-987521DC16FB}"/>
+              </a:ext>
+            </a:extLst>
+          </p:cNvPr>
+          <p:cNvSpPr txBox="1"/>
+          <p:nvPr/>
+        </p:nvSpPr>
+        <p:spPr>
+          <a:xfrm>
+            <a:off x="560159" y="4228336"/>
+            <a:ext cx="901908" cy="646331"/>
+          </a:xfrm>
+          <a:prstGeom prst="rect">
+            <a:avLst/>
+          </a:prstGeom>
+          <a:noFill/>
+        </p:spPr>
+        <p:txBody>
+          <a:bodyPr wrap="square" rtlCol="0">
+            <a:spAutoFit/>
+          </a:bodyPr>
+          <a:lstStyle/>
+          <a:p>
+            <a:pPr algn="ctr"/>
+            <a:r>
+              <a:rPr lang="de-DE" dirty="0"/>
+              <a:t>Play </a:t>
+            </a:r>
+          </a:p>
+          <a:p>
+            <a:pPr algn="ctr"/>
+            <a:r>
+              <a:rPr lang="de-DE" dirty="0"/>
+              <a:t>on</a:t>
+            </a:r>
+            <a:endParaRPr lang="en-US" dirty="0"/>
+          </a:p>
+        </p:txBody>
+      </p:sp>
+      <p:sp>
+        <p:nvSpPr>
+          <p:cNvPr id="91" name="TextBox 90">
+            <a:extLst>
+              <a:ext uri="{FF2B5EF4-FFF2-40B4-BE49-F238E27FC236}">
+                <a16:creationId xmlns:a16="http://schemas.microsoft.com/office/drawing/2014/main" id="{6825B0FE-9E2F-B61D-205B-228D9766C9AA}"/>
+              </a:ext>
+            </a:extLst>
+          </p:cNvPr>
+          <p:cNvSpPr txBox="1"/>
+          <p:nvPr/>
+        </p:nvSpPr>
+        <p:spPr>
+          <a:xfrm>
+            <a:off x="2208914" y="4228336"/>
+            <a:ext cx="901908" cy="646331"/>
+          </a:xfrm>
+          <a:prstGeom prst="rect">
+            <a:avLst/>
+          </a:prstGeom>
+          <a:noFill/>
+        </p:spPr>
+        <p:txBody>
+          <a:bodyPr wrap="square" rtlCol="0">
+            <a:spAutoFit/>
+          </a:bodyPr>
+          <a:lstStyle/>
+          <a:p>
+            <a:pPr algn="ctr"/>
+            <a:r>
+              <a:rPr lang="de-DE" dirty="0"/>
+              <a:t>Play </a:t>
+            </a:r>
+          </a:p>
+          <a:p>
+            <a:pPr algn="ctr"/>
+            <a:r>
+              <a:rPr lang="de-DE" dirty="0"/>
+              <a:t>on</a:t>
+            </a:r>
+            <a:endParaRPr lang="en-US" dirty="0"/>
           </a:p>
         </p:txBody>
       </p:sp>
     </p:spTree>
     <p:extLst>
       <p:ext uri="{BB962C8B-B14F-4D97-AF65-F5344CB8AC3E}">
-        <p14:creationId xmlns:p14="http://schemas.microsoft.com/office/powerpoint/2010/main" val="872514013"/>
+        <p14:creationId xmlns:p14="http://schemas.microsoft.com/office/powerpoint/2010/main" val="3524554039"/>
       </p:ext>
     </p:extLst>
   </p:cSld>
@@ -7077,7 +10086,385 @@
               <a:buFontTx/>
               <a:buChar char="-"/>
             </a:pPr>
+            <a:r>
+              <a:rPr lang="de-DE" dirty="0"/>
+              <a:t>WARP </a:t>
+            </a:r>
+            <a:r>
+              <a:rPr lang="de-DE" dirty="0" err="1"/>
+              <a:t>most</a:t>
+            </a:r>
+            <a:r>
+              <a:rPr lang="de-DE" dirty="0"/>
+              <a:t> prominent </a:t>
+            </a:r>
+            <a:r>
+              <a:rPr lang="de-DE" dirty="0" err="1"/>
+              <a:t>candidate</a:t>
+            </a:r>
+            <a:r>
+              <a:rPr lang="de-DE" dirty="0"/>
+              <a:t> </a:t>
+            </a:r>
+            <a:r>
+              <a:rPr lang="de-DE" dirty="0" err="1"/>
+              <a:t>for</a:t>
+            </a:r>
+            <a:r>
+              <a:rPr lang="de-DE" dirty="0"/>
+              <a:t> MOQ</a:t>
+            </a:r>
+          </a:p>
+          <a:p>
+            <a:pPr marL="285750" indent="-285750">
+              <a:buFontTx/>
+              <a:buChar char="-"/>
+            </a:pPr>
+            <a:r>
+              <a:rPr lang="de-DE" dirty="0" err="1"/>
+              <a:t>Transformed</a:t>
+            </a:r>
+            <a:r>
+              <a:rPr lang="de-DE" dirty="0"/>
+              <a:t> </a:t>
+            </a:r>
+            <a:r>
+              <a:rPr lang="de-DE" dirty="0" err="1"/>
+              <a:t>to</a:t>
+            </a:r>
+            <a:r>
+              <a:rPr lang="de-DE" dirty="0"/>
+              <a:t> Media </a:t>
+            </a:r>
+            <a:r>
+              <a:rPr lang="de-DE" dirty="0" err="1"/>
+              <a:t>over</a:t>
+            </a:r>
+            <a:r>
+              <a:rPr lang="de-DE" dirty="0"/>
+              <a:t> </a:t>
+            </a:r>
+            <a:r>
+              <a:rPr lang="de-DE"/>
+              <a:t>QUIC Transport (MOQT)</a:t>
+            </a:r>
             <a:endParaRPr lang="de-DE" dirty="0"/>
+          </a:p>
+          <a:p>
+            <a:pPr marL="971550" lvl="1" indent="-285750">
+              <a:buFontTx/>
+              <a:buChar char="-"/>
+            </a:pPr>
+            <a:r>
+              <a:rPr lang="de-DE" sz="1800" dirty="0">
+                <a:latin typeface="Arial" panose="020B0604020202020204" pitchFamily="34" charset="0"/>
+                <a:cs typeface="Arial" panose="020B0604020202020204" pitchFamily="34" charset="0"/>
+              </a:rPr>
+              <a:t>1st </a:t>
+            </a:r>
+            <a:r>
+              <a:rPr lang="de-DE" sz="1800" dirty="0" err="1">
+                <a:latin typeface="Arial" panose="020B0604020202020204" pitchFamily="34" charset="0"/>
+                <a:cs typeface="Arial" panose="020B0604020202020204" pitchFamily="34" charset="0"/>
+              </a:rPr>
+              <a:t>July</a:t>
+            </a:r>
+            <a:r>
+              <a:rPr lang="de-DE" sz="1800" dirty="0">
+                <a:latin typeface="Arial" panose="020B0604020202020204" pitchFamily="34" charset="0"/>
+                <a:cs typeface="Arial" panose="020B0604020202020204" pitchFamily="34" charset="0"/>
+              </a:rPr>
+              <a:t> 2023: </a:t>
+            </a:r>
+            <a:r>
+              <a:rPr lang="de-DE" sz="1800" dirty="0" err="1">
+                <a:latin typeface="Arial" panose="020B0604020202020204" pitchFamily="34" charset="0"/>
+                <a:cs typeface="Arial" panose="020B0604020202020204" pitchFamily="34" charset="0"/>
+              </a:rPr>
+              <a:t>new</a:t>
+            </a:r>
+            <a:r>
+              <a:rPr lang="de-DE" sz="1800" dirty="0">
+                <a:latin typeface="Arial" panose="020B0604020202020204" pitchFamily="34" charset="0"/>
+                <a:cs typeface="Arial" panose="020B0604020202020204" pitchFamily="34" charset="0"/>
+              </a:rPr>
+              <a:t> IETF draft </a:t>
+            </a:r>
+            <a:r>
+              <a:rPr lang="de-DE" sz="1800" dirty="0" err="1">
+                <a:latin typeface="Arial" panose="020B0604020202020204" pitchFamily="34" charset="0"/>
+                <a:cs typeface="Arial" panose="020B0604020202020204" pitchFamily="34" charset="0"/>
+              </a:rPr>
+              <a:t>for</a:t>
+            </a:r>
+            <a:r>
+              <a:rPr lang="de-DE" sz="1800" dirty="0">
+                <a:latin typeface="Arial" panose="020B0604020202020204" pitchFamily="34" charset="0"/>
+                <a:cs typeface="Arial" panose="020B0604020202020204" pitchFamily="34" charset="0"/>
+              </a:rPr>
+              <a:t> MOQT</a:t>
+            </a:r>
+            <a:r>
+              <a:rPr lang="de-DE" sz="1800" baseline="30000" dirty="0">
+                <a:latin typeface="Arial" panose="020B0604020202020204" pitchFamily="34" charset="0"/>
+                <a:cs typeface="Arial" panose="020B0604020202020204" pitchFamily="34" charset="0"/>
+              </a:rPr>
+              <a:t>[8]</a:t>
+            </a:r>
+          </a:p>
+          <a:p>
+            <a:pPr marL="971550" lvl="1" indent="-285750">
+              <a:buFontTx/>
+              <a:buChar char="-"/>
+            </a:pPr>
+            <a:r>
+              <a:rPr lang="de-DE" sz="1800" dirty="0" err="1">
+                <a:latin typeface="Arial" panose="020B0604020202020204" pitchFamily="34" charset="0"/>
+                <a:cs typeface="Arial" panose="020B0604020202020204" pitchFamily="34" charset="0"/>
+              </a:rPr>
+              <a:t>Now</a:t>
+            </a:r>
+            <a:r>
+              <a:rPr lang="de-DE" sz="1800" dirty="0">
+                <a:latin typeface="Arial" panose="020B0604020202020204" pitchFamily="34" charset="0"/>
+                <a:cs typeface="Arial" panose="020B0604020202020204" pitchFamily="34" charset="0"/>
+              </a:rPr>
+              <a:t> </a:t>
+            </a:r>
+            <a:r>
+              <a:rPr lang="de-DE" sz="1800" dirty="0" err="1">
+                <a:latin typeface="Arial" panose="020B0604020202020204" pitchFamily="34" charset="0"/>
+                <a:cs typeface="Arial" panose="020B0604020202020204" pitchFamily="34" charset="0"/>
+              </a:rPr>
+              <a:t>supports</a:t>
+            </a:r>
+            <a:r>
+              <a:rPr lang="de-DE" sz="1800" dirty="0">
+                <a:latin typeface="Arial" panose="020B0604020202020204" pitchFamily="34" charset="0"/>
+                <a:cs typeface="Arial" panose="020B0604020202020204" pitchFamily="34" charset="0"/>
+              </a:rPr>
+              <a:t> a </a:t>
+            </a:r>
+            <a:r>
+              <a:rPr lang="de-DE" sz="1800" dirty="0" err="1">
+                <a:latin typeface="Arial" panose="020B0604020202020204" pitchFamily="34" charset="0"/>
+                <a:cs typeface="Arial" panose="020B0604020202020204" pitchFamily="34" charset="0"/>
+              </a:rPr>
+              <a:t>producer</a:t>
+            </a:r>
+            <a:r>
+              <a:rPr lang="de-DE" sz="1800" dirty="0">
+                <a:latin typeface="Arial" panose="020B0604020202020204" pitchFamily="34" charset="0"/>
+                <a:cs typeface="Arial" panose="020B0604020202020204" pitchFamily="34" charset="0"/>
+              </a:rPr>
+              <a:t> </a:t>
+            </a:r>
+            <a:r>
+              <a:rPr lang="de-DE" sz="1800" dirty="0" err="1">
+                <a:latin typeface="Arial" panose="020B0604020202020204" pitchFamily="34" charset="0"/>
+                <a:cs typeface="Arial" panose="020B0604020202020204" pitchFamily="34" charset="0"/>
+              </a:rPr>
+              <a:t>to</a:t>
+            </a:r>
+            <a:r>
+              <a:rPr lang="de-DE" sz="1800" dirty="0">
+                <a:latin typeface="Arial" panose="020B0604020202020204" pitchFamily="34" charset="0"/>
+                <a:cs typeface="Arial" panose="020B0604020202020204" pitchFamily="34" charset="0"/>
+              </a:rPr>
+              <a:t> publish </a:t>
+            </a:r>
+            <a:r>
+              <a:rPr lang="de-DE" sz="1800" dirty="0" err="1">
+                <a:latin typeface="Arial" panose="020B0604020202020204" pitchFamily="34" charset="0"/>
+                <a:cs typeface="Arial" panose="020B0604020202020204" pitchFamily="34" charset="0"/>
+              </a:rPr>
+              <a:t>data</a:t>
+            </a:r>
+            <a:endParaRPr lang="de-DE" sz="1800" dirty="0">
+              <a:latin typeface="Arial" panose="020B0604020202020204" pitchFamily="34" charset="0"/>
+              <a:cs typeface="Arial" panose="020B0604020202020204" pitchFamily="34" charset="0"/>
+            </a:endParaRPr>
+          </a:p>
+          <a:p>
+            <a:pPr marL="971550" lvl="1" indent="-285750">
+              <a:buFontTx/>
+              <a:buChar char="-"/>
+            </a:pPr>
+            <a:r>
+              <a:rPr lang="de-DE" sz="1800" dirty="0">
+                <a:latin typeface="Arial" panose="020B0604020202020204" pitchFamily="34" charset="0"/>
+                <a:cs typeface="Arial" panose="020B0604020202020204" pitchFamily="34" charset="0"/>
+              </a:rPr>
+              <a:t>Subscriber </a:t>
+            </a:r>
+            <a:r>
+              <a:rPr lang="de-DE" sz="1800" dirty="0" err="1">
+                <a:latin typeface="Arial" panose="020B0604020202020204" pitchFamily="34" charset="0"/>
+                <a:cs typeface="Arial" panose="020B0604020202020204" pitchFamily="34" charset="0"/>
+              </a:rPr>
+              <a:t>can</a:t>
+            </a:r>
+            <a:r>
+              <a:rPr lang="de-DE" sz="1800" dirty="0">
+                <a:latin typeface="Arial" panose="020B0604020202020204" pitchFamily="34" charset="0"/>
+                <a:cs typeface="Arial" panose="020B0604020202020204" pitchFamily="34" charset="0"/>
+              </a:rPr>
+              <a:t> </a:t>
+            </a:r>
+            <a:r>
+              <a:rPr lang="de-DE" sz="1800" dirty="0" err="1">
+                <a:latin typeface="Arial" panose="020B0604020202020204" pitchFamily="34" charset="0"/>
+                <a:cs typeface="Arial" panose="020B0604020202020204" pitchFamily="34" charset="0"/>
+              </a:rPr>
+              <a:t>consume</a:t>
+            </a:r>
+            <a:r>
+              <a:rPr lang="de-DE" sz="1800" dirty="0">
+                <a:latin typeface="Arial" panose="020B0604020202020204" pitchFamily="34" charset="0"/>
+                <a:cs typeface="Arial" panose="020B0604020202020204" pitchFamily="34" charset="0"/>
+              </a:rPr>
+              <a:t> </a:t>
+            </a:r>
+            <a:r>
+              <a:rPr lang="de-DE" sz="1800" dirty="0" err="1">
+                <a:latin typeface="Arial" panose="020B0604020202020204" pitchFamily="34" charset="0"/>
+                <a:cs typeface="Arial" panose="020B0604020202020204" pitchFamily="34" charset="0"/>
+              </a:rPr>
+              <a:t>said</a:t>
+            </a:r>
+            <a:r>
+              <a:rPr lang="de-DE" sz="1800" dirty="0">
+                <a:latin typeface="Arial" panose="020B0604020202020204" pitchFamily="34" charset="0"/>
+                <a:cs typeface="Arial" panose="020B0604020202020204" pitchFamily="34" charset="0"/>
+              </a:rPr>
+              <a:t> </a:t>
+            </a:r>
+            <a:r>
+              <a:rPr lang="de-DE" sz="1800" dirty="0" err="1">
+                <a:latin typeface="Arial" panose="020B0604020202020204" pitchFamily="34" charset="0"/>
+                <a:cs typeface="Arial" panose="020B0604020202020204" pitchFamily="34" charset="0"/>
+              </a:rPr>
+              <a:t>data</a:t>
+            </a:r>
+            <a:endParaRPr lang="de-DE" sz="1800" dirty="0">
+              <a:latin typeface="Arial" panose="020B0604020202020204" pitchFamily="34" charset="0"/>
+              <a:cs typeface="Arial" panose="020B0604020202020204" pitchFamily="34" charset="0"/>
+            </a:endParaRPr>
+          </a:p>
+          <a:p>
+            <a:pPr marL="971550" lvl="1" indent="-285750">
+              <a:buFontTx/>
+              <a:buChar char="-"/>
+            </a:pPr>
+            <a:r>
+              <a:rPr lang="de-DE" sz="1800" dirty="0" err="1">
+                <a:latin typeface="Arial" panose="020B0604020202020204" pitchFamily="34" charset="0"/>
+                <a:cs typeface="Arial" panose="020B0604020202020204" pitchFamily="34" charset="0"/>
+              </a:rPr>
+              <a:t>Designed</a:t>
+            </a:r>
+            <a:r>
+              <a:rPr lang="de-DE" sz="1800" dirty="0">
+                <a:latin typeface="Arial" panose="020B0604020202020204" pitchFamily="34" charset="0"/>
+                <a:cs typeface="Arial" panose="020B0604020202020204" pitchFamily="34" charset="0"/>
+              </a:rPr>
+              <a:t> </a:t>
+            </a:r>
+            <a:r>
+              <a:rPr lang="de-DE" sz="1800" dirty="0" err="1">
+                <a:latin typeface="Arial" panose="020B0604020202020204" pitchFamily="34" charset="0"/>
+                <a:cs typeface="Arial" panose="020B0604020202020204" pitchFamily="34" charset="0"/>
+              </a:rPr>
+              <a:t>to</a:t>
+            </a:r>
+            <a:r>
+              <a:rPr lang="de-DE" sz="1800" dirty="0">
+                <a:latin typeface="Arial" panose="020B0604020202020204" pitchFamily="34" charset="0"/>
+                <a:cs typeface="Arial" panose="020B0604020202020204" pitchFamily="34" charset="0"/>
+              </a:rPr>
+              <a:t> </a:t>
+            </a:r>
+            <a:r>
+              <a:rPr lang="de-DE" sz="1800" dirty="0" err="1">
+                <a:latin typeface="Arial" panose="020B0604020202020204" pitchFamily="34" charset="0"/>
+                <a:cs typeface="Arial" panose="020B0604020202020204" pitchFamily="34" charset="0"/>
+              </a:rPr>
+              <a:t>be</a:t>
+            </a:r>
+            <a:r>
+              <a:rPr lang="de-DE" sz="1800" dirty="0">
+                <a:latin typeface="Arial" panose="020B0604020202020204" pitchFamily="34" charset="0"/>
+                <a:cs typeface="Arial" panose="020B0604020202020204" pitchFamily="34" charset="0"/>
+              </a:rPr>
+              <a:t> </a:t>
+            </a:r>
+            <a:r>
+              <a:rPr lang="de-DE" sz="1800" dirty="0" err="1">
+                <a:latin typeface="Arial" panose="020B0604020202020204" pitchFamily="34" charset="0"/>
+                <a:cs typeface="Arial" panose="020B0604020202020204" pitchFamily="34" charset="0"/>
+              </a:rPr>
+              <a:t>highly</a:t>
+            </a:r>
+            <a:r>
+              <a:rPr lang="de-DE" sz="1800" dirty="0">
+                <a:latin typeface="Arial" panose="020B0604020202020204" pitchFamily="34" charset="0"/>
+                <a:cs typeface="Arial" panose="020B0604020202020204" pitchFamily="34" charset="0"/>
+              </a:rPr>
+              <a:t> </a:t>
+            </a:r>
+            <a:r>
+              <a:rPr lang="de-DE" sz="1800" dirty="0" err="1">
+                <a:latin typeface="Arial" panose="020B0604020202020204" pitchFamily="34" charset="0"/>
+                <a:cs typeface="Arial" panose="020B0604020202020204" pitchFamily="34" charset="0"/>
+              </a:rPr>
+              <a:t>scalable</a:t>
+            </a:r>
+            <a:r>
+              <a:rPr lang="de-DE" sz="1800" dirty="0">
+                <a:latin typeface="Arial" panose="020B0604020202020204" pitchFamily="34" charset="0"/>
+                <a:cs typeface="Arial" panose="020B0604020202020204" pitchFamily="34" charset="0"/>
+              </a:rPr>
+              <a:t> and </a:t>
+            </a:r>
+            <a:r>
+              <a:rPr lang="de-DE" sz="1800" dirty="0" err="1">
+                <a:latin typeface="Arial" panose="020B0604020202020204" pitchFamily="34" charset="0"/>
+                <a:cs typeface="Arial" panose="020B0604020202020204" pitchFamily="34" charset="0"/>
+              </a:rPr>
+              <a:t>for</a:t>
+            </a:r>
+            <a:r>
+              <a:rPr lang="de-DE" sz="1800" dirty="0">
+                <a:latin typeface="Arial" panose="020B0604020202020204" pitchFamily="34" charset="0"/>
+                <a:cs typeface="Arial" panose="020B0604020202020204" pitchFamily="34" charset="0"/>
+              </a:rPr>
+              <a:t> </a:t>
+            </a:r>
+            <a:r>
+              <a:rPr lang="de-DE" sz="1800" dirty="0" err="1">
+                <a:latin typeface="Arial" panose="020B0604020202020204" pitchFamily="34" charset="0"/>
+                <a:cs typeface="Arial" panose="020B0604020202020204" pitchFamily="34" charset="0"/>
+              </a:rPr>
+              <a:t>low</a:t>
+            </a:r>
+            <a:r>
+              <a:rPr lang="de-DE" sz="1800" dirty="0">
+                <a:latin typeface="Arial" panose="020B0604020202020204" pitchFamily="34" charset="0"/>
+                <a:cs typeface="Arial" panose="020B0604020202020204" pitchFamily="34" charset="0"/>
+              </a:rPr>
+              <a:t> </a:t>
+            </a:r>
+            <a:r>
+              <a:rPr lang="de-DE" sz="1800" dirty="0" err="1">
+                <a:latin typeface="Arial" panose="020B0604020202020204" pitchFamily="34" charset="0"/>
+                <a:cs typeface="Arial" panose="020B0604020202020204" pitchFamily="34" charset="0"/>
+              </a:rPr>
+              <a:t>latency</a:t>
+            </a:r>
+            <a:endParaRPr lang="de-DE" sz="1800" dirty="0">
+              <a:latin typeface="Arial" panose="020B0604020202020204" pitchFamily="34" charset="0"/>
+              <a:cs typeface="Arial" panose="020B0604020202020204" pitchFamily="34" charset="0"/>
+            </a:endParaRPr>
           </a:p>
         </p:txBody>
       </p:sp>
@@ -7162,19 +10549,44 @@
         </p:nvSpPr>
         <p:spPr>
           <a:xfrm>
-            <a:off x="550800" y="1371600"/>
-            <a:ext cx="9721850" cy="4327864"/>
+            <a:off x="3193033" y="1757191"/>
+            <a:ext cx="5805933" cy="3343618"/>
           </a:xfrm>
         </p:spPr>
         <p:txBody>
           <a:bodyPr/>
           <a:lstStyle/>
           <a:p>
-            <a:pPr marL="285750" indent="-285750">
-              <a:buFontTx/>
-              <a:buChar char="-"/>
+            <a:pPr algn="ctr">
+              <a:lnSpc>
+                <a:spcPct val="100000"/>
+              </a:lnSpc>
             </a:pPr>
-            <a:endParaRPr lang="de-DE" dirty="0"/>
+            <a:r>
+              <a:rPr lang="de-DE" sz="6600" dirty="0"/>
+              <a:t>Same </a:t>
+            </a:r>
+            <a:r>
+              <a:rPr lang="de-DE" sz="6600" dirty="0" err="1"/>
+              <a:t>as</a:t>
+            </a:r>
+            <a:r>
+              <a:rPr lang="de-DE" sz="6600" dirty="0"/>
+              <a:t> </a:t>
+            </a:r>
+            <a:r>
+              <a:rPr lang="de-DE" sz="6600" dirty="0" err="1"/>
+              <a:t>previous</a:t>
+            </a:r>
+            <a:r>
+              <a:rPr lang="de-DE" sz="6600" dirty="0"/>
+              <a:t> </a:t>
+            </a:r>
+            <a:r>
+              <a:rPr lang="de-DE" sz="6600" dirty="0" err="1"/>
+              <a:t>workshop</a:t>
+            </a:r>
+            <a:endParaRPr lang="de-DE" sz="6600" dirty="0"/>
           </a:p>
         </p:txBody>
       </p:sp>
@@ -7270,6 +10682,10 @@
               <a:rPr lang="de-DE" dirty="0"/>
               <a:t>README.md on GitHub</a:t>
             </a:r>
+            <a:r>
+              <a:rPr lang="de-DE" baseline="30000" dirty="0"/>
+              <a:t>[7]</a:t>
+            </a:r>
           </a:p>
           <a:p>
             <a:pPr marL="285750" indent="-285750">
@@ -7280,7 +10696,10 @@
               <a:rPr lang="de-DE" dirty="0" err="1"/>
               <a:t>Documentation</a:t>
             </a:r>
-            <a:endParaRPr lang="de-DE" dirty="0"/>
+            <a:r>
+              <a:rPr lang="de-DE" dirty="0"/>
+              <a:t> / Project Report</a:t>
+            </a:r>
           </a:p>
         </p:txBody>
       </p:sp>
@@ -7672,24 +11091,44 @@
           <a:p>
             <a:r>
               <a:rPr lang="de-DE" dirty="0"/>
-              <a:t>[3] https://github.com/facebookexperimental/webcodecs-capture-play</a:t>
-            </a:r>
-          </a:p>
-          <a:p>
-            <a:r>
-              <a:rPr lang="de-DE" dirty="0"/>
-              <a:t>[4] https://github.com/kixelated/warp</a:t>
-            </a:r>
-          </a:p>
-          <a:p>
-            <a:r>
-              <a:rPr lang="de-DE" dirty="0"/>
-              <a:t>[5] </a:t>
+              <a:t>[3] </a:t>
             </a:r>
             <a:r>
               <a:rPr lang="de-DE" dirty="0">
                 <a:hlinkClick r:id="rId2"/>
               </a:rPr>
+              <a:t>https://github.com/facebookexperimental/webcodecs-capture-play</a:t>
+            </a:r>
+            <a:r>
+              <a:rPr lang="de-DE" dirty="0"/>
+              <a:t> </a:t>
+            </a:r>
+          </a:p>
+          <a:p>
+            <a:r>
+              <a:rPr lang="de-DE" dirty="0"/>
+              <a:t>[4] </a:t>
+            </a:r>
+            <a:r>
+              <a:rPr lang="de-DE" dirty="0">
+                <a:hlinkClick r:id="rId3"/>
+              </a:rPr>
+              <a:t>https://github.com/kixelated/warp</a:t>
+            </a:r>
+            <a:r>
+              <a:rPr lang="de-DE" dirty="0"/>
+              <a:t> </a:t>
+            </a:r>
+          </a:p>
+          <a:p>
+            <a:r>
+              <a:rPr lang="de-DE" dirty="0"/>
+              <a:t>[5] </a:t>
+            </a:r>
+            <a:r>
+              <a:rPr lang="de-DE" dirty="0">
+                <a:hlinkClick r:id="rId4"/>
+              </a:rPr>
               <a:t>https://github.com/Quicr/qmedia</a:t>
             </a:r>
             <a:endParaRPr lang="de-DE" dirty="0"/>
@@ -7697,7 +11136,43 @@
           <a:p>
             <a:r>
               <a:rPr lang="de-DE" dirty="0"/>
-              <a:t>[6] https://w3techs.com/technologies/details/ce-httpsdefault</a:t>
+              <a:t>[6] </a:t>
+            </a:r>
+            <a:r>
+              <a:rPr lang="de-DE" dirty="0">
+                <a:hlinkClick r:id="rId5"/>
+              </a:rPr>
+              <a:t>https://w3techs.com/technologies/details/ce-httpsdefault</a:t>
+            </a:r>
+            <a:endParaRPr lang="de-DE" dirty="0"/>
+          </a:p>
+          <a:p>
+            <a:r>
+              <a:rPr lang="de-DE" dirty="0"/>
+              <a:t>[7] </a:t>
+            </a:r>
+            <a:r>
+              <a:rPr lang="de-DE" dirty="0">
+                <a:hlinkClick r:id="rId6"/>
+              </a:rPr>
+              <a:t>https://github.com/ArckyPN/tu-berlin-awt-pj-ss23-http3</a:t>
+            </a:r>
+            <a:endParaRPr lang="de-DE" dirty="0"/>
+          </a:p>
+          <a:p>
+            <a:r>
+              <a:rPr lang="de-DE" dirty="0"/>
+              <a:t>[8] </a:t>
+            </a:r>
+            <a:r>
+              <a:rPr lang="de-DE" dirty="0">
+                <a:hlinkClick r:id="rId7"/>
+              </a:rPr>
+              <a:t>https://datatracker.ietf.org/doc/draft-ietf-moq-transport/</a:t>
+            </a:r>
+            <a:r>
+              <a:rPr lang="de-DE" dirty="0"/>
+              <a:t> </a:t>
             </a:r>
           </a:p>
         </p:txBody>
@@ -7749,7 +11224,7 @@
         </p:nvSpPr>
         <p:spPr>
           <a:xfrm>
-            <a:off x="550800" y="5127681"/>
+            <a:off x="550800" y="5385299"/>
             <a:ext cx="8311908" cy="717437"/>
           </a:xfrm>
           <a:prstGeom prst="rect">
